--- a/Fall_2019/Slides/12-Distributed_DBMS_Reliability-3.pptx
+++ b/Fall_2019/Slides/12-Distributed_DBMS_Reliability-3.pptx
@@ -5,10 +5,10 @@
     <p:sldMasterId id="2147483696" r:id="rId1"/>
   </p:sldMasterIdLst>
   <p:notesMasterIdLst>
-    <p:notesMasterId r:id="rId46"/>
+    <p:notesMasterId r:id="rId40"/>
   </p:notesMasterIdLst>
   <p:handoutMasterIdLst>
-    <p:handoutMasterId r:id="rId47"/>
+    <p:handoutMasterId r:id="rId41"/>
   </p:handoutMasterIdLst>
   <p:sldIdLst>
     <p:sldId id="256" r:id="rId2"/>
@@ -24,37 +24,31 @@
     <p:sldId id="769" r:id="rId12"/>
     <p:sldId id="770" r:id="rId13"/>
     <p:sldId id="771" r:id="rId14"/>
-    <p:sldId id="793" r:id="rId15"/>
-    <p:sldId id="794" r:id="rId16"/>
-    <p:sldId id="795" r:id="rId17"/>
-    <p:sldId id="796" r:id="rId18"/>
-    <p:sldId id="797" r:id="rId19"/>
-    <p:sldId id="772" r:id="rId20"/>
-    <p:sldId id="773" r:id="rId21"/>
-    <p:sldId id="774" r:id="rId22"/>
-    <p:sldId id="775" r:id="rId23"/>
-    <p:sldId id="776" r:id="rId24"/>
-    <p:sldId id="777" r:id="rId25"/>
-    <p:sldId id="779" r:id="rId26"/>
-    <p:sldId id="780" r:id="rId27"/>
-    <p:sldId id="781" r:id="rId28"/>
-    <p:sldId id="782" r:id="rId29"/>
-    <p:sldId id="783" r:id="rId30"/>
-    <p:sldId id="785" r:id="rId31"/>
-    <p:sldId id="786" r:id="rId32"/>
-    <p:sldId id="787" r:id="rId33"/>
-    <p:sldId id="788" r:id="rId34"/>
-    <p:sldId id="789" r:id="rId35"/>
-    <p:sldId id="790" r:id="rId36"/>
-    <p:sldId id="791" r:id="rId37"/>
-    <p:sldId id="792" r:id="rId38"/>
-    <p:sldId id="798" r:id="rId39"/>
-    <p:sldId id="799" r:id="rId40"/>
-    <p:sldId id="800" r:id="rId41"/>
-    <p:sldId id="801" r:id="rId42"/>
-    <p:sldId id="802" r:id="rId43"/>
-    <p:sldId id="803" r:id="rId44"/>
-    <p:sldId id="804" r:id="rId45"/>
+    <p:sldId id="772" r:id="rId15"/>
+    <p:sldId id="773" r:id="rId16"/>
+    <p:sldId id="774" r:id="rId17"/>
+    <p:sldId id="775" r:id="rId18"/>
+    <p:sldId id="776" r:id="rId19"/>
+    <p:sldId id="777" r:id="rId20"/>
+    <p:sldId id="779" r:id="rId21"/>
+    <p:sldId id="780" r:id="rId22"/>
+    <p:sldId id="781" r:id="rId23"/>
+    <p:sldId id="782" r:id="rId24"/>
+    <p:sldId id="783" r:id="rId25"/>
+    <p:sldId id="785" r:id="rId26"/>
+    <p:sldId id="786" r:id="rId27"/>
+    <p:sldId id="787" r:id="rId28"/>
+    <p:sldId id="788" r:id="rId29"/>
+    <p:sldId id="789" r:id="rId30"/>
+    <p:sldId id="790" r:id="rId31"/>
+    <p:sldId id="791" r:id="rId32"/>
+    <p:sldId id="792" r:id="rId33"/>
+    <p:sldId id="798" r:id="rId34"/>
+    <p:sldId id="799" r:id="rId35"/>
+    <p:sldId id="800" r:id="rId36"/>
+    <p:sldId id="801" r:id="rId37"/>
+    <p:sldId id="802" r:id="rId38"/>
+    <p:sldId id="804" r:id="rId39"/>
   </p:sldIdLst>
   <p:sldSz cx="9144000" cy="6858000" type="screen4x3"/>
   <p:notesSz cx="6858000" cy="9144000"/>
@@ -293,7 +287,7 @@
               <a:pPr>
                 <a:defRPr/>
               </a:pPr>
-              <a:t>12/6/18</a:t>
+              <a:t>12/24/19</a:t>
             </a:fld>
             <a:endParaRPr lang="en-US"/>
           </a:p>
@@ -489,7 +483,7 @@
               <a:pPr>
                 <a:defRPr/>
               </a:pPr>
-              <a:t>2018/12/6</a:t>
+              <a:t>2019/12/24</a:t>
             </a:fld>
             <a:endParaRPr lang="zh-CN" altLang="en-US"/>
           </a:p>
@@ -1392,7 +1386,7 @@
               <a:pPr>
                 <a:defRPr/>
               </a:pPr>
-              <a:t>2018/12/6</a:t>
+              <a:t>2019/12/24</a:t>
             </a:fld>
             <a:endParaRPr lang="zh-CN" altLang="en-US"/>
           </a:p>
@@ -1598,7 +1592,7 @@
               <a:pPr>
                 <a:defRPr/>
               </a:pPr>
-              <a:t>2018/12/6</a:t>
+              <a:t>2019/12/24</a:t>
             </a:fld>
             <a:endParaRPr lang="zh-CN" altLang="en-US"/>
           </a:p>
@@ -1813,7 +1807,7 @@
               <a:pPr>
                 <a:defRPr/>
               </a:pPr>
-              <a:t>2018/12/6</a:t>
+              <a:t>2019/12/24</a:t>
             </a:fld>
             <a:endParaRPr lang="zh-CN" altLang="en-US"/>
           </a:p>
@@ -2018,7 +2012,7 @@
               <a:pPr>
                 <a:defRPr/>
               </a:pPr>
-              <a:t>2018/12/6</a:t>
+              <a:t>2019/12/24</a:t>
             </a:fld>
             <a:endParaRPr lang="zh-CN" altLang="en-US"/>
           </a:p>
@@ -2546,7 +2540,7 @@
               <a:pPr>
                 <a:defRPr/>
               </a:pPr>
-              <a:t>2018/12/6</a:t>
+              <a:t>2019/12/24</a:t>
             </a:fld>
             <a:endParaRPr lang="zh-CN" altLang="en-US"/>
           </a:p>
@@ -2851,7 +2845,7 @@
               <a:pPr>
                 <a:defRPr/>
               </a:pPr>
-              <a:t>2018/12/6</a:t>
+              <a:t>2019/12/24</a:t>
             </a:fld>
             <a:endParaRPr lang="zh-CN" altLang="en-US"/>
           </a:p>
@@ -3371,7 +3365,7 @@
               <a:pPr>
                 <a:defRPr/>
               </a:pPr>
-              <a:t>2018/12/6</a:t>
+              <a:t>2019/12/24</a:t>
             </a:fld>
             <a:endParaRPr lang="zh-CN" altLang="en-US"/>
           </a:p>
@@ -3528,7 +3522,7 @@
               <a:pPr>
                 <a:defRPr/>
               </a:pPr>
-              <a:t>2018/12/6</a:t>
+              <a:t>2019/12/24</a:t>
             </a:fld>
             <a:endParaRPr lang="zh-CN" altLang="en-US"/>
           </a:p>
@@ -3778,7 +3772,7 @@
               <a:pPr>
                 <a:defRPr/>
               </a:pPr>
-              <a:t>2018/12/6</a:t>
+              <a:t>2019/12/24</a:t>
             </a:fld>
             <a:endParaRPr lang="zh-CN" altLang="en-US"/>
           </a:p>
@@ -4076,7 +4070,7 @@
               <a:pPr>
                 <a:defRPr/>
               </a:pPr>
-              <a:t>2018/12/6</a:t>
+              <a:t>2019/12/24</a:t>
             </a:fld>
             <a:endParaRPr lang="zh-CN" altLang="en-US"/>
           </a:p>
@@ -4548,7 +4542,7 @@
               <a:pPr>
                 <a:defRPr/>
               </a:pPr>
-              <a:t>2018/12/6</a:t>
+              <a:t>2019/12/24</a:t>
             </a:fld>
             <a:endParaRPr lang="zh-CN" altLang="en-US"/>
           </a:p>
@@ -5120,7 +5114,7 @@
               <a:pPr>
                 <a:defRPr/>
               </a:pPr>
-              <a:t>2018/12/6</a:t>
+              <a:t>2019/12/24</a:t>
             </a:fld>
             <a:endParaRPr lang="zh-CN" altLang="en-US"/>
           </a:p>
@@ -5850,7 +5844,15 @@
             </a:pPr>
             <a:r>
               <a:rPr lang="en-US" altLang="zh-CN" sz="2800" dirty="0" smtClean="0"/>
-              <a:t>Autumn, 2018</a:t>
+              <a:t>Autumn</a:t>
+            </a:r>
+            <a:r>
+              <a:rPr lang="en-US" altLang="zh-CN" sz="2800" smtClean="0"/>
+              <a:t>, </a:t>
+            </a:r>
+            <a:r>
+              <a:rPr lang="en-US" altLang="zh-CN" sz="2800" smtClean="0"/>
+              <a:t>2019</a:t>
             </a:r>
             <a:endParaRPr lang="zh-CN" altLang="en-US" sz="2800" dirty="0"/>
           </a:p>
@@ -7173,7 +7175,7 @@
       </p:grpSpPr>
       <p:sp>
         <p:nvSpPr>
-          <p:cNvPr id="6" name="Title 5"/>
+          <p:cNvPr id="2" name="Title 1"/>
           <p:cNvSpPr>
             <a:spLocks noGrp="1"/>
           </p:cNvSpPr>
@@ -7183,14 +7185,50 @@
         </p:nvSpPr>
         <p:spPr/>
         <p:txBody>
-          <a:bodyPr>
-            <a:normAutofit fontScale="90000"/>
-          </a:bodyPr>
+          <a:bodyPr/>
           <a:lstStyle/>
           <a:p>
             <a:r>
+              <a:rPr lang="en-US" dirty="0"/>
+              <a:t>3PC Node Recovery</a:t>
+            </a:r>
+          </a:p>
+        </p:txBody>
+      </p:sp>
+      <p:sp>
+        <p:nvSpPr>
+          <p:cNvPr id="3" name="Content Placeholder 2"/>
+          <p:cNvSpPr>
+            <a:spLocks noGrp="1"/>
+          </p:cNvSpPr>
+          <p:nvPr>
+            <p:ph idx="1"/>
+          </p:nvPr>
+        </p:nvSpPr>
+        <p:spPr/>
+        <p:txBody>
+          <a:bodyPr/>
+          <a:lstStyle/>
+          <a:p>
+            <a:r>
+              <a:rPr lang="en-US" dirty="0"/>
+              <a:t>After node recovers from failure</a:t>
+            </a:r>
+          </a:p>
+          <a:p>
+            <a:pPr lvl="1"/>
+            <a:r>
+              <a:rPr lang="en-US" dirty="0"/>
+              <a:t>Waiting for commit or abort decision from others is ok Unless all nodes fail </a:t>
+            </a:r>
+          </a:p>
+          <a:p>
+            <a:endParaRPr lang="en-US" dirty="0" smtClean="0"/>
+          </a:p>
+          <a:p>
+            <a:r>
               <a:rPr lang="en-US" altLang="zh-CN" dirty="0" smtClean="0"/>
-              <a:t>Review:</a:t>
+              <a:t>Two</a:t>
             </a:r>
             <a:r>
               <a:rPr lang="zh-CN" altLang="en-US" dirty="0" smtClean="0"/>
@@ -7198,374 +7236,46 @@
             </a:r>
             <a:r>
               <a:rPr lang="en-US" altLang="zh-CN" dirty="0" smtClean="0"/>
-              <a:t>Blocking</a:t>
-            </a:r>
-            <a:r>
-              <a:rPr lang="zh-CN" altLang="en-US" dirty="0" smtClean="0"/>
-              <a:t> </a:t>
-            </a:r>
-            <a:r>
-              <a:rPr lang="en-US" altLang="zh-CN" dirty="0" smtClean="0"/>
-              <a:t>Problem</a:t>
-            </a:r>
-            <a:r>
-              <a:rPr lang="zh-CN" altLang="en-US" dirty="0" smtClean="0"/>
-              <a:t> </a:t>
-            </a:r>
-            <a:r>
-              <a:rPr lang="en-US" altLang="zh-CN" dirty="0" smtClean="0"/>
-              <a:t>with</a:t>
-            </a:r>
-            <a:r>
-              <a:rPr lang="zh-CN" altLang="en-US" dirty="0" smtClean="0"/>
-              <a:t> </a:t>
-            </a:r>
-            <a:r>
-              <a:rPr lang="en-US" altLang="zh-CN" dirty="0" smtClean="0"/>
-              <a:t>2PC</a:t>
-            </a:r>
-            <a:endParaRPr lang="en-US" dirty="0"/>
-          </a:p>
-        </p:txBody>
-      </p:sp>
-      <p:sp>
-        <p:nvSpPr>
-          <p:cNvPr id="7" name="Content Placeholder 6"/>
-          <p:cNvSpPr>
-            <a:spLocks noGrp="1"/>
-          </p:cNvSpPr>
-          <p:nvPr>
-            <p:ph idx="1"/>
-          </p:nvPr>
-        </p:nvSpPr>
-        <p:spPr>
-          <a:xfrm>
-            <a:off x="1435100" y="1447800"/>
-            <a:ext cx="7499350" cy="1837184"/>
-          </a:xfrm>
-        </p:spPr>
-        <p:txBody>
-          <a:bodyPr/>
-          <a:lstStyle/>
-          <a:p>
-            <a:r>
-              <a:rPr lang="en-US" altLang="zh-CN" sz="2800" dirty="0" smtClean="0"/>
-              <a:t>Participants</a:t>
-            </a:r>
-            <a:r>
-              <a:rPr lang="zh-CN" altLang="en-US" sz="2800" dirty="0" smtClean="0"/>
-              <a:t> </a:t>
-            </a:r>
-            <a:r>
-              <a:rPr lang="en-US" altLang="zh-CN" sz="2800" dirty="0" smtClean="0"/>
-              <a:t>P2,</a:t>
-            </a:r>
-            <a:r>
-              <a:rPr lang="zh-CN" altLang="en-US" sz="2800" dirty="0" smtClean="0"/>
-              <a:t> </a:t>
-            </a:r>
-            <a:r>
-              <a:rPr lang="en-US" altLang="zh-CN" sz="2800" dirty="0" smtClean="0"/>
-              <a:t>P3</a:t>
-            </a:r>
-            <a:r>
-              <a:rPr lang="zh-CN" altLang="en-US" sz="2800" dirty="0" smtClean="0"/>
-              <a:t> </a:t>
-            </a:r>
-            <a:r>
-              <a:rPr lang="en-US" altLang="zh-CN" sz="2800" dirty="0" smtClean="0"/>
-              <a:t>and</a:t>
-            </a:r>
-            <a:r>
-              <a:rPr lang="zh-CN" altLang="en-US" sz="2800" dirty="0" smtClean="0"/>
-              <a:t> </a:t>
-            </a:r>
-            <a:r>
-              <a:rPr lang="en-US" altLang="zh-CN" sz="2800" dirty="0" smtClean="0"/>
-              <a:t>P4</a:t>
-            </a:r>
-            <a:r>
-              <a:rPr lang="zh-CN" altLang="en-US" sz="2800" dirty="0" smtClean="0"/>
-              <a:t> </a:t>
-            </a:r>
-            <a:r>
-              <a:rPr lang="en-US" altLang="zh-CN" sz="2800" dirty="0" smtClean="0"/>
-              <a:t>are</a:t>
-            </a:r>
-            <a:r>
-              <a:rPr lang="zh-CN" altLang="en-US" sz="2800" dirty="0" smtClean="0"/>
-              <a:t> </a:t>
-            </a:r>
-            <a:r>
-              <a:rPr lang="en-US" altLang="zh-CN" sz="2800" dirty="0" smtClean="0"/>
-              <a:t>in</a:t>
-            </a:r>
-            <a:r>
-              <a:rPr lang="zh-CN" altLang="en-US" sz="2800" dirty="0" smtClean="0"/>
-              <a:t> </a:t>
-            </a:r>
-            <a:r>
-              <a:rPr lang="en-US" altLang="zh-CN" sz="2800" dirty="0" smtClean="0"/>
-              <a:t>W</a:t>
-            </a:r>
-            <a:r>
-              <a:rPr lang="zh-CN" altLang="en-US" sz="2800" dirty="0" smtClean="0"/>
-              <a:t> </a:t>
-            </a:r>
-            <a:r>
-              <a:rPr lang="en-US" altLang="zh-CN" sz="2800" dirty="0" smtClean="0"/>
-              <a:t>state</a:t>
+              <a:t>Solutions</a:t>
             </a:r>
           </a:p>
           <a:p>
             <a:pPr lvl="1"/>
             <a:r>
-              <a:rPr lang="en-US" altLang="zh-CN" sz="2400" dirty="0" smtClean="0"/>
-              <a:t>They</a:t>
-            </a:r>
-            <a:r>
-              <a:rPr lang="zh-CN" altLang="en-US" sz="2400" dirty="0" smtClean="0"/>
-              <a:t> </a:t>
-            </a:r>
-            <a:r>
-              <a:rPr lang="en-US" altLang="zh-CN" sz="2400" dirty="0" smtClean="0"/>
-              <a:t>have</a:t>
-            </a:r>
-            <a:r>
-              <a:rPr lang="zh-CN" altLang="en-US" sz="2400" dirty="0" smtClean="0"/>
-              <a:t> </a:t>
-            </a:r>
-            <a:r>
-              <a:rPr lang="en-US" altLang="zh-CN" sz="2400" dirty="0" smtClean="0"/>
-              <a:t>to</a:t>
-            </a:r>
-            <a:r>
-              <a:rPr lang="zh-CN" altLang="en-US" sz="2400" dirty="0" smtClean="0"/>
-              <a:t> </a:t>
-            </a:r>
-            <a:r>
-              <a:rPr lang="en-US" altLang="zh-CN" sz="2400" dirty="0" smtClean="0">
+              <a:rPr lang="en-US" dirty="0"/>
+              <a:t>A. Wait for all nodes to </a:t>
+            </a:r>
+            <a:r>
+              <a:rPr lang="en-US" dirty="0">
                 <a:solidFill>
                   <a:srgbClr val="FF0000"/>
                 </a:solidFill>
               </a:rPr>
-              <a:t>wait</a:t>
-            </a:r>
-            <a:r>
-              <a:rPr lang="zh-CN" altLang="en-US" sz="2400" dirty="0" smtClean="0">
+              <a:t>recover </a:t>
+            </a:r>
+            <a:endParaRPr lang="en-US" altLang="zh-CN" dirty="0" smtClean="0">
+              <a:solidFill>
+                <a:srgbClr val="FF0000"/>
+              </a:solidFill>
+            </a:endParaRPr>
+          </a:p>
+          <a:p>
+            <a:pPr lvl="1"/>
+            <a:r>
+              <a:rPr lang="en-US" dirty="0" smtClean="0"/>
+              <a:t>B</a:t>
+            </a:r>
+            <a:r>
+              <a:rPr lang="en-US" dirty="0"/>
+              <a:t>. Perform </a:t>
+            </a:r>
+            <a:r>
+              <a:rPr lang="en-US" dirty="0">
                 <a:solidFill>
                   <a:srgbClr val="FF0000"/>
                 </a:solidFill>
               </a:rPr>
-              <a:t> </a:t>
-            </a:r>
-            <a:r>
-              <a:rPr lang="en-US" altLang="zh-CN" sz="2400" dirty="0" smtClean="0"/>
-              <a:t>for</a:t>
-            </a:r>
-            <a:r>
-              <a:rPr lang="zh-CN" altLang="en-US" sz="2400" dirty="0" smtClean="0"/>
-              <a:t> </a:t>
-            </a:r>
-            <a:r>
-              <a:rPr lang="en-US" altLang="zh-CN" sz="2400" dirty="0" smtClean="0"/>
-              <a:t>the</a:t>
-            </a:r>
-            <a:r>
-              <a:rPr lang="zh-CN" altLang="en-US" sz="2400" dirty="0" smtClean="0"/>
-              <a:t> </a:t>
-            </a:r>
-            <a:r>
-              <a:rPr lang="en-US" altLang="zh-CN" sz="2400" dirty="0" smtClean="0"/>
-              <a:t>command</a:t>
-            </a:r>
-            <a:r>
-              <a:rPr lang="zh-CN" altLang="en-US" sz="2400" dirty="0" smtClean="0"/>
-              <a:t> </a:t>
-            </a:r>
-            <a:r>
-              <a:rPr lang="en-US" altLang="zh-CN" sz="2400" dirty="0" smtClean="0"/>
-              <a:t>(Commit/Abort)</a:t>
-            </a:r>
-            <a:r>
-              <a:rPr lang="zh-CN" altLang="en-US" sz="2400" dirty="0" smtClean="0"/>
-              <a:t> </a:t>
-            </a:r>
-            <a:r>
-              <a:rPr lang="en-US" altLang="zh-CN" sz="2400" dirty="0" smtClean="0"/>
-              <a:t>from</a:t>
-            </a:r>
-            <a:r>
-              <a:rPr lang="zh-CN" altLang="en-US" sz="2400" dirty="0" smtClean="0"/>
-              <a:t> </a:t>
-            </a:r>
-            <a:r>
-              <a:rPr lang="en-US" altLang="zh-CN" sz="2400" dirty="0" smtClean="0"/>
-              <a:t>Coordinator,</a:t>
-            </a:r>
-            <a:r>
-              <a:rPr lang="zh-CN" altLang="en-US" sz="2400" dirty="0" smtClean="0"/>
-              <a:t> </a:t>
-            </a:r>
-            <a:r>
-              <a:rPr lang="en-US" altLang="zh-CN" sz="2400" dirty="0" smtClean="0"/>
-              <a:t>because</a:t>
-            </a:r>
-            <a:r>
-              <a:rPr lang="zh-CN" altLang="en-US" sz="2400" dirty="0" smtClean="0"/>
-              <a:t> </a:t>
-            </a:r>
-            <a:r>
-              <a:rPr lang="en-US" altLang="zh-CN" sz="2400" dirty="0" smtClean="0">
-                <a:solidFill>
-                  <a:srgbClr val="FF0000"/>
-                </a:solidFill>
-              </a:rPr>
-              <a:t>they</a:t>
-            </a:r>
-            <a:r>
-              <a:rPr lang="zh-CN" altLang="en-US" sz="2400" dirty="0" smtClean="0">
-                <a:solidFill>
-                  <a:srgbClr val="FF0000"/>
-                </a:solidFill>
-              </a:rPr>
-              <a:t> </a:t>
-            </a:r>
-            <a:r>
-              <a:rPr lang="en-US" altLang="zh-CN" sz="2400" dirty="0" smtClean="0">
-                <a:solidFill>
-                  <a:srgbClr val="FF0000"/>
-                </a:solidFill>
-              </a:rPr>
-              <a:t>are</a:t>
-            </a:r>
-            <a:r>
-              <a:rPr lang="zh-CN" altLang="en-US" sz="2400" dirty="0" smtClean="0">
-                <a:solidFill>
-                  <a:srgbClr val="FF0000"/>
-                </a:solidFill>
-              </a:rPr>
-              <a:t> </a:t>
-            </a:r>
-            <a:r>
-              <a:rPr lang="en-US" altLang="zh-CN" sz="2400" dirty="0" smtClean="0">
-                <a:solidFill>
-                  <a:srgbClr val="FF0000"/>
-                </a:solidFill>
-              </a:rPr>
-              <a:t>not</a:t>
-            </a:r>
-            <a:r>
-              <a:rPr lang="zh-CN" altLang="en-US" sz="2400" dirty="0" smtClean="0">
-                <a:solidFill>
-                  <a:srgbClr val="FF0000"/>
-                </a:solidFill>
-              </a:rPr>
-              <a:t> </a:t>
-            </a:r>
-            <a:r>
-              <a:rPr lang="en-US" altLang="zh-CN" sz="2400" dirty="0" smtClean="0">
-                <a:solidFill>
-                  <a:srgbClr val="FF0000"/>
-                </a:solidFill>
-              </a:rPr>
-              <a:t>sure</a:t>
-            </a:r>
-            <a:r>
-              <a:rPr lang="zh-CN" altLang="en-US" sz="2400" dirty="0" smtClean="0">
-                <a:solidFill>
-                  <a:srgbClr val="FF0000"/>
-                </a:solidFill>
-              </a:rPr>
-              <a:t> </a:t>
-            </a:r>
-            <a:r>
-              <a:rPr lang="en-US" altLang="zh-CN" sz="2400" dirty="0" smtClean="0">
-                <a:solidFill>
-                  <a:srgbClr val="FF0000"/>
-                </a:solidFill>
-              </a:rPr>
-              <a:t>if</a:t>
-            </a:r>
-            <a:r>
-              <a:rPr lang="zh-CN" altLang="en-US" sz="2400" dirty="0" smtClean="0">
-                <a:solidFill>
-                  <a:srgbClr val="FF0000"/>
-                </a:solidFill>
-              </a:rPr>
-              <a:t> </a:t>
-            </a:r>
-            <a:r>
-              <a:rPr lang="en-US" altLang="zh-CN" sz="2400" dirty="0" smtClean="0">
-                <a:solidFill>
-                  <a:srgbClr val="FF0000"/>
-                </a:solidFill>
-              </a:rPr>
-              <a:t>other</a:t>
-            </a:r>
-            <a:r>
-              <a:rPr lang="zh-CN" altLang="en-US" sz="2400" dirty="0" smtClean="0">
-                <a:solidFill>
-                  <a:srgbClr val="FF0000"/>
-                </a:solidFill>
-              </a:rPr>
-              <a:t> </a:t>
-            </a:r>
-            <a:r>
-              <a:rPr lang="en-US" altLang="zh-CN" sz="2400" dirty="0" smtClean="0">
-                <a:solidFill>
-                  <a:srgbClr val="FF0000"/>
-                </a:solidFill>
-              </a:rPr>
-              <a:t>(failed)</a:t>
-            </a:r>
-            <a:r>
-              <a:rPr lang="zh-CN" altLang="en-US" sz="2400" dirty="0" smtClean="0">
-                <a:solidFill>
-                  <a:srgbClr val="FF0000"/>
-                </a:solidFill>
-              </a:rPr>
-              <a:t> </a:t>
-            </a:r>
-            <a:r>
-              <a:rPr lang="en-US" altLang="zh-CN" sz="2400" dirty="0" smtClean="0">
-                <a:solidFill>
-                  <a:srgbClr val="FF0000"/>
-                </a:solidFill>
-              </a:rPr>
-              <a:t>participants</a:t>
-            </a:r>
-            <a:r>
-              <a:rPr lang="zh-CN" altLang="en-US" sz="2400" dirty="0" smtClean="0">
-                <a:solidFill>
-                  <a:srgbClr val="FF0000"/>
-                </a:solidFill>
-              </a:rPr>
-              <a:t> </a:t>
-            </a:r>
-            <a:r>
-              <a:rPr lang="en-US" altLang="zh-CN" sz="2400" dirty="0" smtClean="0">
-                <a:solidFill>
-                  <a:srgbClr val="FF0000"/>
-                </a:solidFill>
-              </a:rPr>
-              <a:t>are</a:t>
-            </a:r>
-            <a:r>
-              <a:rPr lang="zh-CN" altLang="en-US" sz="2400" dirty="0" smtClean="0">
-                <a:solidFill>
-                  <a:srgbClr val="FF0000"/>
-                </a:solidFill>
-              </a:rPr>
-              <a:t> </a:t>
-            </a:r>
-            <a:r>
-              <a:rPr lang="en-US" altLang="zh-CN" sz="2400" dirty="0" smtClean="0">
-                <a:solidFill>
-                  <a:srgbClr val="FF0000"/>
-                </a:solidFill>
-              </a:rPr>
-              <a:t>synchronized.</a:t>
+              <a:t>majority commit</a:t>
             </a:r>
           </a:p>
         </p:txBody>
@@ -7614,7 +7324,7 @@
             <a:pPr>
               <a:defRPr/>
             </a:pPr>
-            <a:fld id="{5F740FD0-8EE3-EB4C-9F5D-1265FFD62F83}" type="slidenum">
+            <a:fld id="{07A5CAEE-885A-5D41-93DF-9DC29A9FE4F0}" type="slidenum">
               <a:rPr lang="zh-CN" altLang="en-US" smtClean="0"/>
               <a:pPr>
                 <a:defRPr/>
@@ -7625,46 +7335,23 @@
           </a:p>
         </p:txBody>
       </p:sp>
-      <p:pic>
-        <p:nvPicPr>
-          <p:cNvPr id="9" name="Picture 8"/>
-          <p:cNvPicPr>
-            <a:picLocks noChangeAspect="1"/>
-          </p:cNvPicPr>
-          <p:nvPr/>
-        </p:nvPicPr>
-        <p:blipFill>
-          <a:blip r:embed="rId2">
-            <a:extLst>
-              <a:ext uri="{28A0092B-C50C-407E-A947-70E740481C1C}">
-                <a14:useLocalDpi xmlns:a14="http://schemas.microsoft.com/office/drawing/2010/main" val="0"/>
-              </a:ext>
-            </a:extLst>
-          </a:blip>
-          <a:stretch>
-            <a:fillRect/>
-          </a:stretch>
-        </p:blipFill>
-        <p:spPr>
-          <a:xfrm>
-            <a:off x="3218250" y="3212976"/>
-            <a:ext cx="4018046" cy="3384376"/>
-          </a:xfrm>
-          <a:prstGeom prst="rect">
-            <a:avLst/>
-          </a:prstGeom>
-        </p:spPr>
-      </p:pic>
     </p:spTree>
     <p:extLst>
       <p:ext uri="{BB962C8B-B14F-4D97-AF65-F5344CB8AC3E}">
-        <p14:creationId xmlns:p14="http://schemas.microsoft.com/office/powerpoint/2010/main" val="1426803201"/>
+        <p14:creationId xmlns:p14="http://schemas.microsoft.com/office/powerpoint/2010/main" val="1028448964"/>
       </p:ext>
     </p:extLst>
   </p:cSld>
   <p:clrMapOvr>
     <a:masterClrMapping/>
   </p:clrMapOvr>
+  <p:timing>
+    <p:tnLst>
+      <p:par>
+        <p:cTn id="1" dur="indefinite" restart="never" nodeType="tmRoot"/>
+      </p:par>
+    </p:tnLst>
+  </p:timing>
 </p:sld>
 </file>
 
@@ -7701,18 +7388,74 @@
           <a:lstStyle/>
           <a:p>
             <a:r>
-              <a:rPr lang="en-US" altLang="zh-CN" dirty="0" smtClean="0"/>
-              <a:t>Review:</a:t>
-            </a:r>
-            <a:r>
-              <a:rPr lang="zh-CN" altLang="en-US" dirty="0" smtClean="0"/>
-              <a:t> </a:t>
-            </a:r>
-            <a:r>
-              <a:rPr lang="en-US" altLang="zh-CN" dirty="0" smtClean="0"/>
-              <a:t>3PC</a:t>
-            </a:r>
+              <a:rPr lang="en-US" dirty="0"/>
+              <a:t>3PC Node Recovery</a:t>
+            </a:r>
+          </a:p>
+        </p:txBody>
+      </p:sp>
+      <p:sp>
+        <p:nvSpPr>
+          <p:cNvPr id="3" name="Content Placeholder 2"/>
+          <p:cNvSpPr>
+            <a:spLocks noGrp="1"/>
+          </p:cNvSpPr>
+          <p:nvPr>
+            <p:ph idx="1"/>
+          </p:nvPr>
+        </p:nvSpPr>
+        <p:spPr/>
+        <p:txBody>
+          <a:bodyPr/>
+          <a:lstStyle/>
+          <a:p>
+            <a:r>
+              <a:rPr lang="en-US" b="1" dirty="0"/>
+              <a:t>A. Wait for all nodes to </a:t>
+            </a:r>
+            <a:r>
+              <a:rPr lang="en-US" b="1" dirty="0" smtClean="0"/>
+              <a:t>recover</a:t>
+            </a:r>
+          </a:p>
+          <a:p>
             <a:endParaRPr lang="en-US" dirty="0"/>
+          </a:p>
+          <a:p>
+            <a:r>
+              <a:rPr lang="en-US" dirty="0"/>
+              <a:t>Recovering node waits for </a:t>
+            </a:r>
+            <a:r>
+              <a:rPr lang="en-US" dirty="0" smtClean="0"/>
+              <a:t>either</a:t>
+            </a:r>
+          </a:p>
+          <a:p>
+            <a:pPr lvl="1"/>
+            <a:r>
+              <a:rPr lang="en-US" dirty="0" smtClean="0"/>
+              <a:t>1</a:t>
+            </a:r>
+            <a:r>
+              <a:rPr lang="en-US" dirty="0"/>
+              <a:t>. Commit or abort decision from another node </a:t>
+            </a:r>
+            <a:r>
+              <a:rPr lang="en-US" dirty="0" smtClean="0"/>
+              <a:t>or</a:t>
+            </a:r>
+          </a:p>
+          <a:p>
+            <a:pPr lvl="1"/>
+            <a:r>
+              <a:rPr lang="en-US" dirty="0" smtClean="0"/>
+              <a:t>2</a:t>
+            </a:r>
+            <a:r>
+              <a:rPr lang="en-US" dirty="0"/>
+              <a:t>. If all other nodes are up and recovering then 3PC can continue</a:t>
+            </a:r>
           </a:p>
         </p:txBody>
       </p:sp>
@@ -7771,341 +7514,23 @@
           </a:p>
         </p:txBody>
       </p:sp>
-      <p:pic>
-        <p:nvPicPr>
-          <p:cNvPr id="6" name="Content Placeholder 5"/>
-          <p:cNvPicPr>
-            <a:picLocks noGrp="1" noChangeAspect="1"/>
-          </p:cNvPicPr>
-          <p:nvPr>
-            <p:ph idx="1"/>
-          </p:nvPr>
-        </p:nvPicPr>
-        <p:blipFill>
-          <a:blip r:embed="rId2">
-            <a:extLst>
-              <a:ext uri="{28A0092B-C50C-407E-A947-70E740481C1C}">
-                <a14:useLocalDpi xmlns:a14="http://schemas.microsoft.com/office/drawing/2010/main" val="0"/>
-              </a:ext>
-            </a:extLst>
-          </a:blip>
-          <a:stretch>
-            <a:fillRect/>
-          </a:stretch>
-        </p:blipFill>
-        <p:spPr>
-          <a:xfrm>
-            <a:off x="1691680" y="1709226"/>
-            <a:ext cx="6712717" cy="4591685"/>
-          </a:xfrm>
-        </p:spPr>
-      </p:pic>
-      <p:sp>
-        <p:nvSpPr>
-          <p:cNvPr id="7" name="TextBox 6"/>
-          <p:cNvSpPr txBox="1"/>
-          <p:nvPr/>
-        </p:nvSpPr>
-        <p:spPr>
-          <a:xfrm>
-            <a:off x="6156148" y="1309116"/>
-            <a:ext cx="2898550" cy="400110"/>
-          </a:xfrm>
-          <a:prstGeom prst="rect">
-            <a:avLst/>
-          </a:prstGeom>
-          <a:noFill/>
-          <a:ln>
-            <a:solidFill>
-              <a:schemeClr val="tx1"/>
-            </a:solidFill>
-          </a:ln>
-        </p:spPr>
-        <p:txBody>
-          <a:bodyPr wrap="none" rtlCol="0">
-            <a:spAutoFit/>
-          </a:bodyPr>
-          <a:lstStyle/>
-          <a:p>
-            <a:r>
-              <a:rPr lang="zh-CN" altLang="en-US" sz="2000" dirty="0" smtClean="0">
-                <a:solidFill>
-                  <a:srgbClr val="FF0000"/>
-                </a:solidFill>
-              </a:rPr>
-              <a:t>** </a:t>
-            </a:r>
-            <a:r>
-              <a:rPr lang="en-US" altLang="zh-CN" sz="2000" dirty="0" smtClean="0">
-                <a:solidFill>
-                  <a:srgbClr val="FF0000"/>
-                </a:solidFill>
-              </a:rPr>
-              <a:t>=</a:t>
-            </a:r>
-            <a:r>
-              <a:rPr lang="zh-CN" altLang="en-US" sz="2000" dirty="0" smtClean="0">
-                <a:solidFill>
-                  <a:srgbClr val="FF0000"/>
-                </a:solidFill>
-              </a:rPr>
-              <a:t> </a:t>
-            </a:r>
-            <a:r>
-              <a:rPr lang="en-US" altLang="zh-CN" sz="2000" dirty="0" smtClean="0">
-                <a:solidFill>
-                  <a:srgbClr val="FF0000"/>
-                </a:solidFill>
-              </a:rPr>
-              <a:t>all</a:t>
-            </a:r>
-            <a:r>
-              <a:rPr lang="zh-CN" altLang="en-US" sz="2000" dirty="0" smtClean="0">
-                <a:solidFill>
-                  <a:srgbClr val="FF0000"/>
-                </a:solidFill>
-              </a:rPr>
-              <a:t> </a:t>
-            </a:r>
-            <a:r>
-              <a:rPr lang="en-US" altLang="zh-CN" sz="2000" dirty="0" smtClean="0">
-                <a:solidFill>
-                  <a:srgbClr val="FF0000"/>
-                </a:solidFill>
-              </a:rPr>
-              <a:t>non-failed</a:t>
-            </a:r>
-            <a:r>
-              <a:rPr lang="zh-CN" altLang="en-US" sz="2000" dirty="0" smtClean="0">
-                <a:solidFill>
-                  <a:srgbClr val="FF0000"/>
-                </a:solidFill>
-              </a:rPr>
-              <a:t> </a:t>
-            </a:r>
-            <a:r>
-              <a:rPr lang="en-US" altLang="zh-CN" sz="2000" dirty="0" smtClean="0">
-                <a:solidFill>
-                  <a:srgbClr val="FF0000"/>
-                </a:solidFill>
-              </a:rPr>
-              <a:t>nodes</a:t>
-            </a:r>
-            <a:endParaRPr lang="en-US" sz="2000" dirty="0">
-              <a:solidFill>
-                <a:srgbClr val="FF0000"/>
-              </a:solidFill>
-            </a:endParaRPr>
-          </a:p>
-        </p:txBody>
-      </p:sp>
-      <p:sp>
-        <p:nvSpPr>
-          <p:cNvPr id="8" name="Rectangle 7"/>
-          <p:cNvSpPr/>
-          <p:nvPr/>
-        </p:nvSpPr>
-        <p:spPr>
-          <a:xfrm>
-            <a:off x="3336729" y="4437112"/>
-            <a:ext cx="2531415" cy="923330"/>
-          </a:xfrm>
-          <a:prstGeom prst="rect">
-            <a:avLst/>
-          </a:prstGeom>
-        </p:spPr>
-        <p:txBody>
-          <a:bodyPr wrap="square">
-            <a:spAutoFit/>
-          </a:bodyPr>
-          <a:lstStyle/>
-          <a:p>
-            <a:r>
-              <a:rPr lang="en-US" altLang="zh-CN" dirty="0" smtClean="0">
-                <a:solidFill>
-                  <a:srgbClr val="FF0000"/>
-                </a:solidFill>
-              </a:rPr>
-              <a:t>Add</a:t>
-            </a:r>
-            <a:r>
-              <a:rPr lang="zh-CN" altLang="en-US" dirty="0" smtClean="0">
-                <a:solidFill>
-                  <a:srgbClr val="FF0000"/>
-                </a:solidFill>
-              </a:rPr>
-              <a:t> </a:t>
-            </a:r>
-            <a:r>
-              <a:rPr lang="en-US" altLang="zh-CN" dirty="0" smtClean="0">
-                <a:solidFill>
-                  <a:srgbClr val="FF0000"/>
-                </a:solidFill>
-              </a:rPr>
-              <a:t>a</a:t>
-            </a:r>
-            <a:r>
-              <a:rPr lang="zh-CN" altLang="en-US" dirty="0" smtClean="0">
-                <a:solidFill>
-                  <a:srgbClr val="FF0000"/>
-                </a:solidFill>
-              </a:rPr>
-              <a:t> </a:t>
-            </a:r>
-            <a:r>
-              <a:rPr lang="en-US" altLang="zh-CN" dirty="0" smtClean="0">
-                <a:solidFill>
-                  <a:srgbClr val="FF0000"/>
-                </a:solidFill>
-              </a:rPr>
-              <a:t>new</a:t>
-            </a:r>
-            <a:r>
-              <a:rPr lang="zh-CN" altLang="en-US" dirty="0" smtClean="0">
-                <a:solidFill>
-                  <a:srgbClr val="FF0000"/>
-                </a:solidFill>
-              </a:rPr>
-              <a:t> </a:t>
-            </a:r>
-            <a:r>
-              <a:rPr lang="en-US" altLang="zh-CN" dirty="0" smtClean="0">
-                <a:solidFill>
-                  <a:srgbClr val="FF0000"/>
-                </a:solidFill>
-              </a:rPr>
-              <a:t>state</a:t>
-            </a:r>
-            <a:r>
-              <a:rPr lang="zh-CN" altLang="en-US" dirty="0" smtClean="0">
-                <a:solidFill>
-                  <a:srgbClr val="FF0000"/>
-                </a:solidFill>
-              </a:rPr>
-              <a:t> </a:t>
-            </a:r>
-            <a:r>
-              <a:rPr lang="en-US" altLang="zh-CN" dirty="0" smtClean="0">
-                <a:solidFill>
-                  <a:srgbClr val="FF0000"/>
-                </a:solidFill>
-              </a:rPr>
-              <a:t>P</a:t>
-            </a:r>
-            <a:r>
-              <a:rPr lang="zh-CN" altLang="en-US" dirty="0" smtClean="0">
-                <a:solidFill>
-                  <a:srgbClr val="FF0000"/>
-                </a:solidFill>
-              </a:rPr>
-              <a:t> </a:t>
-            </a:r>
-            <a:r>
-              <a:rPr lang="en-US" altLang="zh-CN" dirty="0" smtClean="0">
-                <a:solidFill>
-                  <a:srgbClr val="FF0000"/>
-                </a:solidFill>
-              </a:rPr>
-              <a:t>to</a:t>
-            </a:r>
-            <a:r>
-              <a:rPr lang="zh-CN" altLang="en-US" dirty="0" smtClean="0">
-                <a:solidFill>
-                  <a:srgbClr val="FF0000"/>
-                </a:solidFill>
-              </a:rPr>
-              <a:t> </a:t>
-            </a:r>
-            <a:r>
-              <a:rPr lang="en-US" altLang="zh-CN" dirty="0" smtClean="0">
-                <a:solidFill>
-                  <a:srgbClr val="FF0000"/>
-                </a:solidFill>
-              </a:rPr>
-              <a:t>synchronize</a:t>
-            </a:r>
-            <a:r>
-              <a:rPr lang="zh-CN" altLang="en-US" dirty="0" smtClean="0">
-                <a:solidFill>
-                  <a:srgbClr val="FF0000"/>
-                </a:solidFill>
-              </a:rPr>
-              <a:t> </a:t>
-            </a:r>
-            <a:r>
-              <a:rPr lang="en-US" altLang="zh-CN" dirty="0" smtClean="0">
-                <a:solidFill>
-                  <a:srgbClr val="FF0000"/>
-                </a:solidFill>
-              </a:rPr>
-              <a:t>ALL</a:t>
-            </a:r>
-            <a:r>
-              <a:rPr lang="zh-CN" altLang="en-US" dirty="0" smtClean="0">
-                <a:solidFill>
-                  <a:srgbClr val="FF0000"/>
-                </a:solidFill>
-              </a:rPr>
-              <a:t> </a:t>
-            </a:r>
-            <a:r>
-              <a:rPr lang="en-US" altLang="zh-CN" dirty="0" smtClean="0">
-                <a:solidFill>
-                  <a:srgbClr val="FF0000"/>
-                </a:solidFill>
-              </a:rPr>
-              <a:t>participants</a:t>
-            </a:r>
-            <a:r>
-              <a:rPr lang="zh-CN" altLang="en-US" dirty="0" smtClean="0">
-                <a:solidFill>
-                  <a:srgbClr val="FF0000"/>
-                </a:solidFill>
-              </a:rPr>
-              <a:t> </a:t>
-            </a:r>
-            <a:r>
-              <a:rPr lang="en-US" altLang="zh-CN" dirty="0" smtClean="0">
-                <a:solidFill>
-                  <a:srgbClr val="FF0000"/>
-                </a:solidFill>
-              </a:rPr>
-              <a:t>to</a:t>
-            </a:r>
-            <a:r>
-              <a:rPr lang="zh-CN" altLang="en-US" dirty="0" smtClean="0">
-                <a:solidFill>
-                  <a:srgbClr val="FF0000"/>
-                </a:solidFill>
-              </a:rPr>
-              <a:t> </a:t>
-            </a:r>
-            <a:r>
-              <a:rPr lang="en-US" altLang="zh-CN" dirty="0" smtClean="0">
-                <a:solidFill>
-                  <a:srgbClr val="FF0000"/>
-                </a:solidFill>
-              </a:rPr>
-              <a:t>commit</a:t>
-            </a:r>
-            <a:endParaRPr lang="en-US" dirty="0">
-              <a:solidFill>
-                <a:srgbClr val="FF0000"/>
-              </a:solidFill>
-            </a:endParaRPr>
-          </a:p>
-        </p:txBody>
-      </p:sp>
     </p:spTree>
     <p:extLst>
       <p:ext uri="{BB962C8B-B14F-4D97-AF65-F5344CB8AC3E}">
-        <p14:creationId xmlns:p14="http://schemas.microsoft.com/office/powerpoint/2010/main" val="2021372123"/>
+        <p14:creationId xmlns:p14="http://schemas.microsoft.com/office/powerpoint/2010/main" val="2026343285"/>
       </p:ext>
     </p:extLst>
   </p:cSld>
   <p:clrMapOvr>
     <a:masterClrMapping/>
   </p:clrMapOvr>
+  <p:timing>
+    <p:tnLst>
+      <p:par>
+        <p:cTn id="1" dur="indefinite" restart="never" nodeType="tmRoot"/>
+      </p:par>
+    </p:tnLst>
+  </p:timing>
 </p:sld>
 </file>
 
@@ -8142,399 +7567,154 @@
           <a:lstStyle/>
           <a:p>
             <a:r>
+              <a:rPr lang="en-US" dirty="0"/>
+              <a:t>3PC Node Recovery</a:t>
+            </a:r>
+          </a:p>
+        </p:txBody>
+      </p:sp>
+      <p:sp>
+        <p:nvSpPr>
+          <p:cNvPr id="3" name="Content Placeholder 2"/>
+          <p:cNvSpPr>
+            <a:spLocks noGrp="1"/>
+          </p:cNvSpPr>
+          <p:nvPr>
+            <p:ph idx="1"/>
+          </p:nvPr>
+        </p:nvSpPr>
+        <p:spPr>
+          <a:xfrm>
+            <a:off x="1259632" y="1447800"/>
+            <a:ext cx="7674818" cy="4800600"/>
+          </a:xfrm>
+        </p:spPr>
+        <p:txBody>
+          <a:bodyPr/>
+          <a:lstStyle/>
+          <a:p>
+            <a:r>
+              <a:rPr lang="en-US" b="1" dirty="0"/>
+              <a:t>B. Perform majority </a:t>
+            </a:r>
+            <a:r>
+              <a:rPr lang="en-US" b="1" dirty="0" smtClean="0"/>
+              <a:t>commit</a:t>
+            </a:r>
+          </a:p>
+          <a:p>
+            <a:r>
               <a:rPr lang="en-US" altLang="zh-CN" dirty="0" smtClean="0"/>
-              <a:t>Review:</a:t>
+              <a:t>Basic</a:t>
             </a:r>
             <a:r>
               <a:rPr lang="zh-CN" altLang="en-US" dirty="0" smtClean="0"/>
               <a:t> </a:t>
             </a:r>
             <a:r>
-              <a:rPr lang="en-US" dirty="0" smtClean="0"/>
-              <a:t>3PC </a:t>
-            </a:r>
+              <a:rPr lang="en-US" altLang="zh-CN" dirty="0" smtClean="0"/>
+              <a:t>Idea</a:t>
+            </a:r>
+          </a:p>
+          <a:p>
+            <a:pPr lvl="1"/>
             <a:r>
               <a:rPr lang="en-US" dirty="0"/>
-              <a:t>Recovery Rules</a:t>
-            </a:r>
-          </a:p>
-        </p:txBody>
-      </p:sp>
-      <p:sp>
-        <p:nvSpPr>
-          <p:cNvPr id="3" name="Content Placeholder 2"/>
-          <p:cNvSpPr>
-            <a:spLocks noGrp="1"/>
-          </p:cNvSpPr>
-          <p:nvPr>
-            <p:ph idx="1"/>
-          </p:nvPr>
-        </p:nvSpPr>
-        <p:spPr>
-          <a:xfrm>
-            <a:off x="1115616" y="1447800"/>
-            <a:ext cx="7818834" cy="4800600"/>
-          </a:xfrm>
-        </p:spPr>
-        <p:txBody>
-          <a:bodyPr/>
-          <a:lstStyle/>
-          <a:p>
-            <a:r>
-              <a:rPr lang="en-US" sz="2800" dirty="0"/>
-              <a:t>Let { S1, S2, ..., Sn } be survivor nodes </a:t>
-            </a:r>
-          </a:p>
-          <a:p>
-            <a:r>
-              <a:rPr lang="en-US" sz="2800" dirty="0"/>
-              <a:t>If one or more Si = COMMIT ⟹ </a:t>
-            </a:r>
-            <a:r>
-              <a:rPr lang="en-US" sz="2800" dirty="0">
+              <a:t>Want a gang of </a:t>
+            </a:r>
+            <a:r>
+              <a:rPr lang="en-US" dirty="0">
                 <a:solidFill>
                   <a:srgbClr val="FF0000"/>
                 </a:solidFill>
               </a:rPr>
-              <a:t>COMMIT T</a:t>
-            </a:r>
-            <a:r>
-              <a:rPr lang="en-US" sz="2800" dirty="0"/>
+              <a:t>failed but recovered nodes </a:t>
+            </a:r>
+            <a:r>
+              <a:rPr lang="en-US" dirty="0"/>
+              <a:t>to be able to terminate the transaction, even when the rest are still </a:t>
+            </a:r>
+            <a:r>
+              <a:rPr lang="en-US" dirty="0" smtClean="0"/>
+              <a:t>failing</a:t>
+            </a:r>
+          </a:p>
+          <a:p>
+            <a:pPr lvl="1"/>
+            <a:r>
+              <a:rPr lang="en-US" dirty="0"/>
+              <a:t>Nodes are assigned votes, total is </a:t>
+            </a:r>
+            <a:r>
+              <a:rPr lang="en-US" dirty="0" smtClean="0"/>
+              <a:t>V</a:t>
+            </a:r>
+          </a:p>
+          <a:p>
+            <a:pPr lvl="2"/>
+            <a:r>
+              <a:rPr lang="en-US" altLang="zh-CN" dirty="0" smtClean="0"/>
+              <a:t>Majority</a:t>
+            </a:r>
+            <a:r>
+              <a:rPr lang="zh-CN" altLang="en-US" dirty="0" smtClean="0"/>
               <a:t> </a:t>
             </a:r>
+            <a:r>
+              <a:rPr lang="en-US" altLang="zh-CN" dirty="0" smtClean="0"/>
+              <a:t>is</a:t>
+            </a:r>
+            <a:r>
+              <a:rPr lang="zh-CN" altLang="en-US" dirty="0" smtClean="0"/>
+              <a:t> </a:t>
+            </a:r>
+            <a:r>
+              <a:rPr lang="en-US" altLang="zh-CN" dirty="0"/>
+              <a:t>M ≥ round((V + 1) / 2</a:t>
+            </a:r>
+            <a:r>
+              <a:rPr lang="en-US" altLang="zh-CN" dirty="0" smtClean="0"/>
+              <a:t>)</a:t>
+            </a:r>
           </a:p>
           <a:p>
             <a:pPr lvl="1"/>
             <a:r>
-              <a:rPr lang="en-US" altLang="zh-CN" sz="2400" dirty="0" smtClean="0"/>
-              <a:t>Every</a:t>
-            </a:r>
-            <a:r>
-              <a:rPr lang="zh-CN" altLang="en-US" sz="2400" dirty="0" smtClean="0"/>
+              <a:rPr lang="en-US" dirty="0"/>
+              <a:t>To make state transitions, coordinator requires messages </a:t>
+            </a:r>
+            <a:r>
+              <a:rPr lang="en-US" dirty="0" smtClean="0"/>
+              <a:t>from</a:t>
+            </a:r>
+            <a:r>
+              <a:rPr lang="zh-CN" altLang="en-US" dirty="0" smtClean="0"/>
               <a:t> </a:t>
             </a:r>
             <a:r>
-              <a:rPr lang="en-US" altLang="zh-CN" sz="2400" dirty="0" smtClean="0"/>
-              <a:t>participant</a:t>
-            </a:r>
-            <a:r>
-              <a:rPr lang="zh-CN" altLang="en-US" sz="2400" dirty="0" smtClean="0"/>
-              <a:t> </a:t>
-            </a:r>
-            <a:r>
-              <a:rPr lang="en-US" altLang="zh-CN" sz="2400" dirty="0" smtClean="0"/>
-              <a:t>is</a:t>
-            </a:r>
-            <a:r>
-              <a:rPr lang="zh-CN" altLang="en-US" sz="2400" dirty="0" smtClean="0"/>
-              <a:t> </a:t>
-            </a:r>
-            <a:r>
-              <a:rPr lang="en-US" altLang="zh-CN" sz="2400" dirty="0" smtClean="0"/>
-              <a:t>ready</a:t>
-            </a:r>
-            <a:r>
-              <a:rPr lang="zh-CN" altLang="en-US" sz="2400" dirty="0" smtClean="0"/>
-              <a:t> </a:t>
-            </a:r>
-            <a:r>
-              <a:rPr lang="en-US" altLang="zh-CN" sz="2400" dirty="0" smtClean="0"/>
-              <a:t>to</a:t>
-            </a:r>
-            <a:r>
-              <a:rPr lang="zh-CN" altLang="en-US" sz="2400" dirty="0" smtClean="0"/>
-              <a:t> </a:t>
-            </a:r>
-            <a:r>
-              <a:rPr lang="en-US" altLang="zh-CN" sz="2400" dirty="0" smtClean="0"/>
-              <a:t>commit</a:t>
-            </a:r>
-            <a:endParaRPr lang="en-US" sz="2400" dirty="0" smtClean="0"/>
-          </a:p>
-          <a:p>
-            <a:r>
-              <a:rPr lang="en-US" sz="2800" dirty="0" smtClean="0"/>
-              <a:t>If </a:t>
-            </a:r>
-            <a:r>
-              <a:rPr lang="en-US" sz="2800" dirty="0"/>
-              <a:t>one or more Si = </a:t>
-            </a:r>
-            <a:r>
-              <a:rPr lang="en-US" sz="2800" dirty="0" smtClean="0"/>
-              <a:t>PRE</a:t>
-            </a:r>
-            <a:r>
-              <a:rPr lang="en-US" altLang="zh-CN" sz="2800" dirty="0" smtClean="0"/>
-              <a:t>-COMMIT</a:t>
-            </a:r>
-            <a:r>
-              <a:rPr lang="en-US" sz="2800" dirty="0" smtClean="0"/>
-              <a:t> </a:t>
-            </a:r>
-            <a:r>
-              <a:rPr lang="en-US" sz="2800" dirty="0"/>
-              <a:t>⟹ </a:t>
-            </a:r>
-            <a:r>
-              <a:rPr lang="en-US" sz="2800" dirty="0">
+              <a:rPr lang="en-US" altLang="zh-CN" dirty="0" smtClean="0">
                 <a:solidFill>
                   <a:srgbClr val="FF0000"/>
                 </a:solidFill>
               </a:rPr>
-              <a:t>COMMIT T </a:t>
-            </a:r>
-            <a:endParaRPr lang="en-US" sz="2800" dirty="0" smtClean="0">
-              <a:solidFill>
-                <a:srgbClr val="FF0000"/>
-              </a:solidFill>
-            </a:endParaRPr>
-          </a:p>
-          <a:p>
-            <a:pPr lvl="1"/>
-            <a:r>
-              <a:rPr lang="en-US" altLang="zh-CN" sz="2400" dirty="0"/>
-              <a:t>Every</a:t>
-            </a:r>
-            <a:r>
-              <a:rPr lang="zh-CN" altLang="en-US" sz="2400" dirty="0"/>
-              <a:t> </a:t>
-            </a:r>
-            <a:r>
-              <a:rPr lang="en-US" altLang="zh-CN" sz="2400" dirty="0"/>
-              <a:t>participant</a:t>
-            </a:r>
-            <a:r>
-              <a:rPr lang="zh-CN" altLang="en-US" sz="2400" dirty="0"/>
-              <a:t> </a:t>
-            </a:r>
-            <a:r>
-              <a:rPr lang="en-US" altLang="zh-CN" sz="2400" dirty="0"/>
-              <a:t>is</a:t>
-            </a:r>
-            <a:r>
-              <a:rPr lang="zh-CN" altLang="en-US" sz="2400" dirty="0"/>
-              <a:t> </a:t>
-            </a:r>
-            <a:r>
-              <a:rPr lang="en-US" altLang="zh-CN" sz="2400" dirty="0"/>
-              <a:t>ready</a:t>
-            </a:r>
-            <a:r>
-              <a:rPr lang="zh-CN" altLang="en-US" sz="2400" dirty="0"/>
-              <a:t> </a:t>
-            </a:r>
-            <a:r>
-              <a:rPr lang="en-US" altLang="zh-CN" sz="2400" dirty="0"/>
-              <a:t>to</a:t>
-            </a:r>
-            <a:r>
-              <a:rPr lang="zh-CN" altLang="en-US" sz="2400" dirty="0"/>
-              <a:t> </a:t>
-            </a:r>
-            <a:r>
-              <a:rPr lang="en-US" altLang="zh-CN" sz="2400" dirty="0" smtClean="0"/>
-              <a:t>commit</a:t>
-            </a:r>
-            <a:r>
-              <a:rPr lang="en-US" sz="2400" dirty="0" smtClean="0"/>
-              <a:t> </a:t>
-            </a:r>
-            <a:endParaRPr lang="en-US" sz="2400" dirty="0"/>
-          </a:p>
-          <a:p>
-            <a:r>
-              <a:rPr lang="en-US" sz="2800" dirty="0"/>
-              <a:t>If</a:t>
-            </a:r>
-            <a:r>
-              <a:rPr lang="zh-CN" altLang="en-US" sz="2800" dirty="0"/>
-              <a:t> </a:t>
-            </a:r>
-            <a:r>
-              <a:rPr lang="en-US" sz="2800" dirty="0"/>
-              <a:t>one or more Si = ABORT ⟹ </a:t>
-            </a:r>
-            <a:r>
-              <a:rPr lang="en-US" sz="2800" dirty="0">
+              <a:t>nodes</a:t>
+            </a:r>
+            <a:r>
+              <a:rPr lang="en-US" dirty="0" smtClean="0">
                 <a:solidFill>
                   <a:srgbClr val="FF0000"/>
                 </a:solidFill>
               </a:rPr>
-              <a:t>ABORT T</a:t>
-            </a:r>
-            <a:r>
-              <a:rPr lang="en-US" sz="2800" dirty="0"/>
               <a:t> </a:t>
             </a:r>
-            <a:endParaRPr lang="en-US" sz="2800" dirty="0" smtClean="0"/>
-          </a:p>
-          <a:p>
-            <a:pPr lvl="1"/>
-            <a:r>
-              <a:rPr lang="en-US" altLang="zh-CN" sz="2400" dirty="0" smtClean="0"/>
-              <a:t>At</a:t>
-            </a:r>
-            <a:r>
-              <a:rPr lang="zh-CN" altLang="en-US" sz="2400" dirty="0" smtClean="0"/>
-              <a:t> </a:t>
-            </a:r>
-            <a:r>
-              <a:rPr lang="en-US" altLang="zh-CN" sz="2400" dirty="0" smtClean="0"/>
-              <a:t>least</a:t>
-            </a:r>
-            <a:r>
-              <a:rPr lang="zh-CN" altLang="en-US" sz="2400" dirty="0" smtClean="0"/>
-              <a:t> </a:t>
-            </a:r>
-            <a:r>
-              <a:rPr lang="en-US" altLang="zh-CN" sz="2400" dirty="0" smtClean="0"/>
-              <a:t>one</a:t>
-            </a:r>
-            <a:r>
-              <a:rPr lang="zh-CN" altLang="en-US" sz="2400" dirty="0" smtClean="0"/>
-              <a:t> </a:t>
-            </a:r>
-            <a:r>
-              <a:rPr lang="en-US" altLang="zh-CN" sz="2400" dirty="0" smtClean="0"/>
-              <a:t>participant</a:t>
-            </a:r>
-            <a:r>
-              <a:rPr lang="zh-CN" altLang="en-US" sz="2400" dirty="0" smtClean="0"/>
-              <a:t> </a:t>
-            </a:r>
-            <a:r>
-              <a:rPr lang="en-US" altLang="zh-CN" sz="2400" dirty="0" smtClean="0"/>
-              <a:t>is</a:t>
-            </a:r>
-            <a:r>
-              <a:rPr lang="zh-CN" altLang="en-US" sz="2400" dirty="0" smtClean="0"/>
-              <a:t> </a:t>
-            </a:r>
-            <a:r>
-              <a:rPr lang="en-US" altLang="zh-CN" sz="2400" dirty="0" smtClean="0"/>
-              <a:t>not</a:t>
-            </a:r>
-            <a:r>
-              <a:rPr lang="zh-CN" altLang="en-US" sz="2400" dirty="0" smtClean="0"/>
-              <a:t> </a:t>
-            </a:r>
-            <a:r>
-              <a:rPr lang="en-US" altLang="zh-CN" sz="2400" dirty="0" smtClean="0"/>
-              <a:t>ready</a:t>
-            </a:r>
-            <a:r>
-              <a:rPr lang="zh-CN" altLang="en-US" sz="2400" dirty="0" smtClean="0"/>
-              <a:t> </a:t>
-            </a:r>
-            <a:r>
-              <a:rPr lang="en-US" altLang="zh-CN" sz="2400" dirty="0" smtClean="0"/>
-              <a:t>to</a:t>
-            </a:r>
-            <a:r>
-              <a:rPr lang="zh-CN" altLang="en-US" sz="2400" dirty="0" smtClean="0"/>
-              <a:t> </a:t>
-            </a:r>
-            <a:r>
-              <a:rPr lang="en-US" altLang="zh-CN" sz="2400" dirty="0" smtClean="0"/>
-              <a:t>commit</a:t>
-            </a:r>
-            <a:endParaRPr lang="en-US" sz="2400" dirty="0" smtClean="0"/>
-          </a:p>
-          <a:p>
-            <a:r>
-              <a:rPr lang="en-US" sz="2800" dirty="0" smtClean="0"/>
-              <a:t>If </a:t>
-            </a:r>
-            <a:r>
-              <a:rPr lang="en-US" sz="2800" dirty="0"/>
-              <a:t>no Si = </a:t>
-            </a:r>
-            <a:r>
-              <a:rPr lang="en-US" sz="2800" dirty="0" smtClean="0"/>
-              <a:t>PRE</a:t>
-            </a:r>
-            <a:r>
-              <a:rPr lang="en-US" altLang="zh-CN" sz="2800" dirty="0" smtClean="0"/>
-              <a:t>-COMMIT</a:t>
-            </a:r>
-            <a:r>
-              <a:rPr lang="en-US" sz="2800" dirty="0" smtClean="0"/>
-              <a:t> </a:t>
-            </a:r>
-            <a:r>
-              <a:rPr lang="en-US" sz="2800" dirty="0"/>
-              <a:t>(or COMMIT) ⟹ </a:t>
-            </a:r>
-            <a:r>
-              <a:rPr lang="en-US" sz="2800" dirty="0">
+            <a:r>
+              <a:rPr lang="en-US" dirty="0">
                 <a:solidFill>
                   <a:srgbClr val="FF0000"/>
                 </a:solidFill>
               </a:rPr>
-              <a:t>ABORT T</a:t>
-            </a:r>
-            <a:r>
-              <a:rPr lang="en-US" sz="2800" dirty="0"/>
-              <a:t> </a:t>
-            </a:r>
-            <a:endParaRPr lang="en-US" sz="2800" dirty="0" smtClean="0"/>
-          </a:p>
-          <a:p>
-            <a:pPr lvl="1"/>
-            <a:r>
-              <a:rPr lang="en-US" altLang="zh-CN" sz="2400" dirty="0" smtClean="0"/>
-              <a:t>The</a:t>
-            </a:r>
-            <a:r>
-              <a:rPr lang="zh-CN" altLang="en-US" sz="2400" dirty="0" smtClean="0"/>
-              <a:t> </a:t>
-            </a:r>
-            <a:r>
-              <a:rPr lang="en-US" altLang="zh-CN" sz="2400" dirty="0" smtClean="0"/>
-              <a:t>COMMIT</a:t>
-            </a:r>
-            <a:r>
-              <a:rPr lang="zh-CN" altLang="en-US" sz="2400" dirty="0" smtClean="0"/>
-              <a:t> </a:t>
-            </a:r>
-            <a:r>
-              <a:rPr lang="en-US" altLang="zh-CN" sz="2400" dirty="0" smtClean="0"/>
-              <a:t>is</a:t>
-            </a:r>
-            <a:r>
-              <a:rPr lang="zh-CN" altLang="en-US" sz="2400" dirty="0" smtClean="0"/>
-              <a:t> </a:t>
-            </a:r>
-            <a:r>
-              <a:rPr lang="en-US" altLang="zh-CN" sz="2400" dirty="0" smtClean="0"/>
-              <a:t>not</a:t>
-            </a:r>
-            <a:r>
-              <a:rPr lang="zh-CN" altLang="en-US" sz="2400" dirty="0" smtClean="0"/>
-              <a:t> </a:t>
-            </a:r>
-            <a:r>
-              <a:rPr lang="en-US" altLang="zh-CN" sz="2400" dirty="0" smtClean="0"/>
-              <a:t>synchronized</a:t>
-            </a:r>
-            <a:r>
-              <a:rPr lang="zh-CN" altLang="en-US" sz="2400" dirty="0"/>
-              <a:t> </a:t>
-            </a:r>
-            <a:r>
-              <a:rPr lang="en-US" altLang="zh-CN" sz="2400" dirty="0" smtClean="0"/>
-              <a:t>among</a:t>
-            </a:r>
-            <a:r>
-              <a:rPr lang="zh-CN" altLang="en-US" sz="2400" dirty="0" smtClean="0"/>
-              <a:t> </a:t>
-            </a:r>
-            <a:r>
-              <a:rPr lang="en-US" altLang="zh-CN" sz="2400" dirty="0" smtClean="0"/>
-              <a:t>participants</a:t>
-            </a:r>
-            <a:endParaRPr lang="en-US" sz="2400" dirty="0"/>
+              <a:t>with a majority of votes</a:t>
+            </a:r>
           </a:p>
         </p:txBody>
       </p:sp>
@@ -8596,7 +7776,7 @@
     </p:spTree>
     <p:extLst>
       <p:ext uri="{BB962C8B-B14F-4D97-AF65-F5344CB8AC3E}">
-        <p14:creationId xmlns:p14="http://schemas.microsoft.com/office/powerpoint/2010/main" val="1964618730"/>
+        <p14:creationId xmlns:p14="http://schemas.microsoft.com/office/powerpoint/2010/main" val="55437065"/>
       </p:ext>
     </p:extLst>
   </p:cSld>
@@ -8646,20 +7826,8 @@
           <a:lstStyle/>
           <a:p>
             <a:r>
-              <a:rPr lang="en-US" altLang="zh-CN" dirty="0" smtClean="0"/>
-              <a:t>Review:</a:t>
-            </a:r>
-            <a:r>
-              <a:rPr lang="zh-CN" altLang="en-US" dirty="0" smtClean="0"/>
-              <a:t> </a:t>
-            </a:r>
-            <a:r>
-              <a:rPr lang="en-US" dirty="0" smtClean="0"/>
-              <a:t>3PC </a:t>
-            </a:r>
-            <a:r>
               <a:rPr lang="en-US" dirty="0"/>
-              <a:t>Recovery Rules</a:t>
+              <a:t>3PC with Majority Votes</a:t>
             </a:r>
           </a:p>
         </p:txBody>
@@ -8674,26 +7842,48 @@
             <p:ph idx="1"/>
           </p:nvPr>
         </p:nvSpPr>
-        <p:spPr/>
+        <p:spPr>
+          <a:xfrm>
+            <a:off x="1435100" y="3609875"/>
+            <a:ext cx="7499350" cy="2638525"/>
+          </a:xfrm>
+        </p:spPr>
         <p:txBody>
           <a:bodyPr/>
           <a:lstStyle/>
           <a:p>
             <a:r>
-              <a:rPr lang="en-US" dirty="0"/>
-              <a:t>Once survivors make decision, they must </a:t>
-            </a:r>
-            <a:r>
-              <a:rPr lang="en-US" dirty="0">
-                <a:solidFill>
-                  <a:srgbClr val="FF0000"/>
-                </a:solidFill>
-              </a:rPr>
-              <a:t>select new coordinator</a:t>
-            </a:r>
-            <a:r>
-              <a:rPr lang="en-US" dirty="0"/>
-              <a:t> to continue 3PC</a:t>
+              <a:rPr lang="en-US" sz="2400" dirty="0"/>
+              <a:t>Nodes P2, P3, P4 enter W state and </a:t>
+            </a:r>
+            <a:r>
+              <a:rPr lang="en-US" sz="2400" dirty="0" smtClean="0"/>
+              <a:t>fail</a:t>
+            </a:r>
+          </a:p>
+          <a:p>
+            <a:r>
+              <a:rPr lang="en-US" sz="2400" dirty="0" smtClean="0"/>
+              <a:t>When </a:t>
+            </a:r>
+            <a:r>
+              <a:rPr lang="en-US" sz="2400" dirty="0"/>
+              <a:t>they recover, coordinator and P1 are down </a:t>
+            </a:r>
+            <a:endParaRPr lang="en-US" sz="2400" dirty="0" smtClean="0"/>
+          </a:p>
+          <a:p>
+            <a:r>
+              <a:rPr lang="en-US" sz="2400" dirty="0" smtClean="0"/>
+              <a:t>Each </a:t>
+            </a:r>
+            <a:r>
+              <a:rPr lang="en-US" sz="2400" dirty="0"/>
+              <a:t>node has one vote, V = 5, M ≥ </a:t>
+            </a:r>
+            <a:r>
+              <a:rPr lang="en-US" sz="2400" dirty="0" smtClean="0"/>
+              <a:t>3</a:t>
             </a:r>
           </a:p>
         </p:txBody>
@@ -8775,18 +7965,55 @@
         </p:blipFill>
         <p:spPr>
           <a:xfrm>
-            <a:off x="1547664" y="2780928"/>
-            <a:ext cx="7227391" cy="3182293"/>
+            <a:off x="3352800" y="1412776"/>
+            <a:ext cx="5257800" cy="2197100"/>
           </a:xfrm>
           <a:prstGeom prst="rect">
             <a:avLst/>
           </a:prstGeom>
         </p:spPr>
       </p:pic>
+      <p:sp>
+        <p:nvSpPr>
+          <p:cNvPr id="7" name="Rectangle 6"/>
+          <p:cNvSpPr/>
+          <p:nvPr/>
+        </p:nvSpPr>
+        <p:spPr>
+          <a:xfrm>
+            <a:off x="1435100" y="2282924"/>
+            <a:ext cx="1707519" cy="461665"/>
+          </a:xfrm>
+          <a:prstGeom prst="rect">
+            <a:avLst/>
+          </a:prstGeom>
+        </p:spPr>
+        <p:txBody>
+          <a:bodyPr wrap="none">
+            <a:spAutoFit/>
+          </a:bodyPr>
+          <a:lstStyle/>
+          <a:p>
+            <a:r>
+              <a:rPr lang="en-US" altLang="zh-CN" sz="2400" b="1" dirty="0" smtClean="0"/>
+              <a:t>Example</a:t>
+            </a:r>
+            <a:r>
+              <a:rPr lang="zh-CN" altLang="en-US" sz="2400" b="1" dirty="0" smtClean="0"/>
+              <a:t> </a:t>
+            </a:r>
+            <a:r>
+              <a:rPr lang="en-US" altLang="zh-CN" sz="2400" b="1" dirty="0" smtClean="0"/>
+              <a:t>1</a:t>
+            </a:r>
+            <a:endParaRPr lang="en-US" sz="2400" b="1" dirty="0"/>
+          </a:p>
+        </p:txBody>
+      </p:sp>
     </p:spTree>
     <p:extLst>
       <p:ext uri="{BB962C8B-B14F-4D97-AF65-F5344CB8AC3E}">
-        <p14:creationId xmlns:p14="http://schemas.microsoft.com/office/powerpoint/2010/main" val="874511411"/>
+        <p14:creationId xmlns:p14="http://schemas.microsoft.com/office/powerpoint/2010/main" val="1490601268"/>
       </p:ext>
     </p:extLst>
   </p:cSld>
@@ -8830,10 +8057,32 @@
             <p:ph type="title"/>
           </p:nvPr>
         </p:nvSpPr>
+        <p:spPr/>
+        <p:txBody>
+          <a:bodyPr/>
+          <a:lstStyle/>
+          <a:p>
+            <a:r>
+              <a:rPr lang="en-US" dirty="0"/>
+              <a:t>3PC with Majority Votes</a:t>
+            </a:r>
+          </a:p>
+        </p:txBody>
+      </p:sp>
+      <p:sp>
+        <p:nvSpPr>
+          <p:cNvPr id="3" name="Content Placeholder 2"/>
+          <p:cNvSpPr>
+            <a:spLocks noGrp="1"/>
+          </p:cNvSpPr>
+          <p:nvPr>
+            <p:ph idx="1"/>
+          </p:nvPr>
+        </p:nvSpPr>
         <p:spPr>
           <a:xfrm>
-            <a:off x="1403648" y="274638"/>
-            <a:ext cx="7499350" cy="1143000"/>
+            <a:off x="1435100" y="3609875"/>
+            <a:ext cx="7499350" cy="2638525"/>
           </a:xfrm>
         </p:spPr>
         <p:txBody>
@@ -8841,57 +8090,47 @@
           <a:lstStyle/>
           <a:p>
             <a:r>
-              <a:rPr lang="en-US" altLang="zh-CN" dirty="0" smtClean="0"/>
-              <a:t>Review:</a:t>
-            </a:r>
-            <a:r>
-              <a:rPr lang="zh-CN" altLang="en-US" dirty="0" smtClean="0"/>
-              <a:t> </a:t>
-            </a:r>
-            <a:r>
-              <a:rPr lang="en-US" dirty="0" smtClean="0"/>
-              <a:t>3PC </a:t>
-            </a:r>
-            <a:r>
-              <a:rPr lang="en-US" dirty="0"/>
-              <a:t>Node Recovery</a:t>
-            </a:r>
-          </a:p>
-        </p:txBody>
-      </p:sp>
-      <p:sp>
-        <p:nvSpPr>
-          <p:cNvPr id="3" name="Content Placeholder 2"/>
-          <p:cNvSpPr>
-            <a:spLocks noGrp="1"/>
-          </p:cNvSpPr>
-          <p:nvPr>
-            <p:ph idx="1"/>
-          </p:nvPr>
-        </p:nvSpPr>
-        <p:spPr/>
-        <p:txBody>
-          <a:bodyPr/>
-          <a:lstStyle/>
-          <a:p>
-            <a:r>
-              <a:rPr lang="en-US" dirty="0"/>
-              <a:t>After node recovers from </a:t>
-            </a:r>
-            <a:r>
-              <a:rPr lang="en-US" dirty="0" smtClean="0"/>
-              <a:t>failure</a:t>
-            </a:r>
-          </a:p>
-          <a:p>
-            <a:pPr lvl="1"/>
-            <a:r>
-              <a:rPr lang="en-US" dirty="0" smtClean="0"/>
-              <a:t>Waits </a:t>
-            </a:r>
-            <a:r>
-              <a:rPr lang="en-US" dirty="0"/>
-              <a:t>until receives commit or abort decision from another node</a:t>
+              <a:rPr lang="en-US" sz="2400" dirty="0"/>
+              <a:t>Nodes P2, P3, P4 enter W state and </a:t>
+            </a:r>
+            <a:r>
+              <a:rPr lang="en-US" sz="2400" dirty="0" smtClean="0"/>
+              <a:t>fail</a:t>
+            </a:r>
+          </a:p>
+          <a:p>
+            <a:r>
+              <a:rPr lang="en-US" sz="2400" dirty="0" smtClean="0"/>
+              <a:t>When </a:t>
+            </a:r>
+            <a:r>
+              <a:rPr lang="en-US" sz="2400" dirty="0"/>
+              <a:t>they recover, coordinator and P1 are down </a:t>
+            </a:r>
+            <a:endParaRPr lang="en-US" sz="2400" dirty="0" smtClean="0"/>
+          </a:p>
+          <a:p>
+            <a:r>
+              <a:rPr lang="en-US" sz="2400" dirty="0" smtClean="0"/>
+              <a:t>Each </a:t>
+            </a:r>
+            <a:r>
+              <a:rPr lang="en-US" sz="2400" dirty="0"/>
+              <a:t>node has one vote, V = 5, M ≥ </a:t>
+            </a:r>
+            <a:r>
+              <a:rPr lang="en-US" sz="2400" dirty="0" smtClean="0"/>
+              <a:t>3</a:t>
+            </a:r>
+          </a:p>
+          <a:p>
+            <a:r>
+              <a:rPr lang="en-US" sz="2400" dirty="0">
+                <a:solidFill>
+                  <a:srgbClr val="FF0000"/>
+                </a:solidFill>
+              </a:rPr>
+              <a:t>Since P2, P3, P4 have majority, they know coordinator could not have gone to P without at least one of their votes ⟹ T can be aborted </a:t>
             </a:r>
           </a:p>
         </p:txBody>
@@ -8973,8 +8212,8 @@
         </p:blipFill>
         <p:spPr>
           <a:xfrm>
-            <a:off x="1655520" y="3140968"/>
-            <a:ext cx="3529255" cy="3107432"/>
+            <a:off x="3352800" y="1412776"/>
+            <a:ext cx="5257800" cy="2197100"/>
           </a:xfrm>
           <a:prstGeom prst="rect">
             <a:avLst/>
@@ -8989,47 +8228,39 @@
         </p:nvSpPr>
         <p:spPr>
           <a:xfrm>
-            <a:off x="5236142" y="3786743"/>
-            <a:ext cx="3646940" cy="1815882"/>
+            <a:off x="1435100" y="2282924"/>
+            <a:ext cx="1707519" cy="461665"/>
           </a:xfrm>
           <a:prstGeom prst="rect">
             <a:avLst/>
           </a:prstGeom>
         </p:spPr>
         <p:txBody>
-          <a:bodyPr wrap="square">
+          <a:bodyPr wrap="none">
             <a:spAutoFit/>
           </a:bodyPr>
           <a:lstStyle/>
           <a:p>
             <a:r>
-              <a:rPr lang="en-US" sz="2800" dirty="0">
-                <a:latin typeface="Roboto" charset="0"/>
-              </a:rPr>
-              <a:t>Waiting for commit or abort decision from others is ok Unless </a:t>
-            </a:r>
-            <a:r>
-              <a:rPr lang="en-US" sz="2800" b="1" dirty="0">
-                <a:solidFill>
-                  <a:srgbClr val="FF0000"/>
-                </a:solidFill>
-                <a:latin typeface="Roboto" charset="0"/>
-              </a:rPr>
-              <a:t>all nodes fail </a:t>
-            </a:r>
-            <a:endParaRPr lang="en-US" sz="2800" dirty="0">
-              <a:solidFill>
-                <a:srgbClr val="FF0000"/>
-              </a:solidFill>
-              <a:effectLst/>
-            </a:endParaRPr>
+              <a:rPr lang="en-US" altLang="zh-CN" sz="2400" b="1" dirty="0" smtClean="0"/>
+              <a:t>Example</a:t>
+            </a:r>
+            <a:r>
+              <a:rPr lang="zh-CN" altLang="en-US" sz="2400" b="1" dirty="0" smtClean="0"/>
+              <a:t> </a:t>
+            </a:r>
+            <a:r>
+              <a:rPr lang="en-US" altLang="zh-CN" sz="2400" b="1" dirty="0" smtClean="0"/>
+              <a:t>1</a:t>
+            </a:r>
+            <a:endParaRPr lang="en-US" sz="2400" b="1" dirty="0"/>
           </a:p>
         </p:txBody>
       </p:sp>
     </p:spTree>
     <p:extLst>
       <p:ext uri="{BB962C8B-B14F-4D97-AF65-F5344CB8AC3E}">
-        <p14:creationId xmlns:p14="http://schemas.microsoft.com/office/powerpoint/2010/main" val="122861997"/>
+        <p14:creationId xmlns:p14="http://schemas.microsoft.com/office/powerpoint/2010/main" val="1746660672"/>
       </p:ext>
     </p:extLst>
   </p:cSld>
@@ -9080,7 +8311,7 @@
           <a:p>
             <a:r>
               <a:rPr lang="en-US" dirty="0"/>
-              <a:t>3PC Node Recovery</a:t>
+              <a:t>3PC with Majority Votes</a:t>
             </a:r>
           </a:p>
         </p:txBody>
@@ -9095,78 +8326,42 @@
             <p:ph idx="1"/>
           </p:nvPr>
         </p:nvSpPr>
-        <p:spPr/>
+        <p:spPr>
+          <a:xfrm>
+            <a:off x="1435100" y="3609875"/>
+            <a:ext cx="7499350" cy="2638525"/>
+          </a:xfrm>
+        </p:spPr>
         <p:txBody>
           <a:bodyPr/>
           <a:lstStyle/>
           <a:p>
             <a:r>
-              <a:rPr lang="en-US" dirty="0"/>
-              <a:t>After node recovers from failure</a:t>
-            </a:r>
-          </a:p>
-          <a:p>
-            <a:pPr lvl="1"/>
-            <a:r>
-              <a:rPr lang="en-US" dirty="0"/>
-              <a:t>Waiting for commit or abort decision from others is ok Unless all nodes fail </a:t>
-            </a:r>
-          </a:p>
-          <a:p>
-            <a:endParaRPr lang="en-US" dirty="0" smtClean="0"/>
-          </a:p>
-          <a:p>
-            <a:r>
-              <a:rPr lang="en-US" altLang="zh-CN" dirty="0" smtClean="0"/>
-              <a:t>Two</a:t>
-            </a:r>
-            <a:r>
-              <a:rPr lang="zh-CN" altLang="en-US" dirty="0" smtClean="0"/>
-              <a:t> </a:t>
-            </a:r>
-            <a:r>
-              <a:rPr lang="en-US" altLang="zh-CN" dirty="0" smtClean="0"/>
-              <a:t>Solutions</a:t>
-            </a:r>
-          </a:p>
-          <a:p>
-            <a:pPr lvl="1"/>
-            <a:r>
-              <a:rPr lang="en-US" dirty="0"/>
-              <a:t>A. Wait for all nodes to </a:t>
-            </a:r>
-            <a:r>
-              <a:rPr lang="en-US" dirty="0">
-                <a:solidFill>
-                  <a:srgbClr val="FF0000"/>
-                </a:solidFill>
-              </a:rPr>
-              <a:t>recover </a:t>
-            </a:r>
-            <a:endParaRPr lang="en-US" altLang="zh-CN" dirty="0" smtClean="0">
-              <a:solidFill>
-                <a:srgbClr val="FF0000"/>
-              </a:solidFill>
-            </a:endParaRPr>
-          </a:p>
-          <a:p>
-            <a:pPr lvl="1"/>
-            <a:r>
-              <a:rPr lang="en-US" dirty="0" smtClean="0"/>
-              <a:t>B</a:t>
-            </a:r>
-            <a:r>
-              <a:rPr lang="en-US" dirty="0"/>
-              <a:t>. Perform </a:t>
-            </a:r>
-            <a:r>
-              <a:rPr lang="en-US" dirty="0">
-                <a:solidFill>
-                  <a:srgbClr val="FF0000"/>
-                </a:solidFill>
-              </a:rPr>
-              <a:t>majority commit</a:t>
-            </a:r>
+              <a:rPr lang="en-US" sz="2400" dirty="0"/>
+              <a:t>Nodes P3 and P4 enter P and W state, then fail </a:t>
+            </a:r>
+            <a:endParaRPr lang="en-US" sz="2400" dirty="0" smtClean="0"/>
+          </a:p>
+          <a:p>
+            <a:r>
+              <a:rPr lang="en-US" sz="2400" dirty="0" smtClean="0"/>
+              <a:t>When </a:t>
+            </a:r>
+            <a:r>
+              <a:rPr lang="en-US" sz="2400" dirty="0"/>
+              <a:t>they recover, coordinator, P1 and P2 are down </a:t>
+            </a:r>
+          </a:p>
+          <a:p>
+            <a:r>
+              <a:rPr lang="en-US" sz="2400" dirty="0" smtClean="0"/>
+              <a:t>Each </a:t>
+            </a:r>
+            <a:r>
+              <a:rPr lang="en-US" sz="2400" dirty="0"/>
+              <a:t>node has one vote, V = 5, M ≥ 3</a:t>
+            </a:r>
+            <a:endParaRPr lang="en-US" sz="2400" dirty="0" smtClean="0"/>
           </a:p>
         </p:txBody>
       </p:sp>
@@ -9225,10 +8420,77 @@
           </a:p>
         </p:txBody>
       </p:sp>
+      <p:sp>
+        <p:nvSpPr>
+          <p:cNvPr id="7" name="Rectangle 6"/>
+          <p:cNvSpPr/>
+          <p:nvPr/>
+        </p:nvSpPr>
+        <p:spPr>
+          <a:xfrm>
+            <a:off x="1435100" y="2282924"/>
+            <a:ext cx="1707519" cy="461665"/>
+          </a:xfrm>
+          <a:prstGeom prst="rect">
+            <a:avLst/>
+          </a:prstGeom>
+        </p:spPr>
+        <p:txBody>
+          <a:bodyPr wrap="none">
+            <a:spAutoFit/>
+          </a:bodyPr>
+          <a:lstStyle/>
+          <a:p>
+            <a:r>
+              <a:rPr lang="en-US" altLang="zh-CN" sz="2400" b="1" dirty="0" smtClean="0"/>
+              <a:t>Example</a:t>
+            </a:r>
+            <a:r>
+              <a:rPr lang="zh-CN" altLang="en-US" sz="2400" b="1" dirty="0" smtClean="0"/>
+              <a:t> </a:t>
+            </a:r>
+            <a:r>
+              <a:rPr lang="en-US" altLang="zh-CN" sz="2400" b="1" dirty="0" smtClean="0"/>
+              <a:t>2</a:t>
+            </a:r>
+            <a:endParaRPr lang="en-US" sz="2400" b="1" dirty="0"/>
+          </a:p>
+        </p:txBody>
+      </p:sp>
+      <p:pic>
+        <p:nvPicPr>
+          <p:cNvPr id="8" name="Picture 7"/>
+          <p:cNvPicPr>
+            <a:picLocks noChangeAspect="1"/>
+          </p:cNvPicPr>
+          <p:nvPr/>
+        </p:nvPicPr>
+        <p:blipFill>
+          <a:blip r:embed="rId2">
+            <a:extLst>
+              <a:ext uri="{28A0092B-C50C-407E-A947-70E740481C1C}">
+                <a14:useLocalDpi xmlns:a14="http://schemas.microsoft.com/office/drawing/2010/main" val="0"/>
+              </a:ext>
+            </a:extLst>
+          </a:blip>
+          <a:stretch>
+            <a:fillRect/>
+          </a:stretch>
+        </p:blipFill>
+        <p:spPr>
+          <a:xfrm>
+            <a:off x="3164599" y="1411224"/>
+            <a:ext cx="5486400" cy="2070100"/>
+          </a:xfrm>
+          <a:prstGeom prst="rect">
+            <a:avLst/>
+          </a:prstGeom>
+        </p:spPr>
+      </p:pic>
     </p:spTree>
     <p:extLst>
       <p:ext uri="{BB962C8B-B14F-4D97-AF65-F5344CB8AC3E}">
-        <p14:creationId xmlns:p14="http://schemas.microsoft.com/office/powerpoint/2010/main" val="1028448964"/>
+        <p14:creationId xmlns:p14="http://schemas.microsoft.com/office/powerpoint/2010/main" val="251704576"/>
       </p:ext>
     </p:extLst>
   </p:cSld>
@@ -9647,7 +8909,7 @@
           <a:p>
             <a:r>
               <a:rPr lang="en-US" dirty="0"/>
-              <a:t>3PC Node Recovery</a:t>
+              <a:t>3PC with Majority Votes</a:t>
             </a:r>
           </a:p>
         </p:txBody>
@@ -9662,58 +8924,72 @@
             <p:ph idx="1"/>
           </p:nvPr>
         </p:nvSpPr>
-        <p:spPr/>
+        <p:spPr>
+          <a:xfrm>
+            <a:off x="1435100" y="3609875"/>
+            <a:ext cx="7499350" cy="2638525"/>
+          </a:xfrm>
+        </p:spPr>
         <p:txBody>
           <a:bodyPr/>
           <a:lstStyle/>
           <a:p>
             <a:r>
-              <a:rPr lang="en-US" b="1" dirty="0"/>
-              <a:t>A. Wait for all nodes to </a:t>
-            </a:r>
-            <a:r>
-              <a:rPr lang="en-US" b="1" dirty="0" smtClean="0"/>
-              <a:t>recover</a:t>
-            </a:r>
-          </a:p>
-          <a:p>
-            <a:endParaRPr lang="en-US" dirty="0"/>
-          </a:p>
-          <a:p>
-            <a:r>
-              <a:rPr lang="en-US" dirty="0"/>
-              <a:t>Recovering node waits for </a:t>
-            </a:r>
-            <a:r>
-              <a:rPr lang="en-US" dirty="0" smtClean="0"/>
-              <a:t>either</a:t>
-            </a:r>
-          </a:p>
-          <a:p>
-            <a:pPr lvl="1"/>
-            <a:r>
-              <a:rPr lang="en-US" dirty="0" smtClean="0"/>
-              <a:t>1</a:t>
-            </a:r>
-            <a:r>
-              <a:rPr lang="en-US" dirty="0"/>
-              <a:t>. Commit or abort decision from another node </a:t>
-            </a:r>
-            <a:r>
-              <a:rPr lang="en-US" dirty="0" smtClean="0"/>
-              <a:t>or</a:t>
-            </a:r>
-          </a:p>
-          <a:p>
-            <a:pPr lvl="1"/>
-            <a:r>
-              <a:rPr lang="en-US" dirty="0" smtClean="0"/>
-              <a:t>2</a:t>
-            </a:r>
-            <a:r>
-              <a:rPr lang="en-US" dirty="0"/>
-              <a:t>. If all other nodes are up and recovering then 3PC can continue</a:t>
-            </a:r>
+              <a:rPr lang="en-US" sz="2400" dirty="0"/>
+              <a:t>Nodes P3 and P4 enter P and W state, then fail </a:t>
+            </a:r>
+            <a:endParaRPr lang="en-US" sz="2400" dirty="0" smtClean="0"/>
+          </a:p>
+          <a:p>
+            <a:r>
+              <a:rPr lang="en-US" sz="2400" dirty="0" smtClean="0"/>
+              <a:t>When </a:t>
+            </a:r>
+            <a:r>
+              <a:rPr lang="en-US" sz="2400" dirty="0"/>
+              <a:t>they recover, coordinator, P1 and P2 are down </a:t>
+            </a:r>
+          </a:p>
+          <a:p>
+            <a:r>
+              <a:rPr lang="en-US" sz="2400" dirty="0" smtClean="0"/>
+              <a:t>Each </a:t>
+            </a:r>
+            <a:r>
+              <a:rPr lang="en-US" sz="2400" dirty="0"/>
+              <a:t>node has one vote, V = 5, M ≥ </a:t>
+            </a:r>
+            <a:r>
+              <a:rPr lang="en-US" sz="2400" dirty="0" smtClean="0"/>
+              <a:t>3</a:t>
+            </a:r>
+          </a:p>
+          <a:p>
+            <a:endParaRPr lang="en-US" sz="2400" dirty="0"/>
+          </a:p>
+          <a:p>
+            <a:r>
+              <a:rPr lang="en-US" sz="2400" dirty="0">
+                <a:solidFill>
+                  <a:srgbClr val="FF0000"/>
+                </a:solidFill>
+              </a:rPr>
+              <a:t>Nodes P3 and P4 have insufficient votes ⟹ they do </a:t>
+            </a:r>
+            <a:r>
+              <a:rPr lang="en-US" sz="2400" dirty="0" smtClean="0">
+                <a:solidFill>
+                  <a:srgbClr val="FF0000"/>
+                </a:solidFill>
+              </a:rPr>
+              <a:t>nothing</a:t>
+            </a:r>
+          </a:p>
+          <a:p>
+            <a:endParaRPr lang="en-US" sz="2400" dirty="0"/>
+          </a:p>
+          <a:p>
+            <a:endParaRPr lang="en-US" sz="2400" dirty="0" smtClean="0"/>
           </a:p>
         </p:txBody>
       </p:sp>
@@ -9767,1172 +9043,6 @@
                 <a:defRPr/>
               </a:pPr>
               <a:t>20</a:t>
-            </a:fld>
-            <a:endParaRPr lang="zh-CN" altLang="en-US"/>
-          </a:p>
-        </p:txBody>
-      </p:sp>
-    </p:spTree>
-    <p:extLst>
-      <p:ext uri="{BB962C8B-B14F-4D97-AF65-F5344CB8AC3E}">
-        <p14:creationId xmlns:p14="http://schemas.microsoft.com/office/powerpoint/2010/main" val="2026343285"/>
-      </p:ext>
-    </p:extLst>
-  </p:cSld>
-  <p:clrMapOvr>
-    <a:masterClrMapping/>
-  </p:clrMapOvr>
-  <p:timing>
-    <p:tnLst>
-      <p:par>
-        <p:cTn id="1" dur="indefinite" restart="never" nodeType="tmRoot"/>
-      </p:par>
-    </p:tnLst>
-  </p:timing>
-</p:sld>
-</file>
-
-<file path=ppt/slides/slide21.xml><?xml version="1.0" encoding="utf-8"?>
-<p:sld xmlns:a="http://schemas.openxmlformats.org/drawingml/2006/main" xmlns:r="http://schemas.openxmlformats.org/officeDocument/2006/relationships" xmlns:p="http://schemas.openxmlformats.org/presentationml/2006/main">
-  <p:cSld>
-    <p:spTree>
-      <p:nvGrpSpPr>
-        <p:cNvPr id="1" name=""/>
-        <p:cNvGrpSpPr/>
-        <p:nvPr/>
-      </p:nvGrpSpPr>
-      <p:grpSpPr>
-        <a:xfrm>
-          <a:off x="0" y="0"/>
-          <a:ext cx="0" cy="0"/>
-          <a:chOff x="0" y="0"/>
-          <a:chExt cx="0" cy="0"/>
-        </a:xfrm>
-      </p:grpSpPr>
-      <p:sp>
-        <p:nvSpPr>
-          <p:cNvPr id="2" name="Title 1"/>
-          <p:cNvSpPr>
-            <a:spLocks noGrp="1"/>
-          </p:cNvSpPr>
-          <p:nvPr>
-            <p:ph type="title"/>
-          </p:nvPr>
-        </p:nvSpPr>
-        <p:spPr/>
-        <p:txBody>
-          <a:bodyPr/>
-          <a:lstStyle/>
-          <a:p>
-            <a:r>
-              <a:rPr lang="en-US" dirty="0"/>
-              <a:t>3PC Node Recovery</a:t>
-            </a:r>
-          </a:p>
-        </p:txBody>
-      </p:sp>
-      <p:sp>
-        <p:nvSpPr>
-          <p:cNvPr id="3" name="Content Placeholder 2"/>
-          <p:cNvSpPr>
-            <a:spLocks noGrp="1"/>
-          </p:cNvSpPr>
-          <p:nvPr>
-            <p:ph idx="1"/>
-          </p:nvPr>
-        </p:nvSpPr>
-        <p:spPr>
-          <a:xfrm>
-            <a:off x="1259632" y="1447800"/>
-            <a:ext cx="7674818" cy="4800600"/>
-          </a:xfrm>
-        </p:spPr>
-        <p:txBody>
-          <a:bodyPr/>
-          <a:lstStyle/>
-          <a:p>
-            <a:r>
-              <a:rPr lang="en-US" b="1" dirty="0"/>
-              <a:t>B. Perform majority </a:t>
-            </a:r>
-            <a:r>
-              <a:rPr lang="en-US" b="1" dirty="0" smtClean="0"/>
-              <a:t>commit</a:t>
-            </a:r>
-          </a:p>
-          <a:p>
-            <a:r>
-              <a:rPr lang="en-US" altLang="zh-CN" dirty="0" smtClean="0"/>
-              <a:t>Basic</a:t>
-            </a:r>
-            <a:r>
-              <a:rPr lang="zh-CN" altLang="en-US" dirty="0" smtClean="0"/>
-              <a:t> </a:t>
-            </a:r>
-            <a:r>
-              <a:rPr lang="en-US" altLang="zh-CN" dirty="0" smtClean="0"/>
-              <a:t>Idea</a:t>
-            </a:r>
-          </a:p>
-          <a:p>
-            <a:pPr lvl="1"/>
-            <a:r>
-              <a:rPr lang="en-US" dirty="0"/>
-              <a:t>Want a gang of </a:t>
-            </a:r>
-            <a:r>
-              <a:rPr lang="en-US" dirty="0">
-                <a:solidFill>
-                  <a:srgbClr val="FF0000"/>
-                </a:solidFill>
-              </a:rPr>
-              <a:t>failed but recovered nodes </a:t>
-            </a:r>
-            <a:r>
-              <a:rPr lang="en-US" dirty="0"/>
-              <a:t>to be able to terminate the transaction, even when the rest are still </a:t>
-            </a:r>
-            <a:r>
-              <a:rPr lang="en-US" dirty="0" smtClean="0"/>
-              <a:t>failing</a:t>
-            </a:r>
-          </a:p>
-          <a:p>
-            <a:pPr lvl="1"/>
-            <a:r>
-              <a:rPr lang="en-US" dirty="0"/>
-              <a:t>Nodes are assigned votes, total is </a:t>
-            </a:r>
-            <a:r>
-              <a:rPr lang="en-US" dirty="0" smtClean="0"/>
-              <a:t>V</a:t>
-            </a:r>
-          </a:p>
-          <a:p>
-            <a:pPr lvl="2"/>
-            <a:r>
-              <a:rPr lang="en-US" altLang="zh-CN" dirty="0" smtClean="0"/>
-              <a:t>Majority</a:t>
-            </a:r>
-            <a:r>
-              <a:rPr lang="zh-CN" altLang="en-US" dirty="0" smtClean="0"/>
-              <a:t> </a:t>
-            </a:r>
-            <a:r>
-              <a:rPr lang="en-US" altLang="zh-CN" dirty="0" smtClean="0"/>
-              <a:t>is</a:t>
-            </a:r>
-            <a:r>
-              <a:rPr lang="zh-CN" altLang="en-US" dirty="0" smtClean="0"/>
-              <a:t> </a:t>
-            </a:r>
-            <a:r>
-              <a:rPr lang="en-US" altLang="zh-CN" dirty="0"/>
-              <a:t>M ≥ round((V + 1) / 2</a:t>
-            </a:r>
-            <a:r>
-              <a:rPr lang="en-US" altLang="zh-CN" dirty="0" smtClean="0"/>
-              <a:t>)</a:t>
-            </a:r>
-          </a:p>
-          <a:p>
-            <a:pPr lvl="1"/>
-            <a:r>
-              <a:rPr lang="en-US" dirty="0"/>
-              <a:t>To make state transitions, coordinator requires messages </a:t>
-            </a:r>
-            <a:r>
-              <a:rPr lang="en-US" dirty="0" smtClean="0"/>
-              <a:t>from</a:t>
-            </a:r>
-            <a:r>
-              <a:rPr lang="zh-CN" altLang="en-US" dirty="0" smtClean="0"/>
-              <a:t> </a:t>
-            </a:r>
-            <a:r>
-              <a:rPr lang="en-US" altLang="zh-CN" dirty="0" smtClean="0">
-                <a:solidFill>
-                  <a:srgbClr val="FF0000"/>
-                </a:solidFill>
-              </a:rPr>
-              <a:t>nodes</a:t>
-            </a:r>
-            <a:r>
-              <a:rPr lang="en-US" dirty="0" smtClean="0">
-                <a:solidFill>
-                  <a:srgbClr val="FF0000"/>
-                </a:solidFill>
-              </a:rPr>
-              <a:t> </a:t>
-            </a:r>
-            <a:r>
-              <a:rPr lang="en-US" dirty="0">
-                <a:solidFill>
-                  <a:srgbClr val="FF0000"/>
-                </a:solidFill>
-              </a:rPr>
-              <a:t>with a majority of votes</a:t>
-            </a:r>
-          </a:p>
-        </p:txBody>
-      </p:sp>
-      <p:sp>
-        <p:nvSpPr>
-          <p:cNvPr id="4" name="Footer Placeholder 3"/>
-          <p:cNvSpPr>
-            <a:spLocks noGrp="1"/>
-          </p:cNvSpPr>
-          <p:nvPr>
-            <p:ph type="ftr" sz="quarter" idx="11"/>
-          </p:nvPr>
-        </p:nvSpPr>
-        <p:spPr/>
-        <p:txBody>
-          <a:bodyPr/>
-          <a:lstStyle/>
-          <a:p>
-            <a:pPr>
-              <a:defRPr/>
-            </a:pPr>
-            <a:r>
-              <a:rPr lang="en-US" altLang="zh-CN" smtClean="0"/>
-              <a:t>Distributed Database Systems</a:t>
-            </a:r>
-            <a:endParaRPr lang="zh-CN" altLang="en-US"/>
-          </a:p>
-        </p:txBody>
-      </p:sp>
-      <p:sp>
-        <p:nvSpPr>
-          <p:cNvPr id="5" name="Slide Number Placeholder 4"/>
-          <p:cNvSpPr>
-            <a:spLocks noGrp="1"/>
-          </p:cNvSpPr>
-          <p:nvPr>
-            <p:ph type="sldNum" sz="quarter" idx="12"/>
-          </p:nvPr>
-        </p:nvSpPr>
-        <p:spPr/>
-        <p:txBody>
-          <a:bodyPr/>
-          <a:lstStyle/>
-          <a:p>
-            <a:pPr>
-              <a:defRPr/>
-            </a:pPr>
-            <a:fld id="{07A5CAEE-885A-5D41-93DF-9DC29A9FE4F0}" type="slidenum">
-              <a:rPr lang="zh-CN" altLang="en-US" smtClean="0"/>
-              <a:pPr>
-                <a:defRPr/>
-              </a:pPr>
-              <a:t>21</a:t>
-            </a:fld>
-            <a:endParaRPr lang="zh-CN" altLang="en-US"/>
-          </a:p>
-        </p:txBody>
-      </p:sp>
-    </p:spTree>
-    <p:extLst>
-      <p:ext uri="{BB962C8B-B14F-4D97-AF65-F5344CB8AC3E}">
-        <p14:creationId xmlns:p14="http://schemas.microsoft.com/office/powerpoint/2010/main" val="55437065"/>
-      </p:ext>
-    </p:extLst>
-  </p:cSld>
-  <p:clrMapOvr>
-    <a:masterClrMapping/>
-  </p:clrMapOvr>
-  <p:timing>
-    <p:tnLst>
-      <p:par>
-        <p:cTn id="1" dur="indefinite" restart="never" nodeType="tmRoot"/>
-      </p:par>
-    </p:tnLst>
-  </p:timing>
-</p:sld>
-</file>
-
-<file path=ppt/slides/slide22.xml><?xml version="1.0" encoding="utf-8"?>
-<p:sld xmlns:a="http://schemas.openxmlformats.org/drawingml/2006/main" xmlns:r="http://schemas.openxmlformats.org/officeDocument/2006/relationships" xmlns:p="http://schemas.openxmlformats.org/presentationml/2006/main">
-  <p:cSld>
-    <p:spTree>
-      <p:nvGrpSpPr>
-        <p:cNvPr id="1" name=""/>
-        <p:cNvGrpSpPr/>
-        <p:nvPr/>
-      </p:nvGrpSpPr>
-      <p:grpSpPr>
-        <a:xfrm>
-          <a:off x="0" y="0"/>
-          <a:ext cx="0" cy="0"/>
-          <a:chOff x="0" y="0"/>
-          <a:chExt cx="0" cy="0"/>
-        </a:xfrm>
-      </p:grpSpPr>
-      <p:sp>
-        <p:nvSpPr>
-          <p:cNvPr id="2" name="Title 1"/>
-          <p:cNvSpPr>
-            <a:spLocks noGrp="1"/>
-          </p:cNvSpPr>
-          <p:nvPr>
-            <p:ph type="title"/>
-          </p:nvPr>
-        </p:nvSpPr>
-        <p:spPr/>
-        <p:txBody>
-          <a:bodyPr/>
-          <a:lstStyle/>
-          <a:p>
-            <a:r>
-              <a:rPr lang="en-US" dirty="0"/>
-              <a:t>3PC with Majority Votes</a:t>
-            </a:r>
-          </a:p>
-        </p:txBody>
-      </p:sp>
-      <p:sp>
-        <p:nvSpPr>
-          <p:cNvPr id="3" name="Content Placeholder 2"/>
-          <p:cNvSpPr>
-            <a:spLocks noGrp="1"/>
-          </p:cNvSpPr>
-          <p:nvPr>
-            <p:ph idx="1"/>
-          </p:nvPr>
-        </p:nvSpPr>
-        <p:spPr>
-          <a:xfrm>
-            <a:off x="1435100" y="3609875"/>
-            <a:ext cx="7499350" cy="2638525"/>
-          </a:xfrm>
-        </p:spPr>
-        <p:txBody>
-          <a:bodyPr/>
-          <a:lstStyle/>
-          <a:p>
-            <a:r>
-              <a:rPr lang="en-US" sz="2400" dirty="0"/>
-              <a:t>Nodes P2, P3, P4 enter W state and </a:t>
-            </a:r>
-            <a:r>
-              <a:rPr lang="en-US" sz="2400" dirty="0" smtClean="0"/>
-              <a:t>fail</a:t>
-            </a:r>
-          </a:p>
-          <a:p>
-            <a:r>
-              <a:rPr lang="en-US" sz="2400" dirty="0" smtClean="0"/>
-              <a:t>When </a:t>
-            </a:r>
-            <a:r>
-              <a:rPr lang="en-US" sz="2400" dirty="0"/>
-              <a:t>they recover, coordinator and P1 are down </a:t>
-            </a:r>
-            <a:endParaRPr lang="en-US" sz="2400" dirty="0" smtClean="0"/>
-          </a:p>
-          <a:p>
-            <a:r>
-              <a:rPr lang="en-US" sz="2400" dirty="0" smtClean="0"/>
-              <a:t>Each </a:t>
-            </a:r>
-            <a:r>
-              <a:rPr lang="en-US" sz="2400" dirty="0"/>
-              <a:t>node has one vote, V = 5, M ≥ </a:t>
-            </a:r>
-            <a:r>
-              <a:rPr lang="en-US" sz="2400" dirty="0" smtClean="0"/>
-              <a:t>3</a:t>
-            </a:r>
-          </a:p>
-        </p:txBody>
-      </p:sp>
-      <p:sp>
-        <p:nvSpPr>
-          <p:cNvPr id="4" name="Footer Placeholder 3"/>
-          <p:cNvSpPr>
-            <a:spLocks noGrp="1"/>
-          </p:cNvSpPr>
-          <p:nvPr>
-            <p:ph type="ftr" sz="quarter" idx="11"/>
-          </p:nvPr>
-        </p:nvSpPr>
-        <p:spPr/>
-        <p:txBody>
-          <a:bodyPr/>
-          <a:lstStyle/>
-          <a:p>
-            <a:pPr>
-              <a:defRPr/>
-            </a:pPr>
-            <a:r>
-              <a:rPr lang="en-US" altLang="zh-CN" smtClean="0"/>
-              <a:t>Distributed Database Systems</a:t>
-            </a:r>
-            <a:endParaRPr lang="zh-CN" altLang="en-US"/>
-          </a:p>
-        </p:txBody>
-      </p:sp>
-      <p:sp>
-        <p:nvSpPr>
-          <p:cNvPr id="5" name="Slide Number Placeholder 4"/>
-          <p:cNvSpPr>
-            <a:spLocks noGrp="1"/>
-          </p:cNvSpPr>
-          <p:nvPr>
-            <p:ph type="sldNum" sz="quarter" idx="12"/>
-          </p:nvPr>
-        </p:nvSpPr>
-        <p:spPr/>
-        <p:txBody>
-          <a:bodyPr/>
-          <a:lstStyle/>
-          <a:p>
-            <a:pPr>
-              <a:defRPr/>
-            </a:pPr>
-            <a:fld id="{07A5CAEE-885A-5D41-93DF-9DC29A9FE4F0}" type="slidenum">
-              <a:rPr lang="zh-CN" altLang="en-US" smtClean="0"/>
-              <a:pPr>
-                <a:defRPr/>
-              </a:pPr>
-              <a:t>22</a:t>
-            </a:fld>
-            <a:endParaRPr lang="zh-CN" altLang="en-US"/>
-          </a:p>
-        </p:txBody>
-      </p:sp>
-      <p:pic>
-        <p:nvPicPr>
-          <p:cNvPr id="6" name="Picture 5"/>
-          <p:cNvPicPr>
-            <a:picLocks noChangeAspect="1"/>
-          </p:cNvPicPr>
-          <p:nvPr/>
-        </p:nvPicPr>
-        <p:blipFill>
-          <a:blip r:embed="rId2">
-            <a:extLst>
-              <a:ext uri="{28A0092B-C50C-407E-A947-70E740481C1C}">
-                <a14:useLocalDpi xmlns:a14="http://schemas.microsoft.com/office/drawing/2010/main" val="0"/>
-              </a:ext>
-            </a:extLst>
-          </a:blip>
-          <a:stretch>
-            <a:fillRect/>
-          </a:stretch>
-        </p:blipFill>
-        <p:spPr>
-          <a:xfrm>
-            <a:off x="3352800" y="1412776"/>
-            <a:ext cx="5257800" cy="2197100"/>
-          </a:xfrm>
-          <a:prstGeom prst="rect">
-            <a:avLst/>
-          </a:prstGeom>
-        </p:spPr>
-      </p:pic>
-      <p:sp>
-        <p:nvSpPr>
-          <p:cNvPr id="7" name="Rectangle 6"/>
-          <p:cNvSpPr/>
-          <p:nvPr/>
-        </p:nvSpPr>
-        <p:spPr>
-          <a:xfrm>
-            <a:off x="1435100" y="2282924"/>
-            <a:ext cx="1707519" cy="461665"/>
-          </a:xfrm>
-          <a:prstGeom prst="rect">
-            <a:avLst/>
-          </a:prstGeom>
-        </p:spPr>
-        <p:txBody>
-          <a:bodyPr wrap="none">
-            <a:spAutoFit/>
-          </a:bodyPr>
-          <a:lstStyle/>
-          <a:p>
-            <a:r>
-              <a:rPr lang="en-US" altLang="zh-CN" sz="2400" b="1" dirty="0" smtClean="0"/>
-              <a:t>Example</a:t>
-            </a:r>
-            <a:r>
-              <a:rPr lang="zh-CN" altLang="en-US" sz="2400" b="1" dirty="0" smtClean="0"/>
-              <a:t> </a:t>
-            </a:r>
-            <a:r>
-              <a:rPr lang="en-US" altLang="zh-CN" sz="2400" b="1" dirty="0" smtClean="0"/>
-              <a:t>1</a:t>
-            </a:r>
-            <a:endParaRPr lang="en-US" sz="2400" b="1" dirty="0"/>
-          </a:p>
-        </p:txBody>
-      </p:sp>
-    </p:spTree>
-    <p:extLst>
-      <p:ext uri="{BB962C8B-B14F-4D97-AF65-F5344CB8AC3E}">
-        <p14:creationId xmlns:p14="http://schemas.microsoft.com/office/powerpoint/2010/main" val="1490601268"/>
-      </p:ext>
-    </p:extLst>
-  </p:cSld>
-  <p:clrMapOvr>
-    <a:masterClrMapping/>
-  </p:clrMapOvr>
-  <p:timing>
-    <p:tnLst>
-      <p:par>
-        <p:cTn id="1" dur="indefinite" restart="never" nodeType="tmRoot"/>
-      </p:par>
-    </p:tnLst>
-  </p:timing>
-</p:sld>
-</file>
-
-<file path=ppt/slides/slide23.xml><?xml version="1.0" encoding="utf-8"?>
-<p:sld xmlns:a="http://schemas.openxmlformats.org/drawingml/2006/main" xmlns:r="http://schemas.openxmlformats.org/officeDocument/2006/relationships" xmlns:p="http://schemas.openxmlformats.org/presentationml/2006/main">
-  <p:cSld>
-    <p:spTree>
-      <p:nvGrpSpPr>
-        <p:cNvPr id="1" name=""/>
-        <p:cNvGrpSpPr/>
-        <p:nvPr/>
-      </p:nvGrpSpPr>
-      <p:grpSpPr>
-        <a:xfrm>
-          <a:off x="0" y="0"/>
-          <a:ext cx="0" cy="0"/>
-          <a:chOff x="0" y="0"/>
-          <a:chExt cx="0" cy="0"/>
-        </a:xfrm>
-      </p:grpSpPr>
-      <p:sp>
-        <p:nvSpPr>
-          <p:cNvPr id="2" name="Title 1"/>
-          <p:cNvSpPr>
-            <a:spLocks noGrp="1"/>
-          </p:cNvSpPr>
-          <p:nvPr>
-            <p:ph type="title"/>
-          </p:nvPr>
-        </p:nvSpPr>
-        <p:spPr/>
-        <p:txBody>
-          <a:bodyPr/>
-          <a:lstStyle/>
-          <a:p>
-            <a:r>
-              <a:rPr lang="en-US" dirty="0"/>
-              <a:t>3PC with Majority Votes</a:t>
-            </a:r>
-          </a:p>
-        </p:txBody>
-      </p:sp>
-      <p:sp>
-        <p:nvSpPr>
-          <p:cNvPr id="3" name="Content Placeholder 2"/>
-          <p:cNvSpPr>
-            <a:spLocks noGrp="1"/>
-          </p:cNvSpPr>
-          <p:nvPr>
-            <p:ph idx="1"/>
-          </p:nvPr>
-        </p:nvSpPr>
-        <p:spPr>
-          <a:xfrm>
-            <a:off x="1435100" y="3609875"/>
-            <a:ext cx="7499350" cy="2638525"/>
-          </a:xfrm>
-        </p:spPr>
-        <p:txBody>
-          <a:bodyPr/>
-          <a:lstStyle/>
-          <a:p>
-            <a:r>
-              <a:rPr lang="en-US" sz="2400" dirty="0"/>
-              <a:t>Nodes P2, P3, P4 enter W state and </a:t>
-            </a:r>
-            <a:r>
-              <a:rPr lang="en-US" sz="2400" dirty="0" smtClean="0"/>
-              <a:t>fail</a:t>
-            </a:r>
-          </a:p>
-          <a:p>
-            <a:r>
-              <a:rPr lang="en-US" sz="2400" dirty="0" smtClean="0"/>
-              <a:t>When </a:t>
-            </a:r>
-            <a:r>
-              <a:rPr lang="en-US" sz="2400" dirty="0"/>
-              <a:t>they recover, coordinator and P1 are down </a:t>
-            </a:r>
-            <a:endParaRPr lang="en-US" sz="2400" dirty="0" smtClean="0"/>
-          </a:p>
-          <a:p>
-            <a:r>
-              <a:rPr lang="en-US" sz="2400" dirty="0" smtClean="0"/>
-              <a:t>Each </a:t>
-            </a:r>
-            <a:r>
-              <a:rPr lang="en-US" sz="2400" dirty="0"/>
-              <a:t>node has one vote, V = 5, M ≥ </a:t>
-            </a:r>
-            <a:r>
-              <a:rPr lang="en-US" sz="2400" dirty="0" smtClean="0"/>
-              <a:t>3</a:t>
-            </a:r>
-          </a:p>
-          <a:p>
-            <a:r>
-              <a:rPr lang="en-US" sz="2400" dirty="0">
-                <a:solidFill>
-                  <a:srgbClr val="FF0000"/>
-                </a:solidFill>
-              </a:rPr>
-              <a:t>Since P2, P3, P4 have majority, they know coordinator could not have gone to P without at least one of their votes ⟹ T can be aborted </a:t>
-            </a:r>
-          </a:p>
-        </p:txBody>
-      </p:sp>
-      <p:sp>
-        <p:nvSpPr>
-          <p:cNvPr id="4" name="Footer Placeholder 3"/>
-          <p:cNvSpPr>
-            <a:spLocks noGrp="1"/>
-          </p:cNvSpPr>
-          <p:nvPr>
-            <p:ph type="ftr" sz="quarter" idx="11"/>
-          </p:nvPr>
-        </p:nvSpPr>
-        <p:spPr/>
-        <p:txBody>
-          <a:bodyPr/>
-          <a:lstStyle/>
-          <a:p>
-            <a:pPr>
-              <a:defRPr/>
-            </a:pPr>
-            <a:r>
-              <a:rPr lang="en-US" altLang="zh-CN" smtClean="0"/>
-              <a:t>Distributed Database Systems</a:t>
-            </a:r>
-            <a:endParaRPr lang="zh-CN" altLang="en-US"/>
-          </a:p>
-        </p:txBody>
-      </p:sp>
-      <p:sp>
-        <p:nvSpPr>
-          <p:cNvPr id="5" name="Slide Number Placeholder 4"/>
-          <p:cNvSpPr>
-            <a:spLocks noGrp="1"/>
-          </p:cNvSpPr>
-          <p:nvPr>
-            <p:ph type="sldNum" sz="quarter" idx="12"/>
-          </p:nvPr>
-        </p:nvSpPr>
-        <p:spPr/>
-        <p:txBody>
-          <a:bodyPr/>
-          <a:lstStyle/>
-          <a:p>
-            <a:pPr>
-              <a:defRPr/>
-            </a:pPr>
-            <a:fld id="{07A5CAEE-885A-5D41-93DF-9DC29A9FE4F0}" type="slidenum">
-              <a:rPr lang="zh-CN" altLang="en-US" smtClean="0"/>
-              <a:pPr>
-                <a:defRPr/>
-              </a:pPr>
-              <a:t>23</a:t>
-            </a:fld>
-            <a:endParaRPr lang="zh-CN" altLang="en-US"/>
-          </a:p>
-        </p:txBody>
-      </p:sp>
-      <p:pic>
-        <p:nvPicPr>
-          <p:cNvPr id="6" name="Picture 5"/>
-          <p:cNvPicPr>
-            <a:picLocks noChangeAspect="1"/>
-          </p:cNvPicPr>
-          <p:nvPr/>
-        </p:nvPicPr>
-        <p:blipFill>
-          <a:blip r:embed="rId2">
-            <a:extLst>
-              <a:ext uri="{28A0092B-C50C-407E-A947-70E740481C1C}">
-                <a14:useLocalDpi xmlns:a14="http://schemas.microsoft.com/office/drawing/2010/main" val="0"/>
-              </a:ext>
-            </a:extLst>
-          </a:blip>
-          <a:stretch>
-            <a:fillRect/>
-          </a:stretch>
-        </p:blipFill>
-        <p:spPr>
-          <a:xfrm>
-            <a:off x="3352800" y="1412776"/>
-            <a:ext cx="5257800" cy="2197100"/>
-          </a:xfrm>
-          <a:prstGeom prst="rect">
-            <a:avLst/>
-          </a:prstGeom>
-        </p:spPr>
-      </p:pic>
-      <p:sp>
-        <p:nvSpPr>
-          <p:cNvPr id="7" name="Rectangle 6"/>
-          <p:cNvSpPr/>
-          <p:nvPr/>
-        </p:nvSpPr>
-        <p:spPr>
-          <a:xfrm>
-            <a:off x="1435100" y="2282924"/>
-            <a:ext cx="1707519" cy="461665"/>
-          </a:xfrm>
-          <a:prstGeom prst="rect">
-            <a:avLst/>
-          </a:prstGeom>
-        </p:spPr>
-        <p:txBody>
-          <a:bodyPr wrap="none">
-            <a:spAutoFit/>
-          </a:bodyPr>
-          <a:lstStyle/>
-          <a:p>
-            <a:r>
-              <a:rPr lang="en-US" altLang="zh-CN" sz="2400" b="1" dirty="0" smtClean="0"/>
-              <a:t>Example</a:t>
-            </a:r>
-            <a:r>
-              <a:rPr lang="zh-CN" altLang="en-US" sz="2400" b="1" dirty="0" smtClean="0"/>
-              <a:t> </a:t>
-            </a:r>
-            <a:r>
-              <a:rPr lang="en-US" altLang="zh-CN" sz="2400" b="1" dirty="0" smtClean="0"/>
-              <a:t>1</a:t>
-            </a:r>
-            <a:endParaRPr lang="en-US" sz="2400" b="1" dirty="0"/>
-          </a:p>
-        </p:txBody>
-      </p:sp>
-    </p:spTree>
-    <p:extLst>
-      <p:ext uri="{BB962C8B-B14F-4D97-AF65-F5344CB8AC3E}">
-        <p14:creationId xmlns:p14="http://schemas.microsoft.com/office/powerpoint/2010/main" val="1746660672"/>
-      </p:ext>
-    </p:extLst>
-  </p:cSld>
-  <p:clrMapOvr>
-    <a:masterClrMapping/>
-  </p:clrMapOvr>
-  <p:timing>
-    <p:tnLst>
-      <p:par>
-        <p:cTn id="1" dur="indefinite" restart="never" nodeType="tmRoot"/>
-      </p:par>
-    </p:tnLst>
-  </p:timing>
-</p:sld>
-</file>
-
-<file path=ppt/slides/slide24.xml><?xml version="1.0" encoding="utf-8"?>
-<p:sld xmlns:a="http://schemas.openxmlformats.org/drawingml/2006/main" xmlns:r="http://schemas.openxmlformats.org/officeDocument/2006/relationships" xmlns:p="http://schemas.openxmlformats.org/presentationml/2006/main">
-  <p:cSld>
-    <p:spTree>
-      <p:nvGrpSpPr>
-        <p:cNvPr id="1" name=""/>
-        <p:cNvGrpSpPr/>
-        <p:nvPr/>
-      </p:nvGrpSpPr>
-      <p:grpSpPr>
-        <a:xfrm>
-          <a:off x="0" y="0"/>
-          <a:ext cx="0" cy="0"/>
-          <a:chOff x="0" y="0"/>
-          <a:chExt cx="0" cy="0"/>
-        </a:xfrm>
-      </p:grpSpPr>
-      <p:sp>
-        <p:nvSpPr>
-          <p:cNvPr id="2" name="Title 1"/>
-          <p:cNvSpPr>
-            <a:spLocks noGrp="1"/>
-          </p:cNvSpPr>
-          <p:nvPr>
-            <p:ph type="title"/>
-          </p:nvPr>
-        </p:nvSpPr>
-        <p:spPr/>
-        <p:txBody>
-          <a:bodyPr/>
-          <a:lstStyle/>
-          <a:p>
-            <a:r>
-              <a:rPr lang="en-US" dirty="0"/>
-              <a:t>3PC with Majority Votes</a:t>
-            </a:r>
-          </a:p>
-        </p:txBody>
-      </p:sp>
-      <p:sp>
-        <p:nvSpPr>
-          <p:cNvPr id="3" name="Content Placeholder 2"/>
-          <p:cNvSpPr>
-            <a:spLocks noGrp="1"/>
-          </p:cNvSpPr>
-          <p:nvPr>
-            <p:ph idx="1"/>
-          </p:nvPr>
-        </p:nvSpPr>
-        <p:spPr>
-          <a:xfrm>
-            <a:off x="1435100" y="3609875"/>
-            <a:ext cx="7499350" cy="2638525"/>
-          </a:xfrm>
-        </p:spPr>
-        <p:txBody>
-          <a:bodyPr/>
-          <a:lstStyle/>
-          <a:p>
-            <a:r>
-              <a:rPr lang="en-US" sz="2400" dirty="0"/>
-              <a:t>Nodes P3 and P4 enter P and W state, then fail </a:t>
-            </a:r>
-            <a:endParaRPr lang="en-US" sz="2400" dirty="0" smtClean="0"/>
-          </a:p>
-          <a:p>
-            <a:r>
-              <a:rPr lang="en-US" sz="2400" dirty="0" smtClean="0"/>
-              <a:t>When </a:t>
-            </a:r>
-            <a:r>
-              <a:rPr lang="en-US" sz="2400" dirty="0"/>
-              <a:t>they recover, coordinator, P1 and P2 are down </a:t>
-            </a:r>
-          </a:p>
-          <a:p>
-            <a:r>
-              <a:rPr lang="en-US" sz="2400" dirty="0" smtClean="0"/>
-              <a:t>Each </a:t>
-            </a:r>
-            <a:r>
-              <a:rPr lang="en-US" sz="2400" dirty="0"/>
-              <a:t>node has one vote, V = 5, M ≥ 3</a:t>
-            </a:r>
-            <a:endParaRPr lang="en-US" sz="2400" dirty="0" smtClean="0"/>
-          </a:p>
-        </p:txBody>
-      </p:sp>
-      <p:sp>
-        <p:nvSpPr>
-          <p:cNvPr id="4" name="Footer Placeholder 3"/>
-          <p:cNvSpPr>
-            <a:spLocks noGrp="1"/>
-          </p:cNvSpPr>
-          <p:nvPr>
-            <p:ph type="ftr" sz="quarter" idx="11"/>
-          </p:nvPr>
-        </p:nvSpPr>
-        <p:spPr/>
-        <p:txBody>
-          <a:bodyPr/>
-          <a:lstStyle/>
-          <a:p>
-            <a:pPr>
-              <a:defRPr/>
-            </a:pPr>
-            <a:r>
-              <a:rPr lang="en-US" altLang="zh-CN" smtClean="0"/>
-              <a:t>Distributed Database Systems</a:t>
-            </a:r>
-            <a:endParaRPr lang="zh-CN" altLang="en-US"/>
-          </a:p>
-        </p:txBody>
-      </p:sp>
-      <p:sp>
-        <p:nvSpPr>
-          <p:cNvPr id="5" name="Slide Number Placeholder 4"/>
-          <p:cNvSpPr>
-            <a:spLocks noGrp="1"/>
-          </p:cNvSpPr>
-          <p:nvPr>
-            <p:ph type="sldNum" sz="quarter" idx="12"/>
-          </p:nvPr>
-        </p:nvSpPr>
-        <p:spPr/>
-        <p:txBody>
-          <a:bodyPr/>
-          <a:lstStyle/>
-          <a:p>
-            <a:pPr>
-              <a:defRPr/>
-            </a:pPr>
-            <a:fld id="{07A5CAEE-885A-5D41-93DF-9DC29A9FE4F0}" type="slidenum">
-              <a:rPr lang="zh-CN" altLang="en-US" smtClean="0"/>
-              <a:pPr>
-                <a:defRPr/>
-              </a:pPr>
-              <a:t>24</a:t>
-            </a:fld>
-            <a:endParaRPr lang="zh-CN" altLang="en-US"/>
-          </a:p>
-        </p:txBody>
-      </p:sp>
-      <p:sp>
-        <p:nvSpPr>
-          <p:cNvPr id="7" name="Rectangle 6"/>
-          <p:cNvSpPr/>
-          <p:nvPr/>
-        </p:nvSpPr>
-        <p:spPr>
-          <a:xfrm>
-            <a:off x="1435100" y="2282924"/>
-            <a:ext cx="1707519" cy="461665"/>
-          </a:xfrm>
-          <a:prstGeom prst="rect">
-            <a:avLst/>
-          </a:prstGeom>
-        </p:spPr>
-        <p:txBody>
-          <a:bodyPr wrap="none">
-            <a:spAutoFit/>
-          </a:bodyPr>
-          <a:lstStyle/>
-          <a:p>
-            <a:r>
-              <a:rPr lang="en-US" altLang="zh-CN" sz="2400" b="1" dirty="0" smtClean="0"/>
-              <a:t>Example</a:t>
-            </a:r>
-            <a:r>
-              <a:rPr lang="zh-CN" altLang="en-US" sz="2400" b="1" dirty="0" smtClean="0"/>
-              <a:t> </a:t>
-            </a:r>
-            <a:r>
-              <a:rPr lang="en-US" altLang="zh-CN" sz="2400" b="1" dirty="0" smtClean="0"/>
-              <a:t>2</a:t>
-            </a:r>
-            <a:endParaRPr lang="en-US" sz="2400" b="1" dirty="0"/>
-          </a:p>
-        </p:txBody>
-      </p:sp>
-      <p:pic>
-        <p:nvPicPr>
-          <p:cNvPr id="8" name="Picture 7"/>
-          <p:cNvPicPr>
-            <a:picLocks noChangeAspect="1"/>
-          </p:cNvPicPr>
-          <p:nvPr/>
-        </p:nvPicPr>
-        <p:blipFill>
-          <a:blip r:embed="rId2">
-            <a:extLst>
-              <a:ext uri="{28A0092B-C50C-407E-A947-70E740481C1C}">
-                <a14:useLocalDpi xmlns:a14="http://schemas.microsoft.com/office/drawing/2010/main" val="0"/>
-              </a:ext>
-            </a:extLst>
-          </a:blip>
-          <a:stretch>
-            <a:fillRect/>
-          </a:stretch>
-        </p:blipFill>
-        <p:spPr>
-          <a:xfrm>
-            <a:off x="3164599" y="1411224"/>
-            <a:ext cx="5486400" cy="2070100"/>
-          </a:xfrm>
-          <a:prstGeom prst="rect">
-            <a:avLst/>
-          </a:prstGeom>
-        </p:spPr>
-      </p:pic>
-    </p:spTree>
-    <p:extLst>
-      <p:ext uri="{BB962C8B-B14F-4D97-AF65-F5344CB8AC3E}">
-        <p14:creationId xmlns:p14="http://schemas.microsoft.com/office/powerpoint/2010/main" val="251704576"/>
-      </p:ext>
-    </p:extLst>
-  </p:cSld>
-  <p:clrMapOvr>
-    <a:masterClrMapping/>
-  </p:clrMapOvr>
-  <p:timing>
-    <p:tnLst>
-      <p:par>
-        <p:cTn id="1" dur="indefinite" restart="never" nodeType="tmRoot"/>
-      </p:par>
-    </p:tnLst>
-  </p:timing>
-</p:sld>
-</file>
-
-<file path=ppt/slides/slide25.xml><?xml version="1.0" encoding="utf-8"?>
-<p:sld xmlns:a="http://schemas.openxmlformats.org/drawingml/2006/main" xmlns:r="http://schemas.openxmlformats.org/officeDocument/2006/relationships" xmlns:p="http://schemas.openxmlformats.org/presentationml/2006/main">
-  <p:cSld>
-    <p:spTree>
-      <p:nvGrpSpPr>
-        <p:cNvPr id="1" name=""/>
-        <p:cNvGrpSpPr/>
-        <p:nvPr/>
-      </p:nvGrpSpPr>
-      <p:grpSpPr>
-        <a:xfrm>
-          <a:off x="0" y="0"/>
-          <a:ext cx="0" cy="0"/>
-          <a:chOff x="0" y="0"/>
-          <a:chExt cx="0" cy="0"/>
-        </a:xfrm>
-      </p:grpSpPr>
-      <p:sp>
-        <p:nvSpPr>
-          <p:cNvPr id="2" name="Title 1"/>
-          <p:cNvSpPr>
-            <a:spLocks noGrp="1"/>
-          </p:cNvSpPr>
-          <p:nvPr>
-            <p:ph type="title"/>
-          </p:nvPr>
-        </p:nvSpPr>
-        <p:spPr/>
-        <p:txBody>
-          <a:bodyPr/>
-          <a:lstStyle/>
-          <a:p>
-            <a:r>
-              <a:rPr lang="en-US" dirty="0"/>
-              <a:t>3PC with Majority Votes</a:t>
-            </a:r>
-          </a:p>
-        </p:txBody>
-      </p:sp>
-      <p:sp>
-        <p:nvSpPr>
-          <p:cNvPr id="3" name="Content Placeholder 2"/>
-          <p:cNvSpPr>
-            <a:spLocks noGrp="1"/>
-          </p:cNvSpPr>
-          <p:nvPr>
-            <p:ph idx="1"/>
-          </p:nvPr>
-        </p:nvSpPr>
-        <p:spPr>
-          <a:xfrm>
-            <a:off x="1435100" y="3609875"/>
-            <a:ext cx="7499350" cy="2638525"/>
-          </a:xfrm>
-        </p:spPr>
-        <p:txBody>
-          <a:bodyPr/>
-          <a:lstStyle/>
-          <a:p>
-            <a:r>
-              <a:rPr lang="en-US" sz="2400" dirty="0"/>
-              <a:t>Nodes P3 and P4 enter P and W state, then fail </a:t>
-            </a:r>
-            <a:endParaRPr lang="en-US" sz="2400" dirty="0" smtClean="0"/>
-          </a:p>
-          <a:p>
-            <a:r>
-              <a:rPr lang="en-US" sz="2400" dirty="0" smtClean="0"/>
-              <a:t>When </a:t>
-            </a:r>
-            <a:r>
-              <a:rPr lang="en-US" sz="2400" dirty="0"/>
-              <a:t>they recover, coordinator, P1 and P2 are down </a:t>
-            </a:r>
-          </a:p>
-          <a:p>
-            <a:r>
-              <a:rPr lang="en-US" sz="2400" dirty="0" smtClean="0"/>
-              <a:t>Each </a:t>
-            </a:r>
-            <a:r>
-              <a:rPr lang="en-US" sz="2400" dirty="0"/>
-              <a:t>node has one vote, V = 5, M ≥ </a:t>
-            </a:r>
-            <a:r>
-              <a:rPr lang="en-US" sz="2400" dirty="0" smtClean="0"/>
-              <a:t>3</a:t>
-            </a:r>
-          </a:p>
-          <a:p>
-            <a:endParaRPr lang="en-US" sz="2400" dirty="0"/>
-          </a:p>
-          <a:p>
-            <a:r>
-              <a:rPr lang="en-US" sz="2400" dirty="0">
-                <a:solidFill>
-                  <a:srgbClr val="FF0000"/>
-                </a:solidFill>
-              </a:rPr>
-              <a:t>Nodes P3 and P4 have insufficient votes ⟹ they do </a:t>
-            </a:r>
-            <a:r>
-              <a:rPr lang="en-US" sz="2400" dirty="0" smtClean="0">
-                <a:solidFill>
-                  <a:srgbClr val="FF0000"/>
-                </a:solidFill>
-              </a:rPr>
-              <a:t>nothing</a:t>
-            </a:r>
-          </a:p>
-          <a:p>
-            <a:endParaRPr lang="en-US" sz="2400" dirty="0"/>
-          </a:p>
-          <a:p>
-            <a:endParaRPr lang="en-US" sz="2400" dirty="0" smtClean="0"/>
-          </a:p>
-        </p:txBody>
-      </p:sp>
-      <p:sp>
-        <p:nvSpPr>
-          <p:cNvPr id="4" name="Footer Placeholder 3"/>
-          <p:cNvSpPr>
-            <a:spLocks noGrp="1"/>
-          </p:cNvSpPr>
-          <p:nvPr>
-            <p:ph type="ftr" sz="quarter" idx="11"/>
-          </p:nvPr>
-        </p:nvSpPr>
-        <p:spPr/>
-        <p:txBody>
-          <a:bodyPr/>
-          <a:lstStyle/>
-          <a:p>
-            <a:pPr>
-              <a:defRPr/>
-            </a:pPr>
-            <a:r>
-              <a:rPr lang="en-US" altLang="zh-CN" smtClean="0"/>
-              <a:t>Distributed Database Systems</a:t>
-            </a:r>
-            <a:endParaRPr lang="zh-CN" altLang="en-US"/>
-          </a:p>
-        </p:txBody>
-      </p:sp>
-      <p:sp>
-        <p:nvSpPr>
-          <p:cNvPr id="5" name="Slide Number Placeholder 4"/>
-          <p:cNvSpPr>
-            <a:spLocks noGrp="1"/>
-          </p:cNvSpPr>
-          <p:nvPr>
-            <p:ph type="sldNum" sz="quarter" idx="12"/>
-          </p:nvPr>
-        </p:nvSpPr>
-        <p:spPr/>
-        <p:txBody>
-          <a:bodyPr/>
-          <a:lstStyle/>
-          <a:p>
-            <a:pPr>
-              <a:defRPr/>
-            </a:pPr>
-            <a:fld id="{07A5CAEE-885A-5D41-93DF-9DC29A9FE4F0}" type="slidenum">
-              <a:rPr lang="zh-CN" altLang="en-US" smtClean="0"/>
-              <a:pPr>
-                <a:defRPr/>
-              </a:pPr>
-              <a:t>25</a:t>
             </a:fld>
             <a:endParaRPr lang="zh-CN" altLang="en-US"/>
           </a:p>
@@ -11025,7 +9135,7 @@
 </p:sld>
 </file>
 
-<file path=ppt/slides/slide26.xml><?xml version="1.0" encoding="utf-8"?>
+<file path=ppt/slides/slide21.xml><?xml version="1.0" encoding="utf-8"?>
 <p:sld xmlns:a="http://schemas.openxmlformats.org/drawingml/2006/main" xmlns:r="http://schemas.openxmlformats.org/officeDocument/2006/relationships" xmlns:p="http://schemas.openxmlformats.org/presentationml/2006/main">
   <p:cSld>
     <p:spTree>
@@ -11141,7 +9251,7 @@
               <a:pPr>
                 <a:defRPr/>
               </a:pPr>
-              <a:t>26</a:t>
+              <a:t>21</a:t>
             </a:fld>
             <a:endParaRPr lang="zh-CN" altLang="en-US"/>
           </a:p>
@@ -11167,7 +9277,7 @@
 </p:sld>
 </file>
 
-<file path=ppt/slides/slide27.xml><?xml version="1.0" encoding="utf-8"?>
+<file path=ppt/slides/slide22.xml><?xml version="1.0" encoding="utf-8"?>
 <p:sld xmlns:a="http://schemas.openxmlformats.org/drawingml/2006/main" xmlns:r="http://schemas.openxmlformats.org/officeDocument/2006/relationships" xmlns:p="http://schemas.openxmlformats.org/presentationml/2006/main">
   <p:cSld>
     <p:spTree>
@@ -11302,7 +9412,7 @@
               <a:pPr>
                 <a:defRPr/>
               </a:pPr>
-              <a:t>27</a:t>
+              <a:t>22</a:t>
             </a:fld>
             <a:endParaRPr lang="zh-CN" altLang="en-US"/>
           </a:p>
@@ -11358,7 +9468,7 @@
 </p:sld>
 </file>
 
-<file path=ppt/slides/slide28.xml><?xml version="1.0" encoding="utf-8"?>
+<file path=ppt/slides/slide23.xml><?xml version="1.0" encoding="utf-8"?>
 <p:sld xmlns:a="http://schemas.openxmlformats.org/drawingml/2006/main" xmlns:r="http://schemas.openxmlformats.org/officeDocument/2006/relationships" xmlns:p="http://schemas.openxmlformats.org/presentationml/2006/main">
   <p:cSld>
     <p:spTree>
@@ -11514,7 +9624,7 @@
               <a:pPr>
                 <a:defRPr/>
               </a:pPr>
-              <a:t>28</a:t>
+              <a:t>23</a:t>
             </a:fld>
             <a:endParaRPr lang="zh-CN" altLang="en-US"/>
           </a:p>
@@ -11618,7 +9728,7 @@
 </p:sld>
 </file>
 
-<file path=ppt/slides/slide29.xml><?xml version="1.0" encoding="utf-8"?>
+<file path=ppt/slides/slide24.xml><?xml version="1.0" encoding="utf-8"?>
 <p:sld xmlns:a="http://schemas.openxmlformats.org/drawingml/2006/main" xmlns:r="http://schemas.openxmlformats.org/officeDocument/2006/relationships" xmlns:p="http://schemas.openxmlformats.org/presentationml/2006/main">
   <p:cSld>
     <p:spTree>
@@ -11830,7 +9940,7 @@
               <a:pPr>
                 <a:defRPr/>
               </a:pPr>
-              <a:t>29</a:t>
+              <a:t>24</a:t>
             </a:fld>
             <a:endParaRPr lang="zh-CN" altLang="en-US"/>
           </a:p>
@@ -11934,7 +10044,7 @@
 </p:sld>
 </file>
 
-<file path=ppt/slides/slide3.xml><?xml version="1.0" encoding="utf-8"?>
+<file path=ppt/slides/slide25.xml><?xml version="1.0" encoding="utf-8"?>
 <p:sld xmlns:a="http://schemas.openxmlformats.org/drawingml/2006/main" xmlns:r="http://schemas.openxmlformats.org/officeDocument/2006/relationships" xmlns:p="http://schemas.openxmlformats.org/presentationml/2006/main">
   <p:cSld>
     <p:spTree>
@@ -11968,7 +10078,7 @@
           <a:p>
             <a:r>
               <a:rPr lang="en-US" dirty="0"/>
-              <a:t>Three-Phase Commit</a:t>
+              <a:t>3PC with Majority Votes</a:t>
             </a:r>
           </a:p>
         </p:txBody>
@@ -11989,74 +10099,61 @@
           <a:lstStyle/>
           <a:p>
             <a:r>
+              <a:rPr lang="en-US" altLang="zh-CN" dirty="0" smtClean="0"/>
+              <a:t>Scenario</a:t>
+            </a:r>
+            <a:r>
+              <a:rPr lang="zh-CN" altLang="en-US" dirty="0" smtClean="0"/>
+              <a:t> </a:t>
+            </a:r>
+            <a:r>
+              <a:rPr lang="en-US" altLang="zh-CN" dirty="0" smtClean="0"/>
+              <a:t>3</a:t>
+            </a:r>
+          </a:p>
+          <a:p>
+            <a:endParaRPr lang="en-US" altLang="zh-CN" dirty="0"/>
+          </a:p>
+          <a:p>
+            <a:endParaRPr lang="en-US" altLang="zh-CN" dirty="0" smtClean="0"/>
+          </a:p>
+          <a:p>
+            <a:endParaRPr lang="en-US" altLang="zh-CN" dirty="0"/>
+          </a:p>
+          <a:p>
+            <a:endParaRPr lang="en-US" altLang="zh-CN" dirty="0" smtClean="0"/>
+          </a:p>
+          <a:p>
+            <a:endParaRPr lang="en-US" altLang="zh-CN" dirty="0"/>
+          </a:p>
+          <a:p>
+            <a:pPr lvl="1"/>
+            <a:r>
+              <a:rPr lang="en-US" altLang="zh-CN" dirty="0" smtClean="0"/>
+              <a:t>What is the outcome?</a:t>
+            </a:r>
+            <a:endParaRPr lang="en-US" dirty="0" smtClean="0"/>
+          </a:p>
+          <a:p>
+            <a:pPr lvl="2"/>
+            <a:r>
               <a:rPr lang="en-US" dirty="0"/>
-              <a:t>Non-blocking commit </a:t>
+              <a:t>Remaining nodes initiated </a:t>
             </a:r>
             <a:r>
               <a:rPr lang="en-US" dirty="0" smtClean="0"/>
-              <a:t>protocol</a:t>
-            </a:r>
-          </a:p>
-          <a:p>
+              <a:t>abort</a:t>
+            </a:r>
+          </a:p>
+          <a:p>
+            <a:pPr lvl="2"/>
             <a:r>
               <a:rPr lang="en-US" dirty="0" smtClean="0"/>
-              <a:t>Assumes </a:t>
+              <a:t>some </a:t>
             </a:r>
             <a:r>
               <a:rPr lang="en-US" dirty="0"/>
-              <a:t>that a failed node </a:t>
-            </a:r>
-            <a:r>
-              <a:rPr lang="en-US" dirty="0">
-                <a:solidFill>
-                  <a:srgbClr val="FF0000"/>
-                </a:solidFill>
-              </a:rPr>
-              <a:t>stays down </a:t>
-            </a:r>
-            <a:r>
-              <a:rPr lang="en-US" dirty="0" smtClean="0">
-                <a:solidFill>
-                  <a:srgbClr val="FF0000"/>
-                </a:solidFill>
-              </a:rPr>
-              <a:t>forever</a:t>
-            </a:r>
-          </a:p>
-          <a:p>
-            <a:endParaRPr lang="en-US" dirty="0">
-              <a:solidFill>
-                <a:srgbClr val="FF0000"/>
-              </a:solidFill>
-            </a:endParaRPr>
-          </a:p>
-          <a:p>
-            <a:r>
-              <a:rPr lang="en-US" dirty="0"/>
-              <a:t>Key </a:t>
-            </a:r>
-            <a:r>
-              <a:rPr lang="en-US" dirty="0" smtClean="0"/>
-              <a:t>idea</a:t>
-            </a:r>
-          </a:p>
-          <a:p>
-            <a:pPr lvl="1"/>
-            <a:r>
-              <a:rPr lang="en-US" dirty="0" smtClean="0"/>
-              <a:t>Before </a:t>
-            </a:r>
-            <a:r>
-              <a:rPr lang="en-US" dirty="0"/>
-              <a:t>committing the coordinator tells participants that </a:t>
-            </a:r>
-            <a:r>
-              <a:rPr lang="en-US" dirty="0">
-                <a:solidFill>
-                  <a:srgbClr val="FF0000"/>
-                </a:solidFill>
-              </a:rPr>
-              <a:t>everyone is OK</a:t>
+              <a:t>entered PA state</a:t>
             </a:r>
           </a:p>
         </p:txBody>
@@ -12110,196 +10207,7 @@
               <a:pPr>
                 <a:defRPr/>
               </a:pPr>
-              <a:t>3</a:t>
-            </a:fld>
-            <a:endParaRPr lang="zh-CN" altLang="en-US"/>
-          </a:p>
-        </p:txBody>
-      </p:sp>
-    </p:spTree>
-    <p:extLst>
-      <p:ext uri="{BB962C8B-B14F-4D97-AF65-F5344CB8AC3E}">
-        <p14:creationId xmlns:p14="http://schemas.microsoft.com/office/powerpoint/2010/main" val="1313433313"/>
-      </p:ext>
-    </p:extLst>
-  </p:cSld>
-  <p:clrMapOvr>
-    <a:masterClrMapping/>
-  </p:clrMapOvr>
-  <p:timing>
-    <p:tnLst>
-      <p:par>
-        <p:cTn id="1" dur="indefinite" restart="never" nodeType="tmRoot"/>
-      </p:par>
-    </p:tnLst>
-  </p:timing>
-</p:sld>
-</file>
-
-<file path=ppt/slides/slide30.xml><?xml version="1.0" encoding="utf-8"?>
-<p:sld xmlns:a="http://schemas.openxmlformats.org/drawingml/2006/main" xmlns:r="http://schemas.openxmlformats.org/officeDocument/2006/relationships" xmlns:p="http://schemas.openxmlformats.org/presentationml/2006/main">
-  <p:cSld>
-    <p:spTree>
-      <p:nvGrpSpPr>
-        <p:cNvPr id="1" name=""/>
-        <p:cNvGrpSpPr/>
-        <p:nvPr/>
-      </p:nvGrpSpPr>
-      <p:grpSpPr>
-        <a:xfrm>
-          <a:off x="0" y="0"/>
-          <a:ext cx="0" cy="0"/>
-          <a:chOff x="0" y="0"/>
-          <a:chExt cx="0" cy="0"/>
-        </a:xfrm>
-      </p:grpSpPr>
-      <p:sp>
-        <p:nvSpPr>
-          <p:cNvPr id="2" name="Title 1"/>
-          <p:cNvSpPr>
-            <a:spLocks noGrp="1"/>
-          </p:cNvSpPr>
-          <p:nvPr>
-            <p:ph type="title"/>
-          </p:nvPr>
-        </p:nvSpPr>
-        <p:spPr/>
-        <p:txBody>
-          <a:bodyPr/>
-          <a:lstStyle/>
-          <a:p>
-            <a:r>
-              <a:rPr lang="en-US" dirty="0"/>
-              <a:t>3PC with Majority Votes</a:t>
-            </a:r>
-          </a:p>
-        </p:txBody>
-      </p:sp>
-      <p:sp>
-        <p:nvSpPr>
-          <p:cNvPr id="3" name="Content Placeholder 2"/>
-          <p:cNvSpPr>
-            <a:spLocks noGrp="1"/>
-          </p:cNvSpPr>
-          <p:nvPr>
-            <p:ph idx="1"/>
-          </p:nvPr>
-        </p:nvSpPr>
-        <p:spPr/>
-        <p:txBody>
-          <a:bodyPr/>
-          <a:lstStyle/>
-          <a:p>
-            <a:r>
-              <a:rPr lang="en-US" altLang="zh-CN" dirty="0" smtClean="0"/>
-              <a:t>Scenario</a:t>
-            </a:r>
-            <a:r>
-              <a:rPr lang="zh-CN" altLang="en-US" dirty="0" smtClean="0"/>
-              <a:t> </a:t>
-            </a:r>
-            <a:r>
-              <a:rPr lang="en-US" altLang="zh-CN" dirty="0" smtClean="0"/>
-              <a:t>3</a:t>
-            </a:r>
-          </a:p>
-          <a:p>
-            <a:endParaRPr lang="en-US" altLang="zh-CN" dirty="0"/>
-          </a:p>
-          <a:p>
-            <a:endParaRPr lang="en-US" altLang="zh-CN" dirty="0" smtClean="0"/>
-          </a:p>
-          <a:p>
-            <a:endParaRPr lang="en-US" altLang="zh-CN" dirty="0"/>
-          </a:p>
-          <a:p>
-            <a:endParaRPr lang="en-US" altLang="zh-CN" dirty="0" smtClean="0"/>
-          </a:p>
-          <a:p>
-            <a:endParaRPr lang="en-US" altLang="zh-CN" dirty="0"/>
-          </a:p>
-          <a:p>
-            <a:pPr lvl="1"/>
-            <a:r>
-              <a:rPr lang="en-US" altLang="zh-CN" dirty="0" smtClean="0"/>
-              <a:t>What is the outcome?</a:t>
-            </a:r>
-            <a:endParaRPr lang="en-US" dirty="0" smtClean="0"/>
-          </a:p>
-          <a:p>
-            <a:pPr lvl="2"/>
-            <a:r>
-              <a:rPr lang="en-US" dirty="0"/>
-              <a:t>Remaining nodes initiated </a:t>
-            </a:r>
-            <a:r>
-              <a:rPr lang="en-US" dirty="0" smtClean="0"/>
-              <a:t>abort</a:t>
-            </a:r>
-          </a:p>
-          <a:p>
-            <a:pPr lvl="2"/>
-            <a:r>
-              <a:rPr lang="en-US" dirty="0" smtClean="0"/>
-              <a:t>some </a:t>
-            </a:r>
-            <a:r>
-              <a:rPr lang="en-US" dirty="0"/>
-              <a:t>entered PA state</a:t>
-            </a:r>
-          </a:p>
-        </p:txBody>
-      </p:sp>
-      <p:sp>
-        <p:nvSpPr>
-          <p:cNvPr id="4" name="Footer Placeholder 3"/>
-          <p:cNvSpPr>
-            <a:spLocks noGrp="1"/>
-          </p:cNvSpPr>
-          <p:nvPr>
-            <p:ph type="ftr" sz="quarter" idx="11"/>
-          </p:nvPr>
-        </p:nvSpPr>
-        <p:spPr/>
-        <p:txBody>
-          <a:bodyPr/>
-          <a:lstStyle/>
-          <a:p>
-            <a:pPr>
-              <a:defRPr/>
-            </a:pPr>
-            <a:r>
-              <a:rPr lang="en-US" altLang="zh-CN" smtClean="0"/>
-              <a:t>Distributed Database Systems</a:t>
-            </a:r>
-            <a:endParaRPr lang="zh-CN" altLang="en-US"/>
-          </a:p>
-        </p:txBody>
-      </p:sp>
-      <p:sp>
-        <p:nvSpPr>
-          <p:cNvPr id="5" name="Slide Number Placeholder 4"/>
-          <p:cNvSpPr>
-            <a:spLocks noGrp="1"/>
-          </p:cNvSpPr>
-          <p:nvPr>
-            <p:ph type="sldNum" sz="quarter" idx="12"/>
-          </p:nvPr>
-        </p:nvSpPr>
-        <p:spPr/>
-        <p:txBody>
-          <a:bodyPr/>
-          <a:lstStyle/>
-          <a:p>
-            <a:pPr>
-              <a:defRPr/>
-            </a:pPr>
-            <a:fld id="{07A5CAEE-885A-5D41-93DF-9DC29A9FE4F0}" type="slidenum">
-              <a:rPr lang="zh-CN" altLang="en-US" smtClean="0"/>
-              <a:pPr>
-                <a:defRPr/>
-              </a:pPr>
-              <a:t>30</a:t>
+              <a:t>25</a:t>
             </a:fld>
             <a:endParaRPr lang="zh-CN" altLang="en-US"/>
           </a:p>
@@ -12403,7 +10311,7 @@
 </p:sld>
 </file>
 
-<file path=ppt/slides/slide31.xml><?xml version="1.0" encoding="utf-8"?>
+<file path=ppt/slides/slide26.xml><?xml version="1.0" encoding="utf-8"?>
 <p:sld xmlns:a="http://schemas.openxmlformats.org/drawingml/2006/main" xmlns:r="http://schemas.openxmlformats.org/officeDocument/2006/relationships" xmlns:p="http://schemas.openxmlformats.org/presentationml/2006/main">
   <p:cSld>
     <p:spTree>
@@ -12555,7 +10463,7 @@
               <a:pPr>
                 <a:defRPr/>
               </a:pPr>
-              <a:t>31</a:t>
+              <a:t>26</a:t>
             </a:fld>
             <a:endParaRPr lang="zh-CN" altLang="en-US"/>
           </a:p>
@@ -12657,7 +10565,7 @@
 </p:sld>
 </file>
 
-<file path=ppt/slides/slide32.xml><?xml version="1.0" encoding="utf-8"?>
+<file path=ppt/slides/slide27.xml><?xml version="1.0" encoding="utf-8"?>
 <p:sld xmlns:a="http://schemas.openxmlformats.org/drawingml/2006/main" xmlns:r="http://schemas.openxmlformats.org/officeDocument/2006/relationships" xmlns:p="http://schemas.openxmlformats.org/presentationml/2006/main">
   <p:cSld>
     <p:spTree>
@@ -12872,7 +10780,7 @@
               <a:pPr>
                 <a:defRPr/>
               </a:pPr>
-              <a:t>32</a:t>
+              <a:t>27</a:t>
             </a:fld>
             <a:endParaRPr lang="zh-CN" altLang="en-US"/>
           </a:p>
@@ -12974,7 +10882,7 @@
 </p:sld>
 </file>
 
-<file path=ppt/slides/slide33.xml><?xml version="1.0" encoding="utf-8"?>
+<file path=ppt/slides/slide28.xml><?xml version="1.0" encoding="utf-8"?>
 <p:sld xmlns:a="http://schemas.openxmlformats.org/drawingml/2006/main" xmlns:r="http://schemas.openxmlformats.org/officeDocument/2006/relationships" xmlns:p="http://schemas.openxmlformats.org/presentationml/2006/main">
   <p:cSld>
     <p:spTree>
@@ -13167,7 +11075,7 @@
               <a:pPr>
                 <a:defRPr/>
               </a:pPr>
-              <a:t>33</a:t>
+              <a:t>28</a:t>
             </a:fld>
             <a:endParaRPr lang="zh-CN" altLang="en-US"/>
           </a:p>
@@ -13193,7 +11101,7 @@
 </p:sld>
 </file>
 
-<file path=ppt/slides/slide34.xml><?xml version="1.0" encoding="utf-8"?>
+<file path=ppt/slides/slide29.xml><?xml version="1.0" encoding="utf-8"?>
 <p:sld xmlns:a="http://schemas.openxmlformats.org/drawingml/2006/main" xmlns:r="http://schemas.openxmlformats.org/officeDocument/2006/relationships" xmlns:p="http://schemas.openxmlformats.org/presentationml/2006/main">
   <p:cSld>
     <p:spTree>
@@ -13346,7 +11254,7 @@
               <a:pPr>
                 <a:defRPr/>
               </a:pPr>
-              <a:t>34</a:t>
+              <a:t>29</a:t>
             </a:fld>
             <a:endParaRPr lang="zh-CN" altLang="en-US"/>
           </a:p>
@@ -13372,7 +11280,7 @@
 </p:sld>
 </file>
 
-<file path=ppt/slides/slide35.xml><?xml version="1.0" encoding="utf-8"?>
+<file path=ppt/slides/slide3.xml><?xml version="1.0" encoding="utf-8"?>
 <p:sld xmlns:a="http://schemas.openxmlformats.org/drawingml/2006/main" xmlns:r="http://schemas.openxmlformats.org/officeDocument/2006/relationships" xmlns:p="http://schemas.openxmlformats.org/presentationml/2006/main">
   <p:cSld>
     <p:spTree>
@@ -13406,7 +11314,7 @@
           <a:p>
             <a:r>
               <a:rPr lang="en-US" dirty="0"/>
-              <a:t>3PC Comparison</a:t>
+              <a:t>Three-Phase Commit</a:t>
             </a:r>
           </a:p>
         </p:txBody>
@@ -13427,47 +11335,75 @@
           <a:lstStyle/>
           <a:p>
             <a:r>
-              <a:rPr lang="en-US" b="1" dirty="0"/>
-              <a:t>3PC with majority votes </a:t>
-            </a:r>
-            <a:endParaRPr lang="en-US" dirty="0"/>
+              <a:rPr lang="en-US" dirty="0"/>
+              <a:t>Non-blocking commit </a:t>
+            </a:r>
+            <a:r>
+              <a:rPr lang="en-US" dirty="0" smtClean="0"/>
+              <a:t>protocol</a:t>
+            </a:r>
+          </a:p>
+          <a:p>
+            <a:r>
+              <a:rPr lang="en-US" dirty="0" smtClean="0"/>
+              <a:t>Assumes </a:t>
+            </a:r>
+            <a:r>
+              <a:rPr lang="en-US" dirty="0"/>
+              <a:t>that a failed node </a:t>
+            </a:r>
+            <a:r>
+              <a:rPr lang="en-US" dirty="0">
+                <a:solidFill>
+                  <a:srgbClr val="FF0000"/>
+                </a:solidFill>
+              </a:rPr>
+              <a:t>stays down </a:t>
+            </a:r>
+            <a:r>
+              <a:rPr lang="en-US" dirty="0" smtClean="0">
+                <a:solidFill>
+                  <a:srgbClr val="FF0000"/>
+                </a:solidFill>
+              </a:rPr>
+              <a:t>forever</a:t>
+            </a:r>
+          </a:p>
+          <a:p>
+            <a:endParaRPr lang="en-US" dirty="0">
+              <a:solidFill>
+                <a:srgbClr val="FF0000"/>
+              </a:solidFill>
+            </a:endParaRPr>
+          </a:p>
+          <a:p>
+            <a:r>
+              <a:rPr lang="en-US" dirty="0"/>
+              <a:t>Key </a:t>
+            </a:r>
+            <a:r>
+              <a:rPr lang="en-US" dirty="0" smtClean="0"/>
+              <a:t>idea</a:t>
+            </a:r>
           </a:p>
           <a:p>
             <a:pPr lvl="1"/>
             <a:r>
+              <a:rPr lang="en-US" dirty="0" smtClean="0"/>
+              <a:t>Before </a:t>
+            </a:r>
+            <a:r>
               <a:rPr lang="en-US" dirty="0"/>
-              <a:t>A group of failed but recovering nodes can terminate transaction </a:t>
-            </a:r>
-            <a:endParaRPr lang="en-US" dirty="0" smtClean="0"/>
-          </a:p>
-          <a:p>
-            <a:pPr lvl="1"/>
-            <a:r>
-              <a:rPr lang="en-US" dirty="0" smtClean="0"/>
-              <a:t>Need </a:t>
-            </a:r>
-            <a:r>
-              <a:rPr lang="en-US" dirty="0"/>
-              <a:t>majority to commit</a:t>
-            </a:r>
-            <a:br>
-              <a:rPr lang="en-US" dirty="0"/>
-            </a:br>
-            <a:endParaRPr lang="en-US" dirty="0" smtClean="0"/>
-          </a:p>
-          <a:p>
-            <a:pPr lvl="1"/>
-            <a:r>
-              <a:rPr lang="en-US" b="1" dirty="0" smtClean="0"/>
-              <a:t>Blocking </a:t>
-            </a:r>
-            <a:r>
-              <a:rPr lang="en-US" dirty="0"/>
-              <a:t>protocol </a:t>
-            </a:r>
-          </a:p>
-          <a:p>
-            <a:endParaRPr lang="en-US" dirty="0"/>
+              <a:t>committing the coordinator tells participants that </a:t>
+            </a:r>
+            <a:r>
+              <a:rPr lang="en-US" dirty="0">
+                <a:solidFill>
+                  <a:srgbClr val="FF0000"/>
+                </a:solidFill>
+              </a:rPr>
+              <a:t>everyone is OK</a:t>
+            </a:r>
           </a:p>
         </p:txBody>
       </p:sp>
@@ -13520,7 +11456,7 @@
               <a:pPr>
                 <a:defRPr/>
               </a:pPr>
-              <a:t>35</a:t>
+              <a:t>3</a:t>
             </a:fld>
             <a:endParaRPr lang="zh-CN" altLang="en-US"/>
           </a:p>
@@ -13529,17 +11465,24 @@
     </p:spTree>
     <p:extLst>
       <p:ext uri="{BB962C8B-B14F-4D97-AF65-F5344CB8AC3E}">
-        <p14:creationId xmlns:p14="http://schemas.microsoft.com/office/powerpoint/2010/main" val="1735274803"/>
+        <p14:creationId xmlns:p14="http://schemas.microsoft.com/office/powerpoint/2010/main" val="1313433313"/>
       </p:ext>
     </p:extLst>
   </p:cSld>
   <p:clrMapOvr>
     <a:masterClrMapping/>
   </p:clrMapOvr>
+  <p:timing>
+    <p:tnLst>
+      <p:par>
+        <p:cTn id="1" dur="indefinite" restart="never" nodeType="tmRoot"/>
+      </p:par>
+    </p:tnLst>
+  </p:timing>
 </p:sld>
 </file>
 
-<file path=ppt/slides/slide36.xml><?xml version="1.0" encoding="utf-8"?>
+<file path=ppt/slides/slide30.xml><?xml version="1.0" encoding="utf-8"?>
 <p:sld xmlns:a="http://schemas.openxmlformats.org/drawingml/2006/main" xmlns:r="http://schemas.openxmlformats.org/officeDocument/2006/relationships" xmlns:p="http://schemas.openxmlformats.org/presentationml/2006/main">
   <p:cSld>
     <p:spTree>
@@ -13573,7 +11516,7 @@
           <a:p>
             <a:r>
               <a:rPr lang="en-US" dirty="0"/>
-              <a:t>3PC Logging</a:t>
+              <a:t>3PC Comparison</a:t>
             </a:r>
           </a:p>
         </p:txBody>
@@ -13594,58 +11537,47 @@
           <a:lstStyle/>
           <a:p>
             <a:r>
-              <a:rPr lang="en-US" sz="2800" dirty="0"/>
-              <a:t>When a node recovers, it uses its log as usual to determine the status of each transaction </a:t>
-            </a:r>
+              <a:rPr lang="en-US" b="1" dirty="0"/>
+              <a:t>3PC with majority votes </a:t>
+            </a:r>
+            <a:endParaRPr lang="en-US" dirty="0"/>
           </a:p>
           <a:p>
             <a:pPr lvl="1"/>
             <a:r>
-              <a:rPr lang="en-US" sz="2400" dirty="0"/>
-              <a:t>If commit logged ⟹ redo if </a:t>
-            </a:r>
-            <a:r>
-              <a:rPr lang="en-US" sz="2400" dirty="0" smtClean="0"/>
-              <a:t>necessary</a:t>
-            </a:r>
-            <a:endParaRPr lang="en-US" sz="2400" dirty="0"/>
+              <a:rPr lang="en-US" dirty="0"/>
+              <a:t>A group of failed but recovering nodes can terminate transaction </a:t>
+            </a:r>
+            <a:endParaRPr lang="en-US" dirty="0" smtClean="0"/>
           </a:p>
           <a:p>
             <a:pPr lvl="1"/>
             <a:r>
-              <a:rPr lang="en-US" sz="2400" dirty="0" smtClean="0"/>
-              <a:t>If </a:t>
-            </a:r>
-            <a:r>
-              <a:rPr lang="en-US" sz="2400" dirty="0"/>
-              <a:t>abort logged (or wait is missing) ⟹ rollback if necessary </a:t>
-            </a:r>
-            <a:endParaRPr lang="en-US" sz="2400" dirty="0" smtClean="0"/>
+              <a:rPr lang="en-US" dirty="0" smtClean="0"/>
+              <a:t>Need </a:t>
+            </a:r>
+            <a:r>
+              <a:rPr lang="en-US" dirty="0"/>
+              <a:t>majority to commit</a:t>
+            </a:r>
+            <a:br>
+              <a:rPr lang="en-US" dirty="0"/>
+            </a:br>
+            <a:endParaRPr lang="en-US" dirty="0" smtClean="0"/>
           </a:p>
           <a:p>
             <a:pPr lvl="1"/>
             <a:r>
-              <a:rPr lang="en-US" sz="2400" dirty="0"/>
-              <a:t>If wait logged (or pre state ) ⟹Reclaim locks held by T before </a:t>
-            </a:r>
-            <a:r>
-              <a:rPr lang="en-US" sz="2400" dirty="0" smtClean="0"/>
-              <a:t>crash</a:t>
-            </a:r>
-          </a:p>
-          <a:p>
-            <a:pPr lvl="1"/>
-            <a:r>
-              <a:rPr lang="en-US" sz="2400" dirty="0" smtClean="0"/>
-              <a:t>Try </a:t>
-            </a:r>
-            <a:r>
-              <a:rPr lang="en-US" sz="2400" dirty="0"/>
-              <a:t>to terminate T (with other nodes)</a:t>
-            </a:r>
-          </a:p>
-          <a:p>
-            <a:endParaRPr lang="en-US" sz="2800" dirty="0"/>
+              <a:rPr lang="en-US" b="1" dirty="0" smtClean="0"/>
+              <a:t>Blocking </a:t>
+            </a:r>
+            <a:r>
+              <a:rPr lang="en-US" dirty="0"/>
+              <a:t>protocol </a:t>
+            </a:r>
+          </a:p>
+          <a:p>
+            <a:endParaRPr lang="en-US" dirty="0"/>
           </a:p>
         </p:txBody>
       </p:sp>
@@ -13698,7 +11630,7 @@
               <a:pPr>
                 <a:defRPr/>
               </a:pPr>
-              <a:t>36</a:t>
+              <a:t>30</a:t>
             </a:fld>
             <a:endParaRPr lang="zh-CN" altLang="en-US"/>
           </a:p>
@@ -13707,7 +11639,7 @@
     </p:spTree>
     <p:extLst>
       <p:ext uri="{BB962C8B-B14F-4D97-AF65-F5344CB8AC3E}">
-        <p14:creationId xmlns:p14="http://schemas.microsoft.com/office/powerpoint/2010/main" val="539822837"/>
+        <p14:creationId xmlns:p14="http://schemas.microsoft.com/office/powerpoint/2010/main" val="1735274803"/>
       </p:ext>
     </p:extLst>
   </p:cSld>
@@ -13717,7 +11649,7 @@
 </p:sld>
 </file>
 
-<file path=ppt/slides/slide37.xml><?xml version="1.0" encoding="utf-8"?>
+<file path=ppt/slides/slide31.xml><?xml version="1.0" encoding="utf-8"?>
 <p:sld xmlns:a="http://schemas.openxmlformats.org/drawingml/2006/main" xmlns:r="http://schemas.openxmlformats.org/officeDocument/2006/relationships" xmlns:p="http://schemas.openxmlformats.org/presentationml/2006/main">
   <p:cSld>
     <p:spTree>
@@ -13750,14 +11682,9 @@
           <a:lstStyle/>
           <a:p>
             <a:r>
-              <a:rPr lang="en-US" altLang="zh-CN" dirty="0" err="1" smtClean="0"/>
-              <a:t>Reliablity</a:t>
-            </a:r>
-            <a:r>
-              <a:rPr lang="en-US" altLang="zh-CN" dirty="0" smtClean="0"/>
-              <a:t> Summary</a:t>
-            </a:r>
-            <a:endParaRPr lang="en-US" dirty="0"/>
+              <a:rPr lang="en-US" dirty="0"/>
+              <a:t>3PC Logging</a:t>
+            </a:r>
           </a:p>
         </p:txBody>
       </p:sp>
@@ -13777,93 +11704,58 @@
           <a:lstStyle/>
           <a:p>
             <a:r>
-              <a:rPr lang="en-US" dirty="0"/>
-              <a:t>Failure models </a:t>
+              <a:rPr lang="en-US" sz="2800" dirty="0"/>
+              <a:t>When a node recovers, it uses its log as usual to determine the status of each transaction </a:t>
             </a:r>
           </a:p>
           <a:p>
             <a:pPr lvl="1"/>
             <a:r>
-              <a:rPr lang="en-US" dirty="0" smtClean="0"/>
-              <a:t>Nodes </a:t>
-            </a:r>
-            <a:endParaRPr lang="en-US" dirty="0"/>
+              <a:rPr lang="en-US" sz="2400" dirty="0"/>
+              <a:t>If commit logged ⟹ redo if </a:t>
+            </a:r>
+            <a:r>
+              <a:rPr lang="en-US" sz="2400" dirty="0" smtClean="0"/>
+              <a:t>necessary</a:t>
+            </a:r>
+            <a:endParaRPr lang="en-US" sz="2400" dirty="0"/>
           </a:p>
           <a:p>
             <a:pPr lvl="1"/>
             <a:r>
-              <a:rPr lang="en-US" dirty="0"/>
-              <a:t>Networks </a:t>
-            </a:r>
-          </a:p>
-          <a:p>
-            <a:r>
-              <a:rPr lang="en-US" dirty="0"/>
-              <a:t>Reliable network, fail-stop nodes, no </a:t>
-            </a:r>
-            <a:r>
-              <a:rPr lang="en-US" dirty="0" smtClean="0"/>
-              <a:t>replication</a:t>
-            </a:r>
+              <a:rPr lang="en-US" sz="2400" dirty="0" smtClean="0"/>
+              <a:t>If </a:t>
+            </a:r>
+            <a:r>
+              <a:rPr lang="en-US" sz="2400" dirty="0"/>
+              <a:t>abort logged (or wait is missing) ⟹ rollback if necessary </a:t>
+            </a:r>
+            <a:endParaRPr lang="en-US" sz="2400" dirty="0" smtClean="0"/>
           </a:p>
           <a:p>
             <a:pPr lvl="1"/>
             <a:r>
-              <a:rPr lang="en-US" dirty="0" smtClean="0"/>
-              <a:t>Two-phase </a:t>
-            </a:r>
-            <a:r>
-              <a:rPr lang="en-US" dirty="0"/>
-              <a:t>commit (</a:t>
-            </a:r>
-            <a:r>
-              <a:rPr lang="en-US" dirty="0" smtClean="0"/>
-              <a:t>blocking)</a:t>
-            </a:r>
-            <a:endParaRPr lang="en-US" dirty="0"/>
+              <a:rPr lang="en-US" sz="2400" dirty="0"/>
+              <a:t>If wait logged (or pre state ) ⟹Reclaim locks held by T before </a:t>
+            </a:r>
+            <a:r>
+              <a:rPr lang="en-US" sz="2400" dirty="0" smtClean="0"/>
+              <a:t>crash</a:t>
+            </a:r>
           </a:p>
           <a:p>
             <a:pPr lvl="1"/>
             <a:r>
-              <a:rPr lang="en-US" dirty="0" smtClean="0"/>
-              <a:t>Three-phase </a:t>
-            </a:r>
-            <a:r>
-              <a:rPr lang="en-US" dirty="0"/>
-              <a:t>commit </a:t>
-            </a:r>
-            <a:endParaRPr lang="en-US" dirty="0" smtClean="0"/>
-          </a:p>
-          <a:p>
-            <a:pPr lvl="2"/>
-            <a:r>
-              <a:rPr lang="en-US" dirty="0" smtClean="0"/>
-              <a:t>Basic </a:t>
-            </a:r>
-            <a:r>
-              <a:rPr lang="en-US" dirty="0"/>
-              <a:t>(non-blocking) </a:t>
-            </a:r>
-            <a:endParaRPr lang="en-US" dirty="0" smtClean="0"/>
-          </a:p>
-          <a:p>
-            <a:pPr lvl="2"/>
-            <a:r>
-              <a:rPr lang="en-US" dirty="0" smtClean="0"/>
-              <a:t>With </a:t>
-            </a:r>
-            <a:r>
-              <a:rPr lang="en-US" dirty="0"/>
-              <a:t>majority votes </a:t>
-            </a:r>
-            <a:r>
-              <a:rPr lang="en-US" altLang="zh-CN" dirty="0" smtClean="0"/>
-              <a:t>(blocking)</a:t>
-            </a:r>
-            <a:endParaRPr lang="en-US" dirty="0"/>
-          </a:p>
-          <a:p>
-            <a:endParaRPr lang="en-US" dirty="0"/>
+              <a:rPr lang="en-US" sz="2400" dirty="0" smtClean="0"/>
+              <a:t>Try </a:t>
+            </a:r>
+            <a:r>
+              <a:rPr lang="en-US" sz="2400" dirty="0"/>
+              <a:t>to terminate T (with other nodes)</a:t>
+            </a:r>
+          </a:p>
+          <a:p>
+            <a:endParaRPr lang="en-US" sz="2800" dirty="0"/>
           </a:p>
         </p:txBody>
       </p:sp>
@@ -13916,7 +11808,225 @@
               <a:pPr>
                 <a:defRPr/>
               </a:pPr>
-              <a:t>37</a:t>
+              <a:t>31</a:t>
+            </a:fld>
+            <a:endParaRPr lang="zh-CN" altLang="en-US"/>
+          </a:p>
+        </p:txBody>
+      </p:sp>
+    </p:spTree>
+    <p:extLst>
+      <p:ext uri="{BB962C8B-B14F-4D97-AF65-F5344CB8AC3E}">
+        <p14:creationId xmlns:p14="http://schemas.microsoft.com/office/powerpoint/2010/main" val="539822837"/>
+      </p:ext>
+    </p:extLst>
+  </p:cSld>
+  <p:clrMapOvr>
+    <a:masterClrMapping/>
+  </p:clrMapOvr>
+</p:sld>
+</file>
+
+<file path=ppt/slides/slide32.xml><?xml version="1.0" encoding="utf-8"?>
+<p:sld xmlns:a="http://schemas.openxmlformats.org/drawingml/2006/main" xmlns:r="http://schemas.openxmlformats.org/officeDocument/2006/relationships" xmlns:p="http://schemas.openxmlformats.org/presentationml/2006/main">
+  <p:cSld>
+    <p:spTree>
+      <p:nvGrpSpPr>
+        <p:cNvPr id="1" name=""/>
+        <p:cNvGrpSpPr/>
+        <p:nvPr/>
+      </p:nvGrpSpPr>
+      <p:grpSpPr>
+        <a:xfrm>
+          <a:off x="0" y="0"/>
+          <a:ext cx="0" cy="0"/>
+          <a:chOff x="0" y="0"/>
+          <a:chExt cx="0" cy="0"/>
+        </a:xfrm>
+      </p:grpSpPr>
+      <p:sp>
+        <p:nvSpPr>
+          <p:cNvPr id="2" name="Title 1"/>
+          <p:cNvSpPr>
+            <a:spLocks noGrp="1"/>
+          </p:cNvSpPr>
+          <p:nvPr>
+            <p:ph type="title"/>
+          </p:nvPr>
+        </p:nvSpPr>
+        <p:spPr/>
+        <p:txBody>
+          <a:bodyPr/>
+          <a:lstStyle/>
+          <a:p>
+            <a:r>
+              <a:rPr lang="en-US" altLang="zh-CN" dirty="0" err="1" smtClean="0"/>
+              <a:t>Reliablity</a:t>
+            </a:r>
+            <a:r>
+              <a:rPr lang="en-US" altLang="zh-CN" dirty="0" smtClean="0"/>
+              <a:t> Summary</a:t>
+            </a:r>
+            <a:endParaRPr lang="en-US" dirty="0"/>
+          </a:p>
+        </p:txBody>
+      </p:sp>
+      <p:sp>
+        <p:nvSpPr>
+          <p:cNvPr id="3" name="Content Placeholder 2"/>
+          <p:cNvSpPr>
+            <a:spLocks noGrp="1"/>
+          </p:cNvSpPr>
+          <p:nvPr>
+            <p:ph idx="1"/>
+          </p:nvPr>
+        </p:nvSpPr>
+        <p:spPr/>
+        <p:txBody>
+          <a:bodyPr/>
+          <a:lstStyle/>
+          <a:p>
+            <a:r>
+              <a:rPr lang="en-US" dirty="0"/>
+              <a:t>Failure models </a:t>
+            </a:r>
+          </a:p>
+          <a:p>
+            <a:pPr lvl="1"/>
+            <a:r>
+              <a:rPr lang="en-US" dirty="0" smtClean="0"/>
+              <a:t>Nodes </a:t>
+            </a:r>
+            <a:endParaRPr lang="en-US" dirty="0"/>
+          </a:p>
+          <a:p>
+            <a:pPr lvl="1"/>
+            <a:r>
+              <a:rPr lang="en-US" dirty="0"/>
+              <a:t>Networks </a:t>
+            </a:r>
+          </a:p>
+          <a:p>
+            <a:r>
+              <a:rPr lang="en-US" dirty="0"/>
+              <a:t>Reliable network, fail-stop nodes, no </a:t>
+            </a:r>
+            <a:r>
+              <a:rPr lang="en-US" dirty="0" smtClean="0"/>
+              <a:t>replication</a:t>
+            </a:r>
+          </a:p>
+          <a:p>
+            <a:pPr lvl="1"/>
+            <a:r>
+              <a:rPr lang="en-US" dirty="0" smtClean="0"/>
+              <a:t>Two-phase </a:t>
+            </a:r>
+            <a:r>
+              <a:rPr lang="en-US" dirty="0"/>
+              <a:t>commit (</a:t>
+            </a:r>
+            <a:r>
+              <a:rPr lang="en-US" dirty="0" smtClean="0"/>
+              <a:t>blocking)</a:t>
+            </a:r>
+            <a:endParaRPr lang="en-US" dirty="0"/>
+          </a:p>
+          <a:p>
+            <a:pPr lvl="1"/>
+            <a:r>
+              <a:rPr lang="en-US" dirty="0" smtClean="0"/>
+              <a:t>Three-phase </a:t>
+            </a:r>
+            <a:r>
+              <a:rPr lang="en-US" dirty="0"/>
+              <a:t>commit </a:t>
+            </a:r>
+            <a:endParaRPr lang="en-US" dirty="0" smtClean="0"/>
+          </a:p>
+          <a:p>
+            <a:pPr lvl="2"/>
+            <a:r>
+              <a:rPr lang="en-US" dirty="0" smtClean="0"/>
+              <a:t>Basic </a:t>
+            </a:r>
+            <a:r>
+              <a:rPr lang="en-US" dirty="0"/>
+              <a:t>(non-blocking) </a:t>
+            </a:r>
+            <a:endParaRPr lang="en-US" dirty="0" smtClean="0"/>
+          </a:p>
+          <a:p>
+            <a:pPr lvl="2"/>
+            <a:r>
+              <a:rPr lang="en-US" dirty="0" smtClean="0"/>
+              <a:t>With </a:t>
+            </a:r>
+            <a:r>
+              <a:rPr lang="en-US" dirty="0"/>
+              <a:t>majority votes </a:t>
+            </a:r>
+            <a:r>
+              <a:rPr lang="en-US" altLang="zh-CN" dirty="0" smtClean="0"/>
+              <a:t>(blocking)</a:t>
+            </a:r>
+            <a:endParaRPr lang="en-US" dirty="0"/>
+          </a:p>
+          <a:p>
+            <a:endParaRPr lang="en-US" dirty="0"/>
+          </a:p>
+        </p:txBody>
+      </p:sp>
+      <p:sp>
+        <p:nvSpPr>
+          <p:cNvPr id="4" name="Footer Placeholder 3"/>
+          <p:cNvSpPr>
+            <a:spLocks noGrp="1"/>
+          </p:cNvSpPr>
+          <p:nvPr>
+            <p:ph type="ftr" sz="quarter" idx="11"/>
+          </p:nvPr>
+        </p:nvSpPr>
+        <p:spPr/>
+        <p:txBody>
+          <a:bodyPr/>
+          <a:lstStyle/>
+          <a:p>
+            <a:pPr>
+              <a:defRPr/>
+            </a:pPr>
+            <a:r>
+              <a:rPr lang="en-US" altLang="zh-CN" smtClean="0"/>
+              <a:t>Distributed Database Systems</a:t>
+            </a:r>
+            <a:endParaRPr lang="zh-CN" altLang="en-US"/>
+          </a:p>
+        </p:txBody>
+      </p:sp>
+      <p:sp>
+        <p:nvSpPr>
+          <p:cNvPr id="5" name="Slide Number Placeholder 4"/>
+          <p:cNvSpPr>
+            <a:spLocks noGrp="1"/>
+          </p:cNvSpPr>
+          <p:nvPr>
+            <p:ph type="sldNum" sz="quarter" idx="12"/>
+          </p:nvPr>
+        </p:nvSpPr>
+        <p:spPr/>
+        <p:txBody>
+          <a:bodyPr/>
+          <a:lstStyle/>
+          <a:p>
+            <a:pPr>
+              <a:defRPr/>
+            </a:pPr>
+            <a:fld id="{07A5CAEE-885A-5D41-93DF-9DC29A9FE4F0}" type="slidenum">
+              <a:rPr lang="zh-CN" altLang="en-US" smtClean="0"/>
+              <a:pPr>
+                <a:defRPr/>
+              </a:pPr>
+              <a:t>32</a:t>
             </a:fld>
             <a:endParaRPr lang="zh-CN" altLang="en-US"/>
           </a:p>
@@ -13935,7 +12045,7 @@
 </p:sld>
 </file>
 
-<file path=ppt/slides/slide38.xml><?xml version="1.0" encoding="utf-8"?>
+<file path=ppt/slides/slide33.xml><?xml version="1.0" encoding="utf-8"?>
 <p:sld xmlns:a="http://schemas.openxmlformats.org/drawingml/2006/main" xmlns:r="http://schemas.openxmlformats.org/officeDocument/2006/relationships" xmlns:p="http://schemas.openxmlformats.org/presentationml/2006/main">
   <p:cSld>
     <p:spTree>
@@ -14360,7 +12470,7 @@
                 <a:buFontTx/>
                 <a:buNone/>
               </a:pPr>
-              <a:t>38</a:t>
+              <a:t>33</a:t>
             </a:fld>
             <a:endParaRPr lang="zh-CN" altLang="en-US" sz="1200">
               <a:solidFill>
@@ -14390,7 +12500,7 @@
 </p:sld>
 </file>
 
-<file path=ppt/slides/slide39.xml><?xml version="1.0" encoding="utf-8"?>
+<file path=ppt/slides/slide34.xml><?xml version="1.0" encoding="utf-8"?>
 <p:sld xmlns:a="http://schemas.openxmlformats.org/drawingml/2006/main" xmlns:r="http://schemas.openxmlformats.org/officeDocument/2006/relationships" xmlns:p="http://schemas.openxmlformats.org/presentationml/2006/main">
   <p:cSld>
     <p:spTree>
@@ -14778,7 +12888,7 @@
                 <a:buFontTx/>
                 <a:buNone/>
               </a:pPr>
-              <a:t>39</a:t>
+              <a:t>34</a:t>
             </a:fld>
             <a:endParaRPr lang="zh-CN" altLang="en-US" sz="1200">
               <a:solidFill>
@@ -14808,258 +12918,7 @@
 </p:sld>
 </file>
 
-<file path=ppt/slides/slide4.xml><?xml version="1.0" encoding="utf-8"?>
-<p:sld xmlns:a="http://schemas.openxmlformats.org/drawingml/2006/main" xmlns:r="http://schemas.openxmlformats.org/officeDocument/2006/relationships" xmlns:p="http://schemas.openxmlformats.org/presentationml/2006/main">
-  <p:cSld>
-    <p:spTree>
-      <p:nvGrpSpPr>
-        <p:cNvPr id="1" name=""/>
-        <p:cNvGrpSpPr/>
-        <p:nvPr/>
-      </p:nvGrpSpPr>
-      <p:grpSpPr>
-        <a:xfrm>
-          <a:off x="0" y="0"/>
-          <a:ext cx="0" cy="0"/>
-          <a:chOff x="0" y="0"/>
-          <a:chExt cx="0" cy="0"/>
-        </a:xfrm>
-      </p:grpSpPr>
-      <p:sp>
-        <p:nvSpPr>
-          <p:cNvPr id="2" name="Title 1"/>
-          <p:cNvSpPr>
-            <a:spLocks noGrp="1"/>
-          </p:cNvSpPr>
-          <p:nvPr>
-            <p:ph type="title"/>
-          </p:nvPr>
-        </p:nvSpPr>
-        <p:spPr/>
-        <p:txBody>
-          <a:bodyPr/>
-          <a:lstStyle/>
-          <a:p>
-            <a:r>
-              <a:rPr lang="en-US" altLang="zh-CN" dirty="0" smtClean="0"/>
-              <a:t>Three-Phase</a:t>
-            </a:r>
-            <a:r>
-              <a:rPr lang="zh-CN" altLang="en-US" dirty="0" smtClean="0"/>
-              <a:t> </a:t>
-            </a:r>
-            <a:r>
-              <a:rPr lang="en-US" altLang="zh-CN" dirty="0" smtClean="0"/>
-              <a:t>Commit</a:t>
-            </a:r>
-            <a:endParaRPr lang="en-US" dirty="0"/>
-          </a:p>
-        </p:txBody>
-      </p:sp>
-      <p:pic>
-        <p:nvPicPr>
-          <p:cNvPr id="6" name="Content Placeholder 5"/>
-          <p:cNvPicPr>
-            <a:picLocks noGrp="1" noChangeAspect="1"/>
-          </p:cNvPicPr>
-          <p:nvPr>
-            <p:ph idx="1"/>
-          </p:nvPr>
-        </p:nvPicPr>
-        <p:blipFill>
-          <a:blip r:embed="rId2">
-            <a:extLst>
-              <a:ext uri="{28A0092B-C50C-407E-A947-70E740481C1C}">
-                <a14:useLocalDpi xmlns:a14="http://schemas.microsoft.com/office/drawing/2010/main" val="0"/>
-              </a:ext>
-            </a:extLst>
-          </a:blip>
-          <a:stretch>
-            <a:fillRect/>
-          </a:stretch>
-        </p:blipFill>
-        <p:spPr>
-          <a:xfrm>
-            <a:off x="1675707" y="1656714"/>
-            <a:ext cx="6712717" cy="4591685"/>
-          </a:xfrm>
-        </p:spPr>
-      </p:pic>
-      <p:sp>
-        <p:nvSpPr>
-          <p:cNvPr id="4" name="Footer Placeholder 3"/>
-          <p:cNvSpPr>
-            <a:spLocks noGrp="1"/>
-          </p:cNvSpPr>
-          <p:nvPr>
-            <p:ph type="ftr" sz="quarter" idx="11"/>
-          </p:nvPr>
-        </p:nvSpPr>
-        <p:spPr/>
-        <p:txBody>
-          <a:bodyPr/>
-          <a:lstStyle/>
-          <a:p>
-            <a:pPr>
-              <a:defRPr/>
-            </a:pPr>
-            <a:r>
-              <a:rPr lang="en-US" altLang="zh-CN" smtClean="0"/>
-              <a:t>Distributed Database Systems</a:t>
-            </a:r>
-            <a:endParaRPr lang="zh-CN" altLang="en-US"/>
-          </a:p>
-        </p:txBody>
-      </p:sp>
-      <p:sp>
-        <p:nvSpPr>
-          <p:cNvPr id="5" name="Slide Number Placeholder 4"/>
-          <p:cNvSpPr>
-            <a:spLocks noGrp="1"/>
-          </p:cNvSpPr>
-          <p:nvPr>
-            <p:ph type="sldNum" sz="quarter" idx="12"/>
-          </p:nvPr>
-        </p:nvSpPr>
-        <p:spPr/>
-        <p:txBody>
-          <a:bodyPr/>
-          <a:lstStyle/>
-          <a:p>
-            <a:pPr>
-              <a:defRPr/>
-            </a:pPr>
-            <a:fld id="{07A5CAEE-885A-5D41-93DF-9DC29A9FE4F0}" type="slidenum">
-              <a:rPr lang="zh-CN" altLang="en-US" smtClean="0"/>
-              <a:pPr>
-                <a:defRPr/>
-              </a:pPr>
-              <a:t>4</a:t>
-            </a:fld>
-            <a:endParaRPr lang="zh-CN" altLang="en-US"/>
-          </a:p>
-        </p:txBody>
-      </p:sp>
-      <p:sp>
-        <p:nvSpPr>
-          <p:cNvPr id="7" name="TextBox 6"/>
-          <p:cNvSpPr txBox="1"/>
-          <p:nvPr/>
-        </p:nvSpPr>
-        <p:spPr>
-          <a:xfrm>
-            <a:off x="6156148" y="1309116"/>
-            <a:ext cx="2898550" cy="400110"/>
-          </a:xfrm>
-          <a:prstGeom prst="rect">
-            <a:avLst/>
-          </a:prstGeom>
-          <a:noFill/>
-          <a:ln>
-            <a:solidFill>
-              <a:schemeClr val="tx1"/>
-            </a:solidFill>
-          </a:ln>
-        </p:spPr>
-        <p:txBody>
-          <a:bodyPr wrap="none" rtlCol="0">
-            <a:spAutoFit/>
-          </a:bodyPr>
-          <a:lstStyle/>
-          <a:p>
-            <a:r>
-              <a:rPr lang="zh-CN" altLang="en-US" sz="2000" dirty="0" smtClean="0">
-                <a:solidFill>
-                  <a:srgbClr val="FF0000"/>
-                </a:solidFill>
-              </a:rPr>
-              <a:t>** </a:t>
-            </a:r>
-            <a:r>
-              <a:rPr lang="en-US" altLang="zh-CN" sz="2000" dirty="0" smtClean="0">
-                <a:solidFill>
-                  <a:srgbClr val="FF0000"/>
-                </a:solidFill>
-              </a:rPr>
-              <a:t>=</a:t>
-            </a:r>
-            <a:r>
-              <a:rPr lang="zh-CN" altLang="en-US" sz="2000" dirty="0" smtClean="0">
-                <a:solidFill>
-                  <a:srgbClr val="FF0000"/>
-                </a:solidFill>
-              </a:rPr>
-              <a:t> </a:t>
-            </a:r>
-            <a:r>
-              <a:rPr lang="en-US" altLang="zh-CN" sz="2000" dirty="0" smtClean="0">
-                <a:solidFill>
-                  <a:srgbClr val="FF0000"/>
-                </a:solidFill>
-              </a:rPr>
-              <a:t>all</a:t>
-            </a:r>
-            <a:r>
-              <a:rPr lang="zh-CN" altLang="en-US" sz="2000" dirty="0" smtClean="0">
-                <a:solidFill>
-                  <a:srgbClr val="FF0000"/>
-                </a:solidFill>
-              </a:rPr>
-              <a:t> </a:t>
-            </a:r>
-            <a:r>
-              <a:rPr lang="en-US" altLang="zh-CN" sz="2000" dirty="0" smtClean="0">
-                <a:solidFill>
-                  <a:srgbClr val="FF0000"/>
-                </a:solidFill>
-              </a:rPr>
-              <a:t>non-failed</a:t>
-            </a:r>
-            <a:r>
-              <a:rPr lang="zh-CN" altLang="en-US" sz="2000" dirty="0" smtClean="0">
-                <a:solidFill>
-                  <a:srgbClr val="FF0000"/>
-                </a:solidFill>
-              </a:rPr>
-              <a:t> </a:t>
-            </a:r>
-            <a:r>
-              <a:rPr lang="en-US" altLang="zh-CN" sz="2000" dirty="0" smtClean="0">
-                <a:solidFill>
-                  <a:srgbClr val="FF0000"/>
-                </a:solidFill>
-              </a:rPr>
-              <a:t>nodes</a:t>
-            </a:r>
-            <a:endParaRPr lang="en-US" sz="2000" dirty="0">
-              <a:solidFill>
-                <a:srgbClr val="FF0000"/>
-              </a:solidFill>
-            </a:endParaRPr>
-          </a:p>
-        </p:txBody>
-      </p:sp>
-    </p:spTree>
-    <p:extLst>
-      <p:ext uri="{BB962C8B-B14F-4D97-AF65-F5344CB8AC3E}">
-        <p14:creationId xmlns:p14="http://schemas.microsoft.com/office/powerpoint/2010/main" val="1520439712"/>
-      </p:ext>
-    </p:extLst>
-  </p:cSld>
-  <p:clrMapOvr>
-    <a:masterClrMapping/>
-  </p:clrMapOvr>
-  <p:timing>
-    <p:tnLst>
-      <p:par>
-        <p:cTn id="1" dur="indefinite" restart="never" nodeType="tmRoot"/>
-      </p:par>
-    </p:tnLst>
-  </p:timing>
-</p:sld>
-</file>
-
-<file path=ppt/slides/slide40.xml><?xml version="1.0" encoding="utf-8"?>
+<file path=ppt/slides/slide35.xml><?xml version="1.0" encoding="utf-8"?>
 <p:sld xmlns:a="http://schemas.openxmlformats.org/drawingml/2006/main" xmlns:r="http://schemas.openxmlformats.org/officeDocument/2006/relationships" xmlns:p="http://schemas.openxmlformats.org/presentationml/2006/main">
   <p:cSld>
     <p:spTree>
@@ -15464,7 +13323,7 @@
                 <a:buFontTx/>
                 <a:buNone/>
               </a:pPr>
-              <a:t>40</a:t>
+              <a:t>35</a:t>
             </a:fld>
             <a:endParaRPr lang="zh-CN" altLang="en-US" sz="1200">
               <a:solidFill>
@@ -15494,7 +13353,7 @@
 </p:sld>
 </file>
 
-<file path=ppt/slides/slide41.xml><?xml version="1.0" encoding="utf-8"?>
+<file path=ppt/slides/slide36.xml><?xml version="1.0" encoding="utf-8"?>
 <p:sld xmlns:a="http://schemas.openxmlformats.org/drawingml/2006/main" xmlns:r="http://schemas.openxmlformats.org/officeDocument/2006/relationships" xmlns:p="http://schemas.openxmlformats.org/presentationml/2006/main">
   <p:cSld>
     <p:spTree>
@@ -15892,7 +13751,7 @@
                 <a:buFontTx/>
                 <a:buNone/>
               </a:pPr>
-              <a:t>41</a:t>
+              <a:t>36</a:t>
             </a:fld>
             <a:endParaRPr lang="zh-CN" altLang="en-US" sz="1200">
               <a:solidFill>
@@ -15922,7 +13781,7 @@
 </p:sld>
 </file>
 
-<file path=ppt/slides/slide42.xml><?xml version="1.0" encoding="utf-8"?>
+<file path=ppt/slides/slide37.xml><?xml version="1.0" encoding="utf-8"?>
 <p:sld xmlns:a="http://schemas.openxmlformats.org/drawingml/2006/main" xmlns:r="http://schemas.openxmlformats.org/officeDocument/2006/relationships" xmlns:p="http://schemas.openxmlformats.org/presentationml/2006/main">
   <p:cSld>
     <p:spTree>
@@ -16320,7 +14179,7 @@
                 <a:buFontTx/>
                 <a:buNone/>
               </a:pPr>
-              <a:t>42</a:t>
+              <a:t>37</a:t>
             </a:fld>
             <a:endParaRPr lang="zh-CN" altLang="en-US" sz="1200">
               <a:solidFill>
@@ -16350,7 +14209,7 @@
 </p:sld>
 </file>
 
-<file path=ppt/slides/slide43.xml><?xml version="1.0" encoding="utf-8"?>
+<file path=ppt/slides/slide38.xml><?xml version="1.0" encoding="utf-8"?>
 <p:sld xmlns:a="http://schemas.openxmlformats.org/drawingml/2006/main" xmlns:r="http://schemas.openxmlformats.org/officeDocument/2006/relationships" xmlns:p="http://schemas.openxmlformats.org/presentationml/2006/main">
   <p:cSld>
     <p:spTree>
@@ -16379,58 +14238,12 @@
         </p:nvSpPr>
         <p:spPr/>
         <p:txBody>
-          <a:bodyPr>
-            <a:normAutofit/>
-          </a:bodyPr>
+          <a:bodyPr/>
           <a:lstStyle/>
           <a:p>
             <a:r>
-              <a:rPr lang="en-US" sz="3600" dirty="0" smtClean="0"/>
-              <a:t>Discussion Topics</a:t>
-            </a:r>
-            <a:endParaRPr lang="en-US" sz="3600" dirty="0"/>
-          </a:p>
-        </p:txBody>
-      </p:sp>
-      <p:sp>
-        <p:nvSpPr>
-          <p:cNvPr id="3" name="Content Placeholder 2"/>
-          <p:cNvSpPr>
-            <a:spLocks noGrp="1"/>
-          </p:cNvSpPr>
-          <p:nvPr>
-            <p:ph idx="1"/>
-          </p:nvPr>
-        </p:nvSpPr>
-        <p:spPr/>
-        <p:txBody>
-          <a:bodyPr/>
-          <a:lstStyle/>
-          <a:p>
-            <a:r>
-              <a:rPr lang="en-US" dirty="0" smtClean="0"/>
-              <a:t>MapReduce (Instructor)</a:t>
-            </a:r>
-          </a:p>
-          <a:p>
-            <a:pPr lvl="1"/>
-            <a:r>
-              <a:rPr lang="en-US" dirty="0" smtClean="0">
-                <a:solidFill>
-                  <a:srgbClr val="FF0000"/>
-                </a:solidFill>
-              </a:rPr>
-              <a:t>December 6</a:t>
-            </a:r>
-          </a:p>
-          <a:p>
-            <a:r>
-              <a:rPr lang="en-US" dirty="0" smtClean="0"/>
-              <a:t>Concurren</a:t>
-            </a:r>
-            <a:r>
               <a:rPr lang="en-US" altLang="zh-CN" dirty="0" smtClean="0"/>
-              <a:t>ce</a:t>
+              <a:t>Course</a:t>
             </a:r>
             <a:r>
               <a:rPr lang="zh-CN" altLang="en-US" dirty="0" smtClean="0"/>
@@ -16438,30 +14251,30 @@
             </a:r>
             <a:r>
               <a:rPr lang="en-US" altLang="zh-CN" dirty="0" smtClean="0"/>
-              <a:t>Control</a:t>
-            </a:r>
-            <a:r>
-              <a:rPr lang="zh-CN" altLang="en-US" dirty="0"/>
-              <a:t> </a:t>
-            </a:r>
+              <a:t>Project</a:t>
+            </a:r>
+            <a:endParaRPr lang="en-US" dirty="0"/>
+          </a:p>
+        </p:txBody>
+      </p:sp>
+      <p:sp>
+        <p:nvSpPr>
+          <p:cNvPr id="3" name="Content Placeholder 2"/>
+          <p:cNvSpPr>
+            <a:spLocks noGrp="1"/>
+          </p:cNvSpPr>
+          <p:nvPr>
+            <p:ph idx="1"/>
+          </p:nvPr>
+        </p:nvSpPr>
+        <p:spPr/>
+        <p:txBody>
+          <a:bodyPr/>
+          <a:lstStyle/>
+          <a:p>
             <a:r>
               <a:rPr lang="en-US" altLang="zh-CN" dirty="0" smtClean="0"/>
-              <a:t>(Groups)</a:t>
-            </a:r>
-          </a:p>
-          <a:p>
-            <a:pPr lvl="1"/>
-            <a:r>
-              <a:rPr lang="en-US" dirty="0"/>
-              <a:t>H-Store (VLDB 2007</a:t>
-            </a:r>
-            <a:r>
-              <a:rPr lang="en-US" dirty="0" smtClean="0"/>
-              <a:t>)</a:t>
-            </a:r>
-            <a:r>
-              <a:rPr lang="en-US" altLang="zh-CN" dirty="0" smtClean="0"/>
-              <a:t>:</a:t>
+              <a:t>Release</a:t>
             </a:r>
             <a:r>
               <a:rPr lang="zh-CN" altLang="en-US" dirty="0" smtClean="0"/>
@@ -16469,7 +14282,7 @@
             </a:r>
             <a:r>
               <a:rPr lang="en-US" altLang="zh-CN" dirty="0" smtClean="0"/>
-              <a:t>Group</a:t>
+              <a:t>of</a:t>
             </a:r>
             <a:r>
               <a:rPr lang="zh-CN" altLang="en-US" dirty="0" smtClean="0"/>
@@ -16477,22 +14290,7 @@
             </a:r>
             <a:r>
               <a:rPr lang="en-US" altLang="zh-CN" dirty="0" smtClean="0"/>
-              <a:t>A</a:t>
-            </a:r>
-          </a:p>
-          <a:p>
-            <a:pPr lvl="1"/>
-            <a:r>
-              <a:rPr lang="pt-BR" dirty="0"/>
-              <a:t>Silo (SOSP 2013</a:t>
-            </a:r>
-            <a:r>
-              <a:rPr lang="pt-BR" dirty="0" smtClean="0"/>
-              <a:t>)</a:t>
-            </a:r>
-            <a:r>
-              <a:rPr lang="en-US" altLang="zh-CN" dirty="0" smtClean="0"/>
-              <a:t>:</a:t>
+              <a:t>Evaluation</a:t>
             </a:r>
             <a:r>
               <a:rPr lang="zh-CN" altLang="en-US" dirty="0" smtClean="0"/>
@@ -16500,7 +14298,19 @@
             </a:r>
             <a:r>
               <a:rPr lang="en-US" altLang="zh-CN" dirty="0" smtClean="0"/>
-              <a:t>Group</a:t>
+              <a:t>Info</a:t>
+            </a:r>
+            <a:endParaRPr lang="en-US" altLang="zh-CN" dirty="0" smtClean="0">
+              <a:solidFill>
+                <a:srgbClr val="FF0000"/>
+              </a:solidFill>
+            </a:endParaRPr>
+          </a:p>
+          <a:p>
+            <a:pPr lvl="1"/>
+            <a:r>
+              <a:rPr lang="en-US" altLang="zh-CN" dirty="0" smtClean="0"/>
+              <a:t>Evaluation</a:t>
             </a:r>
             <a:r>
               <a:rPr lang="zh-CN" altLang="en-US" dirty="0" smtClean="0"/>
@@ -16508,18 +14318,71 @@
             </a:r>
             <a:r>
               <a:rPr lang="en-US" altLang="zh-CN" dirty="0" smtClean="0"/>
-              <a:t>B</a:t>
+              <a:t>Document</a:t>
             </a:r>
           </a:p>
           <a:p>
             <a:pPr lvl="1"/>
+            <a:r>
+              <a:rPr lang="en-US" altLang="zh-CN" dirty="0" smtClean="0"/>
+              <a:t>Evaluation</a:t>
+            </a:r>
+            <a:r>
+              <a:rPr lang="zh-CN" altLang="en-US" dirty="0" smtClean="0"/>
+              <a:t> </a:t>
+            </a:r>
+            <a:r>
+              <a:rPr lang="en-US" altLang="zh-CN" dirty="0" smtClean="0"/>
+              <a:t>Data</a:t>
+            </a:r>
+          </a:p>
+          <a:p>
+            <a:r>
+              <a:rPr lang="en-US" altLang="zh-CN" dirty="0" smtClean="0"/>
+              <a:t>Project</a:t>
+            </a:r>
+            <a:r>
+              <a:rPr lang="zh-CN" altLang="en-US" dirty="0" smtClean="0"/>
+              <a:t> </a:t>
+            </a:r>
+            <a:r>
+              <a:rPr lang="en-US" altLang="zh-CN" dirty="0" smtClean="0"/>
+              <a:t>Evaluation</a:t>
+            </a:r>
+          </a:p>
+          <a:p>
+            <a:pPr lvl="1"/>
+            <a:r>
+              <a:rPr lang="en-US" altLang="zh-CN" dirty="0" smtClean="0"/>
+              <a:t>Onsite</a:t>
+            </a:r>
+            <a:r>
+              <a:rPr lang="zh-CN" altLang="en-US" dirty="0" smtClean="0"/>
+              <a:t> </a:t>
+            </a:r>
+            <a:r>
+              <a:rPr lang="en-US" altLang="zh-CN" dirty="0" smtClean="0"/>
+              <a:t>Evaluation</a:t>
+            </a:r>
+            <a:r>
+              <a:rPr lang="zh-CN" altLang="en-US" dirty="0" smtClean="0"/>
+              <a:t> </a:t>
+            </a:r>
+            <a:r>
+              <a:rPr lang="mr-IN" altLang="zh-CN" dirty="0" smtClean="0"/>
+              <a:t>–</a:t>
+            </a:r>
+            <a:r>
+              <a:rPr lang="zh-CN" altLang="en-US" dirty="0" smtClean="0"/>
+              <a:t> </a:t>
+            </a:r>
             <a:r>
               <a:rPr lang="en-US" altLang="zh-CN" dirty="0" smtClean="0">
                 <a:solidFill>
                   <a:srgbClr val="FF0000"/>
                 </a:solidFill>
               </a:rPr>
-              <a:t>December</a:t>
+              <a:t>Jan</a:t>
             </a:r>
             <a:r>
               <a:rPr lang="zh-CN" altLang="en-US" dirty="0" smtClean="0">
@@ -16530,12 +14393,52 @@
               <a:t> </a:t>
             </a:r>
             <a:r>
+              <a:rPr lang="en-US" altLang="zh-CN" dirty="0">
+                <a:solidFill>
+                  <a:srgbClr val="FF0000"/>
+                </a:solidFill>
+              </a:rPr>
+              <a:t>7</a:t>
+            </a:r>
+            <a:endParaRPr lang="en-US" altLang="zh-CN" dirty="0" smtClean="0">
+              <a:solidFill>
+                <a:srgbClr val="FF0000"/>
+              </a:solidFill>
+            </a:endParaRPr>
+          </a:p>
+          <a:p>
+            <a:pPr lvl="1"/>
+            <a:r>
+              <a:rPr lang="en-US" altLang="zh-CN" dirty="0" smtClean="0"/>
+              <a:t>Report</a:t>
+            </a:r>
+            <a:r>
+              <a:rPr lang="zh-CN" altLang="en-US" dirty="0" smtClean="0"/>
+              <a:t> </a:t>
+            </a:r>
+            <a:r>
+              <a:rPr lang="en-US" altLang="zh-CN" dirty="0" smtClean="0"/>
+              <a:t>Submission</a:t>
+            </a:r>
+            <a:r>
+              <a:rPr lang="zh-CN" altLang="en-US" dirty="0" smtClean="0"/>
+              <a:t> </a:t>
+            </a:r>
+            <a:r>
+              <a:rPr lang="mr-IN" altLang="zh-CN" dirty="0" smtClean="0"/>
+              <a:t>–</a:t>
+            </a:r>
+            <a:r>
+              <a:rPr lang="zh-CN" altLang="en-US" dirty="0" smtClean="0"/>
+              <a:t> </a:t>
+            </a:r>
+            <a:r>
               <a:rPr lang="en-US" altLang="zh-CN" dirty="0" smtClean="0">
                 <a:solidFill>
                   <a:srgbClr val="FF0000"/>
                 </a:solidFill>
               </a:rPr>
-              <a:t>13:</a:t>
+              <a:t>Jan</a:t>
             </a:r>
             <a:r>
               <a:rPr lang="zh-CN" altLang="en-US" dirty="0" smtClean="0">
@@ -16546,96 +14449,22 @@
               <a:t> </a:t>
             </a:r>
             <a:r>
-              <a:rPr lang="en-US" altLang="zh-CN" dirty="0" smtClean="0">
+              <a:rPr lang="en-US" altLang="zh-CN" smtClean="0">
                 <a:solidFill>
                   <a:srgbClr val="FF0000"/>
                 </a:solidFill>
               </a:rPr>
-              <a:t>50</a:t>
-            </a:r>
-            <a:r>
-              <a:rPr lang="zh-CN" altLang="en-US" dirty="0" smtClean="0">
-                <a:solidFill>
-                  <a:srgbClr val="FF0000"/>
-                </a:solidFill>
-              </a:rPr>
-              <a:t> </a:t>
-            </a:r>
-            <a:r>
-              <a:rPr lang="en-US" altLang="zh-CN" dirty="0" smtClean="0">
-                <a:solidFill>
-                  <a:srgbClr val="FF0000"/>
-                </a:solidFill>
-              </a:rPr>
-              <a:t>min</a:t>
-            </a:r>
-            <a:r>
-              <a:rPr lang="zh-CN" altLang="en-US" dirty="0" smtClean="0">
-                <a:solidFill>
-                  <a:srgbClr val="FF0000"/>
-                </a:solidFill>
-              </a:rPr>
-              <a:t> </a:t>
-            </a:r>
-            <a:r>
-              <a:rPr lang="en-US" altLang="zh-CN" dirty="0" smtClean="0">
-                <a:solidFill>
-                  <a:srgbClr val="FF0000"/>
-                </a:solidFill>
-              </a:rPr>
-              <a:t>per</a:t>
-            </a:r>
-            <a:r>
-              <a:rPr lang="zh-CN" altLang="en-US" dirty="0" smtClean="0">
-                <a:solidFill>
-                  <a:srgbClr val="FF0000"/>
-                </a:solidFill>
-              </a:rPr>
-              <a:t> </a:t>
-            </a:r>
-            <a:r>
-              <a:rPr lang="en-US" altLang="zh-CN" dirty="0" smtClean="0">
-                <a:solidFill>
-                  <a:srgbClr val="FF0000"/>
-                </a:solidFill>
-              </a:rPr>
-              <a:t>group</a:t>
-            </a:r>
-            <a:endParaRPr lang="en-US" dirty="0">
+              <a:t>11</a:t>
+            </a:r>
+            <a:endParaRPr lang="en-US" altLang="zh-CN" dirty="0" smtClean="0">
               <a:solidFill>
                 <a:srgbClr val="FF0000"/>
               </a:solidFill>
             </a:endParaRPr>
           </a:p>
           <a:p>
-            <a:r>
-              <a:rPr lang="en-US" dirty="0" smtClean="0"/>
-              <a:t>Self-Driving DBMS (Instructor)</a:t>
-            </a:r>
-          </a:p>
-          <a:p>
             <a:pPr lvl="1"/>
-            <a:r>
-              <a:rPr lang="en-US" dirty="0" smtClean="0">
-                <a:solidFill>
-                  <a:srgbClr val="FF0000"/>
-                </a:solidFill>
-              </a:rPr>
-              <a:t>December </a:t>
-            </a:r>
-            <a:r>
-              <a:rPr lang="en-US" altLang="zh-CN" dirty="0" smtClean="0">
-                <a:solidFill>
-                  <a:srgbClr val="FF0000"/>
-                </a:solidFill>
-              </a:rPr>
-              <a:t>20</a:t>
-            </a:r>
-            <a:endParaRPr lang="en-US" dirty="0" smtClean="0">
-              <a:solidFill>
-                <a:srgbClr val="FF0000"/>
-              </a:solidFill>
-            </a:endParaRPr>
+            <a:endParaRPr lang="en-US" dirty="0"/>
           </a:p>
         </p:txBody>
       </p:sp>
@@ -16688,7 +14517,7 @@
               <a:pPr>
                 <a:defRPr/>
               </a:pPr>
-              <a:t>43</a:t>
+              <a:t>38</a:t>
             </a:fld>
             <a:endParaRPr lang="zh-CN" altLang="en-US"/>
           </a:p>
@@ -16697,7 +14526,7 @@
     </p:spTree>
     <p:extLst>
       <p:ext uri="{BB962C8B-B14F-4D97-AF65-F5344CB8AC3E}">
-        <p14:creationId xmlns:p14="http://schemas.microsoft.com/office/powerpoint/2010/main" val="2136152994"/>
+        <p14:creationId xmlns:p14="http://schemas.microsoft.com/office/powerpoint/2010/main" val="1588101036"/>
       </p:ext>
     </p:extLst>
   </p:cSld>
@@ -16707,7 +14536,7 @@
 </p:sld>
 </file>
 
-<file path=ppt/slides/slide44.xml><?xml version="1.0" encoding="utf-8"?>
+<file path=ppt/slides/slide4.xml><?xml version="1.0" encoding="utf-8"?>
 <p:sld xmlns:a="http://schemas.openxmlformats.org/drawingml/2006/main" xmlns:r="http://schemas.openxmlformats.org/officeDocument/2006/relationships" xmlns:p="http://schemas.openxmlformats.org/presentationml/2006/main">
   <p:cSld>
     <p:spTree>
@@ -16741,7 +14570,7 @@
           <a:p>
             <a:r>
               <a:rPr lang="en-US" altLang="zh-CN" dirty="0" smtClean="0"/>
-              <a:t>Course</a:t>
+              <a:t>Three-Phase</a:t>
             </a:r>
             <a:r>
               <a:rPr lang="zh-CN" altLang="en-US" dirty="0" smtClean="0"/>
@@ -16749,244 +14578,41 @@
             </a:r>
             <a:r>
               <a:rPr lang="en-US" altLang="zh-CN" dirty="0" smtClean="0"/>
-              <a:t>Project</a:t>
+              <a:t>Commit</a:t>
             </a:r>
             <a:endParaRPr lang="en-US" dirty="0"/>
           </a:p>
         </p:txBody>
       </p:sp>
-      <p:sp>
-        <p:nvSpPr>
-          <p:cNvPr id="3" name="Content Placeholder 2"/>
-          <p:cNvSpPr>
-            <a:spLocks noGrp="1"/>
-          </p:cNvSpPr>
+      <p:pic>
+        <p:nvPicPr>
+          <p:cNvPr id="6" name="Content Placeholder 5"/>
+          <p:cNvPicPr>
+            <a:picLocks noGrp="1" noChangeAspect="1"/>
+          </p:cNvPicPr>
           <p:nvPr>
             <p:ph idx="1"/>
           </p:nvPr>
-        </p:nvSpPr>
-        <p:spPr/>
-        <p:txBody>
-          <a:bodyPr/>
-          <a:lstStyle/>
-          <a:p>
-            <a:r>
-              <a:rPr lang="en-US" altLang="zh-CN" dirty="0" smtClean="0"/>
-              <a:t>Release</a:t>
-            </a:r>
-            <a:r>
-              <a:rPr lang="zh-CN" altLang="en-US" dirty="0" smtClean="0"/>
-              <a:t> </a:t>
-            </a:r>
-            <a:r>
-              <a:rPr lang="en-US" altLang="zh-CN" dirty="0" smtClean="0"/>
-              <a:t>of</a:t>
-            </a:r>
-            <a:r>
-              <a:rPr lang="zh-CN" altLang="en-US" dirty="0" smtClean="0"/>
-              <a:t> </a:t>
-            </a:r>
-            <a:r>
-              <a:rPr lang="en-US" altLang="zh-CN" dirty="0" smtClean="0"/>
-              <a:t>Evaluation</a:t>
-            </a:r>
-            <a:r>
-              <a:rPr lang="zh-CN" altLang="en-US" dirty="0" smtClean="0"/>
-              <a:t> </a:t>
-            </a:r>
-            <a:r>
-              <a:rPr lang="en-US" altLang="zh-CN" dirty="0" smtClean="0"/>
-              <a:t>Info</a:t>
-            </a:r>
-            <a:r>
-              <a:rPr lang="zh-CN" altLang="en-US" dirty="0" smtClean="0"/>
-              <a:t> </a:t>
-            </a:r>
-            <a:r>
-              <a:rPr lang="mr-IN" altLang="zh-CN" dirty="0" smtClean="0"/>
-              <a:t>–</a:t>
-            </a:r>
-            <a:r>
-              <a:rPr lang="zh-CN" altLang="en-US" dirty="0" smtClean="0"/>
-              <a:t> </a:t>
-            </a:r>
-            <a:r>
-              <a:rPr lang="en-US" altLang="zh-CN" dirty="0" smtClean="0">
-                <a:solidFill>
-                  <a:srgbClr val="FF0000"/>
-                </a:solidFill>
-              </a:rPr>
-              <a:t>Dec</a:t>
-            </a:r>
-            <a:r>
-              <a:rPr lang="zh-CN" altLang="en-US" dirty="0" smtClean="0">
-                <a:solidFill>
-                  <a:srgbClr val="FF0000"/>
-                </a:solidFill>
-              </a:rPr>
-              <a:t> </a:t>
-            </a:r>
-            <a:r>
-              <a:rPr lang="en-US" altLang="zh-CN" dirty="0" smtClean="0">
-                <a:solidFill>
-                  <a:srgbClr val="FF0000"/>
-                </a:solidFill>
-              </a:rPr>
-              <a:t>13</a:t>
-            </a:r>
-          </a:p>
-          <a:p>
-            <a:pPr lvl="1"/>
-            <a:r>
-              <a:rPr lang="en-US" altLang="zh-CN" dirty="0" smtClean="0"/>
-              <a:t>Evaluation</a:t>
-            </a:r>
-            <a:r>
-              <a:rPr lang="zh-CN" altLang="en-US" dirty="0" smtClean="0"/>
-              <a:t> </a:t>
-            </a:r>
-            <a:r>
-              <a:rPr lang="en-US" altLang="zh-CN" dirty="0" smtClean="0"/>
-              <a:t>Document</a:t>
-            </a:r>
-          </a:p>
-          <a:p>
-            <a:pPr lvl="1"/>
-            <a:r>
-              <a:rPr lang="en-US" altLang="zh-CN" dirty="0" smtClean="0"/>
-              <a:t>Evaluation</a:t>
-            </a:r>
-            <a:r>
-              <a:rPr lang="zh-CN" altLang="en-US" dirty="0" smtClean="0"/>
-              <a:t> </a:t>
-            </a:r>
-            <a:r>
-              <a:rPr lang="en-US" altLang="zh-CN" dirty="0" smtClean="0"/>
-              <a:t>Data</a:t>
-            </a:r>
-          </a:p>
-          <a:p>
-            <a:r>
-              <a:rPr lang="en-US" altLang="zh-CN" dirty="0" smtClean="0"/>
-              <a:t>Project</a:t>
-            </a:r>
-            <a:r>
-              <a:rPr lang="zh-CN" altLang="en-US" dirty="0" smtClean="0"/>
-              <a:t> </a:t>
-            </a:r>
-            <a:r>
-              <a:rPr lang="en-US" altLang="zh-CN" dirty="0" smtClean="0"/>
-              <a:t>Evaluation</a:t>
-            </a:r>
-          </a:p>
-          <a:p>
-            <a:pPr lvl="1"/>
-            <a:r>
-              <a:rPr lang="en-US" altLang="zh-CN" dirty="0" smtClean="0"/>
-              <a:t>Onsite</a:t>
-            </a:r>
-            <a:r>
-              <a:rPr lang="zh-CN" altLang="en-US" dirty="0" smtClean="0"/>
-              <a:t> </a:t>
-            </a:r>
-            <a:r>
-              <a:rPr lang="en-US" altLang="zh-CN" dirty="0" smtClean="0"/>
-              <a:t>Evaluation</a:t>
-            </a:r>
-            <a:r>
-              <a:rPr lang="zh-CN" altLang="en-US" dirty="0" smtClean="0"/>
-              <a:t> </a:t>
-            </a:r>
-            <a:r>
-              <a:rPr lang="mr-IN" altLang="zh-CN" dirty="0" smtClean="0"/>
-              <a:t>–</a:t>
-            </a:r>
-            <a:r>
-              <a:rPr lang="zh-CN" altLang="en-US" dirty="0" smtClean="0"/>
-              <a:t> </a:t>
-            </a:r>
-            <a:r>
-              <a:rPr lang="en-US" altLang="zh-CN" dirty="0" smtClean="0">
-                <a:solidFill>
-                  <a:srgbClr val="FF0000"/>
-                </a:solidFill>
-              </a:rPr>
-              <a:t>Jan</a:t>
-            </a:r>
-            <a:r>
-              <a:rPr lang="zh-CN" altLang="en-US" dirty="0" smtClean="0">
-                <a:solidFill>
-                  <a:srgbClr val="FF0000"/>
-                </a:solidFill>
-              </a:rPr>
-              <a:t> </a:t>
-            </a:r>
-            <a:r>
-              <a:rPr lang="en-US" altLang="zh-CN" dirty="0" smtClean="0">
-                <a:solidFill>
-                  <a:srgbClr val="FF0000"/>
-                </a:solidFill>
-              </a:rPr>
-              <a:t>3</a:t>
-            </a:r>
-          </a:p>
-          <a:p>
-            <a:pPr lvl="1"/>
-            <a:r>
-              <a:rPr lang="en-US" altLang="zh-CN" dirty="0" smtClean="0"/>
-              <a:t>Report</a:t>
-            </a:r>
-            <a:r>
-              <a:rPr lang="zh-CN" altLang="en-US" dirty="0" smtClean="0"/>
-              <a:t> </a:t>
-            </a:r>
-            <a:r>
-              <a:rPr lang="en-US" altLang="zh-CN" dirty="0" smtClean="0"/>
-              <a:t>Submission</a:t>
-            </a:r>
-            <a:r>
-              <a:rPr lang="zh-CN" altLang="en-US" dirty="0" smtClean="0"/>
-              <a:t> </a:t>
-            </a:r>
-            <a:r>
-              <a:rPr lang="mr-IN" altLang="zh-CN" dirty="0" smtClean="0"/>
-              <a:t>–</a:t>
-            </a:r>
-            <a:r>
-              <a:rPr lang="zh-CN" altLang="en-US" dirty="0" smtClean="0"/>
-              <a:t> </a:t>
-            </a:r>
-            <a:r>
-              <a:rPr lang="en-US" altLang="zh-CN" dirty="0" smtClean="0">
-                <a:solidFill>
-                  <a:srgbClr val="FF0000"/>
-                </a:solidFill>
-              </a:rPr>
-              <a:t>Jan</a:t>
-            </a:r>
-            <a:r>
-              <a:rPr lang="zh-CN" altLang="en-US" dirty="0" smtClean="0">
-                <a:solidFill>
-                  <a:srgbClr val="FF0000"/>
-                </a:solidFill>
-              </a:rPr>
-              <a:t> </a:t>
-            </a:r>
-            <a:r>
-              <a:rPr lang="en-US" altLang="zh-CN" dirty="0" smtClean="0">
-                <a:solidFill>
-                  <a:srgbClr val="FF0000"/>
-                </a:solidFill>
-              </a:rPr>
-              <a:t>6</a:t>
-            </a:r>
-          </a:p>
-          <a:p>
-            <a:pPr lvl="1"/>
-            <a:endParaRPr lang="en-US" dirty="0"/>
-          </a:p>
-        </p:txBody>
-      </p:sp>
+        </p:nvPicPr>
+        <p:blipFill>
+          <a:blip r:embed="rId2">
+            <a:extLst>
+              <a:ext uri="{28A0092B-C50C-407E-A947-70E740481C1C}">
+                <a14:useLocalDpi xmlns:a14="http://schemas.microsoft.com/office/drawing/2010/main" val="0"/>
+              </a:ext>
+            </a:extLst>
+          </a:blip>
+          <a:stretch>
+            <a:fillRect/>
+          </a:stretch>
+        </p:blipFill>
+        <p:spPr>
+          <a:xfrm>
+            <a:off x="1675707" y="1656714"/>
+            <a:ext cx="6712717" cy="4591685"/>
+          </a:xfrm>
+        </p:spPr>
+      </p:pic>
       <p:sp>
         <p:nvSpPr>
           <p:cNvPr id="4" name="Footer Placeholder 3"/>
@@ -17036,22 +14662,128 @@
               <a:pPr>
                 <a:defRPr/>
               </a:pPr>
-              <a:t>44</a:t>
+              <a:t>4</a:t>
             </a:fld>
             <a:endParaRPr lang="zh-CN" altLang="en-US"/>
+          </a:p>
+        </p:txBody>
+      </p:sp>
+      <p:sp>
+        <p:nvSpPr>
+          <p:cNvPr id="7" name="TextBox 6"/>
+          <p:cNvSpPr txBox="1"/>
+          <p:nvPr/>
+        </p:nvSpPr>
+        <p:spPr>
+          <a:xfrm>
+            <a:off x="6156148" y="1309116"/>
+            <a:ext cx="2898550" cy="400110"/>
+          </a:xfrm>
+          <a:prstGeom prst="rect">
+            <a:avLst/>
+          </a:prstGeom>
+          <a:noFill/>
+          <a:ln>
+            <a:solidFill>
+              <a:schemeClr val="tx1"/>
+            </a:solidFill>
+          </a:ln>
+        </p:spPr>
+        <p:txBody>
+          <a:bodyPr wrap="none" rtlCol="0">
+            <a:spAutoFit/>
+          </a:bodyPr>
+          <a:lstStyle/>
+          <a:p>
+            <a:r>
+              <a:rPr lang="zh-CN" altLang="en-US" sz="2000" dirty="0" smtClean="0">
+                <a:solidFill>
+                  <a:srgbClr val="FF0000"/>
+                </a:solidFill>
+              </a:rPr>
+              <a:t>** </a:t>
+            </a:r>
+            <a:r>
+              <a:rPr lang="en-US" altLang="zh-CN" sz="2000" dirty="0" smtClean="0">
+                <a:solidFill>
+                  <a:srgbClr val="FF0000"/>
+                </a:solidFill>
+              </a:rPr>
+              <a:t>=</a:t>
+            </a:r>
+            <a:r>
+              <a:rPr lang="zh-CN" altLang="en-US" sz="2000" dirty="0" smtClean="0">
+                <a:solidFill>
+                  <a:srgbClr val="FF0000"/>
+                </a:solidFill>
+              </a:rPr>
+              <a:t> </a:t>
+            </a:r>
+            <a:r>
+              <a:rPr lang="en-US" altLang="zh-CN" sz="2000" dirty="0" smtClean="0">
+                <a:solidFill>
+                  <a:srgbClr val="FF0000"/>
+                </a:solidFill>
+              </a:rPr>
+              <a:t>all</a:t>
+            </a:r>
+            <a:r>
+              <a:rPr lang="zh-CN" altLang="en-US" sz="2000" dirty="0" smtClean="0">
+                <a:solidFill>
+                  <a:srgbClr val="FF0000"/>
+                </a:solidFill>
+              </a:rPr>
+              <a:t> </a:t>
+            </a:r>
+            <a:r>
+              <a:rPr lang="en-US" altLang="zh-CN" sz="2000" dirty="0" smtClean="0">
+                <a:solidFill>
+                  <a:srgbClr val="FF0000"/>
+                </a:solidFill>
+              </a:rPr>
+              <a:t>non-failed</a:t>
+            </a:r>
+            <a:r>
+              <a:rPr lang="zh-CN" altLang="en-US" sz="2000" dirty="0" smtClean="0">
+                <a:solidFill>
+                  <a:srgbClr val="FF0000"/>
+                </a:solidFill>
+              </a:rPr>
+              <a:t> </a:t>
+            </a:r>
+            <a:r>
+              <a:rPr lang="en-US" altLang="zh-CN" sz="2000" dirty="0" smtClean="0">
+                <a:solidFill>
+                  <a:srgbClr val="FF0000"/>
+                </a:solidFill>
+              </a:rPr>
+              <a:t>nodes</a:t>
+            </a:r>
+            <a:endParaRPr lang="en-US" sz="2000" dirty="0">
+              <a:solidFill>
+                <a:srgbClr val="FF0000"/>
+              </a:solidFill>
+            </a:endParaRPr>
           </a:p>
         </p:txBody>
       </p:sp>
     </p:spTree>
     <p:extLst>
       <p:ext uri="{BB962C8B-B14F-4D97-AF65-F5344CB8AC3E}">
-        <p14:creationId xmlns:p14="http://schemas.microsoft.com/office/powerpoint/2010/main" val="1588101036"/>
+        <p14:creationId xmlns:p14="http://schemas.microsoft.com/office/powerpoint/2010/main" val="1520439712"/>
       </p:ext>
     </p:extLst>
   </p:cSld>
   <p:clrMapOvr>
     <a:masterClrMapping/>
   </p:clrMapOvr>
+  <p:timing>
+    <p:tnLst>
+      <p:par>
+        <p:cTn id="1" dur="indefinite" restart="never" nodeType="tmRoot"/>
+      </p:par>
+    </p:tnLst>
+  </p:timing>
 </p:sld>
 </file>
 
